--- a/Docs/ForTheBlind/Visually Imparied Introduction.pptx
+++ b/Docs/ForTheBlind/Visually Imparied Introduction.pptx
@@ -1043,24 +1043,6 @@
         <p:txBody>
           <a:bodyPr/>
           <a:lstStyle/>
-          <a:p>
-            <a:r>
-              <a:rPr lang="en-US" dirty="0"/>
-              <a:t>File, as a named group of bytes is an abstraction.</a:t>
-            </a:r>
-          </a:p>
-          <a:p>
-            <a:r>
-              <a:rPr lang="en-US" dirty="0"/>
-              <a:t>Years ago the programmer needed to understand more about the structure.</a:t>
-            </a:r>
-          </a:p>
-          <a:p>
-            <a:r>
-              <a:rPr lang="en-US" dirty="0"/>
-              <a:t>Your Python program is a data file to some program(s).</a:t>
-            </a:r>
-          </a:p>
           <a:p>
             <a:endParaRPr lang="en-US" dirty="0"/>
           </a:p>
@@ -10532,7 +10514,7 @@
           <a:p>
             <a:r>
               <a:rPr lang="en-US" dirty="0"/>
-              <a:t>Braille usage requirements</a:t>
+              <a:t>Braille usage steps</a:t>
             </a:r>
           </a:p>
         </p:txBody>
@@ -10576,7 +10558,7 @@
                   <a:schemeClr val="accent1"/>
                 </a:solidFill>
               </a:rPr>
-              <a:t>Transmission</a:t>
+              <a:t>Transmit Braille machine</a:t>
             </a:r>
           </a:p>
           <a:p>
@@ -10586,7 +10568,7 @@
                   <a:schemeClr val="accent1"/>
                 </a:solidFill>
               </a:rPr>
-              <a:t>Retrieving Braille</a:t>
+              <a:t>Retrieve Braille</a:t>
             </a:r>
           </a:p>
           <a:p>
@@ -10757,8 +10739,12 @@
           <a:lstStyle/>
           <a:p>
             <a:r>
+              <a:rPr lang="en-US"/>
+              <a:t>Hope: </a:t>
+            </a:r>
+            <a:r>
               <a:rPr lang="en-US" dirty="0"/>
-              <a:t>Expected quick change and quick view</a:t>
+              <a:t>quick change and quick view</a:t>
             </a:r>
           </a:p>
         </p:txBody>
@@ -13426,7 +13412,7 @@
             <a:pPr lvl="1"/>
             <a:r>
               <a:rPr lang="en-US" sz="3600" i="1" dirty="0"/>
-              <a:t>Tools e.g. Braillers are expensive/rare</a:t>
+              <a:t>Tools e.g. Braillers are expensive – not at everyone's desk</a:t>
             </a:r>
           </a:p>
           <a:p>
@@ -14178,7 +14164,7 @@
             <a:pPr lvl="1"/>
             <a:r>
               <a:rPr lang="en-US" sz="4000" i="1" dirty="0"/>
-              <a:t>Braille rendition of graphics output</a:t>
+              <a:t>Braille rendition of simple graphics output</a:t>
             </a:r>
           </a:p>
           <a:p>
@@ -14533,7 +14519,7 @@
           <a:p>
             <a:r>
               <a:rPr lang="en-US" sz="4400" dirty="0"/>
-              <a:t>For Non-programmers</a:t>
+              <a:t>Non-programming view</a:t>
             </a:r>
           </a:p>
         </p:txBody>
@@ -14564,10 +14550,17 @@
             <a:pPr lvl="1"/>
             <a:r>
               <a:rPr lang="en-US" sz="4000" i="1" dirty="0"/>
-              <a:t>Python program – a wordy nerdy "</a:t>
-            </a:r>
-            <a:r>
-              <a:rPr lang="en-US" sz="4000" i="1" dirty="0">
+              <a:t>Python program</a:t>
+            </a:r>
+          </a:p>
+          <a:p>
+            <a:pPr lvl="2"/>
+            <a:r>
+              <a:rPr lang="en-US" sz="3800" i="1" dirty="0"/>
+              <a:t>a wordy nerdy "</a:t>
+            </a:r>
+            <a:r>
+              <a:rPr lang="en-US" sz="3800" i="1" dirty="0">
                 <a:solidFill>
                   <a:schemeClr val="accent1"/>
                 </a:solidFill>
@@ -14575,14 +14568,14 @@
               <a:t>Etch A Sketch</a:t>
             </a:r>
             <a:r>
-              <a:rPr lang="en-US" sz="4000" i="1" dirty="0"/>
+              <a:rPr lang="en-US" sz="3800" i="1" dirty="0"/>
               <a:t>" drawing tool</a:t>
             </a:r>
           </a:p>
           <a:p>
-            <a:pPr lvl="1"/>
-            <a:r>
-              <a:rPr lang="en-US" sz="4000" i="1" dirty="0"/>
+            <a:pPr lvl="2"/>
+            <a:r>
+              <a:rPr lang="en-US" sz="3800" i="1" dirty="0"/>
               <a:t>Drawing Instructions</a:t>
             </a:r>
           </a:p>

--- a/Docs/ForTheBlind/Visually Imparied Introduction.pptx
+++ b/Docs/ForTheBlind/Visually Imparied Introduction.pptx
@@ -5,7 +5,7 @@
     <p:sldMasterId id="2147483660" r:id="rId1"/>
   </p:sldMasterIdLst>
   <p:notesMasterIdLst>
-    <p:notesMasterId r:id="rId22"/>
+    <p:notesMasterId r:id="rId37"/>
   </p:notesMasterIdLst>
   <p:sldIdLst>
     <p:sldId id="411" r:id="rId2"/>
@@ -27,7 +27,22 @@
     <p:sldId id="422" r:id="rId18"/>
     <p:sldId id="423" r:id="rId19"/>
     <p:sldId id="426" r:id="rId20"/>
-    <p:sldId id="403" r:id="rId21"/>
+    <p:sldId id="442" r:id="rId21"/>
+    <p:sldId id="403" r:id="rId22"/>
+    <p:sldId id="430" r:id="rId23"/>
+    <p:sldId id="431" r:id="rId24"/>
+    <p:sldId id="435" r:id="rId25"/>
+    <p:sldId id="432" r:id="rId26"/>
+    <p:sldId id="436" r:id="rId27"/>
+    <p:sldId id="433" r:id="rId28"/>
+    <p:sldId id="437" r:id="rId29"/>
+    <p:sldId id="438" r:id="rId30"/>
+    <p:sldId id="434" r:id="rId31"/>
+    <p:sldId id="439" r:id="rId32"/>
+    <p:sldId id="440" r:id="rId33"/>
+    <p:sldId id="443" r:id="rId34"/>
+    <p:sldId id="444" r:id="rId35"/>
+    <p:sldId id="441" r:id="rId36"/>
   </p:sldIdLst>
   <p:sldSz cx="12192000" cy="6858000"/>
   <p:notesSz cx="6858000" cy="9144000"/>
@@ -216,7 +231,7 @@
           <a:p>
             <a:fld id="{656D2E9F-587F-4929-A615-D1B22C008AE4}" type="datetimeFigureOut">
               <a:rPr lang="en-US" smtClean="0"/>
-              <a:t>1/10/2023</a:t>
+              <a:t>1/19/2023</a:t>
             </a:fld>
             <a:endParaRPr lang="en-US" dirty="0"/>
           </a:p>
@@ -647,7 +662,7 @@
                 <a:tabLst/>
                 <a:defRPr/>
               </a:pPr>
-              <a:t>1/10/2023</a:t>
+              <a:t>1/19/2023</a:t>
             </a:fld>
             <a:endParaRPr kumimoji="0" lang="en-US" sz="1200" b="0" i="0" u="none" strike="noStrike" kern="1200" cap="none" spc="0" normalizeH="0" baseline="0" noProof="0" dirty="0">
               <a:ln>
@@ -1087,7 +1102,7 @@
           <a:p>
             <a:fld id="{A596092B-28C7-44D1-B902-5437B333DFB7}" type="datetime1">
               <a:rPr lang="en-US" smtClean="0"/>
-              <a:t>1/10/2023</a:t>
+              <a:t>1/19/2023</a:t>
             </a:fld>
             <a:endParaRPr lang="en-US" dirty="0"/>
           </a:p>
@@ -1132,7 +1147,7 @@
           <a:p>
             <a:fld id="{BA791329-992B-4F83-8435-C33B0EC26DB3}" type="slidenum">
               <a:rPr lang="en-US" smtClean="0"/>
-              <a:t>20</a:t>
+              <a:t>21</a:t>
             </a:fld>
             <a:endParaRPr lang="en-US" dirty="0"/>
           </a:p>
@@ -1142,6 +1157,488 @@
     <p:extLst>
       <p:ext uri="{BB962C8B-B14F-4D97-AF65-F5344CB8AC3E}">
         <p14:creationId xmlns:p14="http://schemas.microsoft.com/office/powerpoint/2010/main" val="130976200"/>
+      </p:ext>
+    </p:extLst>
+  </p:cSld>
+  <p:clrMapOvr>
+    <a:masterClrMapping/>
+  </p:clrMapOvr>
+</p:notes>
+</file>
+
+<file path=ppt/notesSlides/notesSlide13.xml><?xml version="1.0" encoding="utf-8"?>
+<p:notes xmlns:a="http://schemas.openxmlformats.org/drawingml/2006/main" xmlns:r="http://schemas.openxmlformats.org/officeDocument/2006/relationships" xmlns:p="http://schemas.openxmlformats.org/presentationml/2006/main">
+  <p:cSld>
+    <p:spTree>
+      <p:nvGrpSpPr>
+        <p:cNvPr id="1" name=""/>
+        <p:cNvGrpSpPr/>
+        <p:nvPr/>
+      </p:nvGrpSpPr>
+      <p:grpSpPr>
+        <a:xfrm>
+          <a:off x="0" y="0"/>
+          <a:ext cx="0" cy="0"/>
+          <a:chOff x="0" y="0"/>
+          <a:chExt cx="0" cy="0"/>
+        </a:xfrm>
+      </p:grpSpPr>
+      <p:sp>
+        <p:nvSpPr>
+          <p:cNvPr id="2" name="Slide Image Placeholder 1"/>
+          <p:cNvSpPr>
+            <a:spLocks noGrp="1" noRot="1" noChangeAspect="1"/>
+          </p:cNvSpPr>
+          <p:nvPr>
+            <p:ph type="sldImg"/>
+          </p:nvPr>
+        </p:nvSpPr>
+        <p:spPr/>
+      </p:sp>
+      <p:sp>
+        <p:nvSpPr>
+          <p:cNvPr id="3" name="Notes Placeholder 2"/>
+          <p:cNvSpPr>
+            <a:spLocks noGrp="1"/>
+          </p:cNvSpPr>
+          <p:nvPr>
+            <p:ph type="body" idx="1"/>
+          </p:nvPr>
+        </p:nvSpPr>
+        <p:spPr/>
+        <p:txBody>
+          <a:bodyPr/>
+          <a:lstStyle/>
+          <a:p>
+            <a:endParaRPr lang="en-US" dirty="0"/>
+          </a:p>
+        </p:txBody>
+      </p:sp>
+      <p:sp>
+        <p:nvSpPr>
+          <p:cNvPr id="4" name="Header Placeholder 3"/>
+          <p:cNvSpPr>
+            <a:spLocks noGrp="1"/>
+          </p:cNvSpPr>
+          <p:nvPr>
+            <p:ph type="hdr" sz="quarter" idx="10"/>
+          </p:nvPr>
+        </p:nvSpPr>
+        <p:spPr/>
+        <p:txBody>
+          <a:bodyPr/>
+          <a:lstStyle/>
+          <a:p>
+            <a:r>
+              <a:rPr lang="en-US" dirty="0"/>
+              <a:t>Introduction to Programming using Python</a:t>
+            </a:r>
+          </a:p>
+        </p:txBody>
+      </p:sp>
+      <p:sp>
+        <p:nvSpPr>
+          <p:cNvPr id="5" name="Date Placeholder 4"/>
+          <p:cNvSpPr>
+            <a:spLocks noGrp="1"/>
+          </p:cNvSpPr>
+          <p:nvPr>
+            <p:ph type="dt" idx="11"/>
+          </p:nvPr>
+        </p:nvSpPr>
+        <p:spPr/>
+        <p:txBody>
+          <a:bodyPr/>
+          <a:lstStyle/>
+          <a:p>
+            <a:fld id="{A596092B-28C7-44D1-B902-5437B333DFB7}" type="datetime1">
+              <a:rPr lang="en-US" smtClean="0"/>
+              <a:t>1/19/2023</a:t>
+            </a:fld>
+            <a:endParaRPr lang="en-US" dirty="0"/>
+          </a:p>
+        </p:txBody>
+      </p:sp>
+      <p:sp>
+        <p:nvSpPr>
+          <p:cNvPr id="6" name="Footer Placeholder 5"/>
+          <p:cNvSpPr>
+            <a:spLocks noGrp="1"/>
+          </p:cNvSpPr>
+          <p:nvPr>
+            <p:ph type="ftr" sz="quarter" idx="12"/>
+          </p:nvPr>
+        </p:nvSpPr>
+        <p:spPr/>
+        <p:txBody>
+          <a:bodyPr/>
+          <a:lstStyle/>
+          <a:p>
+            <a:r>
+              <a:rPr lang="en-US" dirty="0"/>
+              <a:t>raysmith@alum.mit.edu</a:t>
+            </a:r>
+          </a:p>
+        </p:txBody>
+      </p:sp>
+      <p:sp>
+        <p:nvSpPr>
+          <p:cNvPr id="7" name="Slide Number Placeholder 6"/>
+          <p:cNvSpPr>
+            <a:spLocks noGrp="1"/>
+          </p:cNvSpPr>
+          <p:nvPr>
+            <p:ph type="sldNum" sz="quarter" idx="13"/>
+          </p:nvPr>
+        </p:nvSpPr>
+        <p:spPr/>
+        <p:txBody>
+          <a:bodyPr/>
+          <a:lstStyle/>
+          <a:p>
+            <a:fld id="{BA791329-992B-4F83-8435-C33B0EC26DB3}" type="slidenum">
+              <a:rPr lang="en-US" smtClean="0"/>
+              <a:t>22</a:t>
+            </a:fld>
+            <a:endParaRPr lang="en-US" dirty="0"/>
+          </a:p>
+        </p:txBody>
+      </p:sp>
+    </p:spTree>
+    <p:extLst>
+      <p:ext uri="{BB962C8B-B14F-4D97-AF65-F5344CB8AC3E}">
+        <p14:creationId xmlns:p14="http://schemas.microsoft.com/office/powerpoint/2010/main" val="550709436"/>
+      </p:ext>
+    </p:extLst>
+  </p:cSld>
+  <p:clrMapOvr>
+    <a:masterClrMapping/>
+  </p:clrMapOvr>
+</p:notes>
+</file>
+
+<file path=ppt/notesSlides/notesSlide14.xml><?xml version="1.0" encoding="utf-8"?>
+<p:notes xmlns:a="http://schemas.openxmlformats.org/drawingml/2006/main" xmlns:r="http://schemas.openxmlformats.org/officeDocument/2006/relationships" xmlns:p="http://schemas.openxmlformats.org/presentationml/2006/main">
+  <p:cSld>
+    <p:spTree>
+      <p:nvGrpSpPr>
+        <p:cNvPr id="1" name=""/>
+        <p:cNvGrpSpPr/>
+        <p:nvPr/>
+      </p:nvGrpSpPr>
+      <p:grpSpPr>
+        <a:xfrm>
+          <a:off x="0" y="0"/>
+          <a:ext cx="0" cy="0"/>
+          <a:chOff x="0" y="0"/>
+          <a:chExt cx="0" cy="0"/>
+        </a:xfrm>
+      </p:grpSpPr>
+      <p:sp>
+        <p:nvSpPr>
+          <p:cNvPr id="2" name="Slide Image Placeholder 1"/>
+          <p:cNvSpPr>
+            <a:spLocks noGrp="1" noRot="1" noChangeAspect="1"/>
+          </p:cNvSpPr>
+          <p:nvPr>
+            <p:ph type="sldImg"/>
+          </p:nvPr>
+        </p:nvSpPr>
+        <p:spPr/>
+      </p:sp>
+      <p:sp>
+        <p:nvSpPr>
+          <p:cNvPr id="3" name="Notes Placeholder 2"/>
+          <p:cNvSpPr>
+            <a:spLocks noGrp="1"/>
+          </p:cNvSpPr>
+          <p:nvPr>
+            <p:ph type="body" idx="1"/>
+          </p:nvPr>
+        </p:nvSpPr>
+        <p:spPr/>
+        <p:txBody>
+          <a:bodyPr/>
+          <a:lstStyle/>
+          <a:p>
+            <a:endParaRPr lang="en-US" dirty="0"/>
+          </a:p>
+        </p:txBody>
+      </p:sp>
+      <p:sp>
+        <p:nvSpPr>
+          <p:cNvPr id="4" name="Header Placeholder 3"/>
+          <p:cNvSpPr>
+            <a:spLocks noGrp="1"/>
+          </p:cNvSpPr>
+          <p:nvPr>
+            <p:ph type="hdr" sz="quarter" idx="10"/>
+          </p:nvPr>
+        </p:nvSpPr>
+        <p:spPr/>
+        <p:txBody>
+          <a:bodyPr/>
+          <a:lstStyle/>
+          <a:p>
+            <a:pPr marL="0" marR="0" lvl="0" indent="0" algn="l" defTabSz="914400" rtl="0" eaLnBrk="1" fontAlgn="auto" latinLnBrk="0" hangingPunct="1">
+              <a:lnSpc>
+                <a:spcPct val="100000"/>
+              </a:lnSpc>
+              <a:spcBef>
+                <a:spcPts val="0"/>
+              </a:spcBef>
+              <a:spcAft>
+                <a:spcPts val="0"/>
+              </a:spcAft>
+              <a:buClrTx/>
+              <a:buSzTx/>
+              <a:buFontTx/>
+              <a:buNone/>
+              <a:tabLst/>
+              <a:defRPr/>
+            </a:pPr>
+            <a:r>
+              <a:rPr kumimoji="0" lang="en-US" sz="1200" b="0" i="0" u="none" strike="noStrike" kern="1200" cap="none" spc="0" normalizeH="0" baseline="0" noProof="0" dirty="0">
+                <a:ln>
+                  <a:noFill/>
+                </a:ln>
+                <a:solidFill>
+                  <a:prstClr val="black"/>
+                </a:solidFill>
+                <a:effectLst/>
+                <a:uLnTx/>
+                <a:uFillTx/>
+                <a:latin typeface="Calibri" panose="020F0502020204030204"/>
+                <a:ea typeface="+mn-ea"/>
+                <a:cs typeface="+mn-cs"/>
+              </a:rPr>
+              <a:t>Introduction to Programming using Python</a:t>
+            </a:r>
+          </a:p>
+        </p:txBody>
+      </p:sp>
+      <p:sp>
+        <p:nvSpPr>
+          <p:cNvPr id="5" name="Date Placeholder 4"/>
+          <p:cNvSpPr>
+            <a:spLocks noGrp="1"/>
+          </p:cNvSpPr>
+          <p:nvPr>
+            <p:ph type="dt" idx="11"/>
+          </p:nvPr>
+        </p:nvSpPr>
+        <p:spPr/>
+        <p:txBody>
+          <a:bodyPr/>
+          <a:lstStyle/>
+          <a:p>
+            <a:pPr marL="0" marR="0" lvl="0" indent="0" algn="r" defTabSz="914400" rtl="0" eaLnBrk="1" fontAlgn="auto" latinLnBrk="0" hangingPunct="1">
+              <a:lnSpc>
+                <a:spcPct val="100000"/>
+              </a:lnSpc>
+              <a:spcBef>
+                <a:spcPts val="0"/>
+              </a:spcBef>
+              <a:spcAft>
+                <a:spcPts val="0"/>
+              </a:spcAft>
+              <a:buClrTx/>
+              <a:buSzTx/>
+              <a:buFontTx/>
+              <a:buNone/>
+              <a:tabLst/>
+              <a:defRPr/>
+            </a:pPr>
+            <a:fld id="{A596092B-28C7-44D1-B902-5437B333DFB7}" type="datetime1">
+              <a:rPr kumimoji="0" lang="en-US" sz="1200" b="0" i="0" u="none" strike="noStrike" kern="1200" cap="none" spc="0" normalizeH="0" baseline="0" noProof="0" smtClean="0">
+                <a:ln>
+                  <a:noFill/>
+                </a:ln>
+                <a:solidFill>
+                  <a:prstClr val="black"/>
+                </a:solidFill>
+                <a:effectLst/>
+                <a:uLnTx/>
+                <a:uFillTx/>
+                <a:latin typeface="Calibri" panose="020F0502020204030204"/>
+                <a:ea typeface="+mn-ea"/>
+                <a:cs typeface="+mn-cs"/>
+              </a:rPr>
+              <a:pPr marL="0" marR="0" lvl="0" indent="0" algn="r" defTabSz="914400" rtl="0" eaLnBrk="1" fontAlgn="auto" latinLnBrk="0" hangingPunct="1">
+                <a:lnSpc>
+                  <a:spcPct val="100000"/>
+                </a:lnSpc>
+                <a:spcBef>
+                  <a:spcPts val="0"/>
+                </a:spcBef>
+                <a:spcAft>
+                  <a:spcPts val="0"/>
+                </a:spcAft>
+                <a:buClrTx/>
+                <a:buSzTx/>
+                <a:buFontTx/>
+                <a:buNone/>
+                <a:tabLst/>
+                <a:defRPr/>
+              </a:pPr>
+              <a:t>1/19/2023</a:t>
+            </a:fld>
+            <a:endParaRPr kumimoji="0" lang="en-US" sz="1200" b="0" i="0" u="none" strike="noStrike" kern="1200" cap="none" spc="0" normalizeH="0" baseline="0" noProof="0" dirty="0">
+              <a:ln>
+                <a:noFill/>
+              </a:ln>
+              <a:solidFill>
+                <a:prstClr val="black"/>
+              </a:solidFill>
+              <a:effectLst/>
+              <a:uLnTx/>
+              <a:uFillTx/>
+              <a:latin typeface="Calibri" panose="020F0502020204030204"/>
+              <a:ea typeface="+mn-ea"/>
+              <a:cs typeface="+mn-cs"/>
+            </a:endParaRPr>
+          </a:p>
+        </p:txBody>
+      </p:sp>
+      <p:sp>
+        <p:nvSpPr>
+          <p:cNvPr id="6" name="Footer Placeholder 5"/>
+          <p:cNvSpPr>
+            <a:spLocks noGrp="1"/>
+          </p:cNvSpPr>
+          <p:nvPr>
+            <p:ph type="ftr" sz="quarter" idx="12"/>
+          </p:nvPr>
+        </p:nvSpPr>
+        <p:spPr/>
+        <p:txBody>
+          <a:bodyPr/>
+          <a:lstStyle/>
+          <a:p>
+            <a:pPr marL="0" marR="0" lvl="0" indent="0" algn="l" defTabSz="914400" rtl="0" eaLnBrk="1" fontAlgn="auto" latinLnBrk="0" hangingPunct="1">
+              <a:lnSpc>
+                <a:spcPct val="100000"/>
+              </a:lnSpc>
+              <a:spcBef>
+                <a:spcPts val="0"/>
+              </a:spcBef>
+              <a:spcAft>
+                <a:spcPts val="0"/>
+              </a:spcAft>
+              <a:buClrTx/>
+              <a:buSzTx/>
+              <a:buFontTx/>
+              <a:buNone/>
+              <a:tabLst/>
+              <a:defRPr/>
+            </a:pPr>
+            <a:r>
+              <a:rPr kumimoji="0" lang="en-US" sz="1200" b="0" i="0" u="none" strike="noStrike" kern="1200" cap="none" spc="0" normalizeH="0" baseline="0" noProof="0" dirty="0">
+                <a:ln>
+                  <a:noFill/>
+                </a:ln>
+                <a:solidFill>
+                  <a:prstClr val="black"/>
+                </a:solidFill>
+                <a:effectLst/>
+                <a:uLnTx/>
+                <a:uFillTx/>
+                <a:latin typeface="Calibri" panose="020F0502020204030204"/>
+                <a:ea typeface="+mn-ea"/>
+                <a:cs typeface="+mn-cs"/>
+              </a:rPr>
+              <a:t>raysmith@alum.mit.edu</a:t>
+            </a:r>
+          </a:p>
+        </p:txBody>
+      </p:sp>
+      <p:sp>
+        <p:nvSpPr>
+          <p:cNvPr id="7" name="Slide Number Placeholder 6"/>
+          <p:cNvSpPr>
+            <a:spLocks noGrp="1"/>
+          </p:cNvSpPr>
+          <p:nvPr>
+            <p:ph type="sldNum" sz="quarter" idx="13"/>
+          </p:nvPr>
+        </p:nvSpPr>
+        <p:spPr/>
+        <p:txBody>
+          <a:bodyPr/>
+          <a:lstStyle/>
+          <a:p>
+            <a:pPr marL="0" marR="0" lvl="0" indent="0" algn="r" defTabSz="914400" rtl="0" eaLnBrk="1" fontAlgn="auto" latinLnBrk="0" hangingPunct="1">
+              <a:lnSpc>
+                <a:spcPct val="100000"/>
+              </a:lnSpc>
+              <a:spcBef>
+                <a:spcPts val="0"/>
+              </a:spcBef>
+              <a:spcAft>
+                <a:spcPts val="0"/>
+              </a:spcAft>
+              <a:buClrTx/>
+              <a:buSzTx/>
+              <a:buFontTx/>
+              <a:buNone/>
+              <a:tabLst/>
+              <a:defRPr/>
+            </a:pPr>
+            <a:fld id="{BA791329-992B-4F83-8435-C33B0EC26DB3}" type="slidenum">
+              <a:rPr kumimoji="0" lang="en-US" sz="1200" b="0" i="0" u="none" strike="noStrike" kern="1200" cap="none" spc="0" normalizeH="0" baseline="0" noProof="0" smtClean="0">
+                <a:ln>
+                  <a:noFill/>
+                </a:ln>
+                <a:solidFill>
+                  <a:prstClr val="black"/>
+                </a:solidFill>
+                <a:effectLst/>
+                <a:uLnTx/>
+                <a:uFillTx/>
+                <a:latin typeface="Calibri" panose="020F0502020204030204"/>
+                <a:ea typeface="+mn-ea"/>
+                <a:cs typeface="+mn-cs"/>
+              </a:rPr>
+              <a:pPr marL="0" marR="0" lvl="0" indent="0" algn="r" defTabSz="914400" rtl="0" eaLnBrk="1" fontAlgn="auto" latinLnBrk="0" hangingPunct="1">
+                <a:lnSpc>
+                  <a:spcPct val="100000"/>
+                </a:lnSpc>
+                <a:spcBef>
+                  <a:spcPts val="0"/>
+                </a:spcBef>
+                <a:spcAft>
+                  <a:spcPts val="0"/>
+                </a:spcAft>
+                <a:buClrTx/>
+                <a:buSzTx/>
+                <a:buFontTx/>
+                <a:buNone/>
+                <a:tabLst/>
+                <a:defRPr/>
+              </a:pPr>
+              <a:t>35</a:t>
+            </a:fld>
+            <a:endParaRPr kumimoji="0" lang="en-US" sz="1200" b="0" i="0" u="none" strike="noStrike" kern="1200" cap="none" spc="0" normalizeH="0" baseline="0" noProof="0" dirty="0">
+              <a:ln>
+                <a:noFill/>
+              </a:ln>
+              <a:solidFill>
+                <a:prstClr val="black"/>
+              </a:solidFill>
+              <a:effectLst/>
+              <a:uLnTx/>
+              <a:uFillTx/>
+              <a:latin typeface="Calibri" panose="020F0502020204030204"/>
+              <a:ea typeface="+mn-ea"/>
+              <a:cs typeface="+mn-cs"/>
+            </a:endParaRPr>
+          </a:p>
+        </p:txBody>
+      </p:sp>
+    </p:spTree>
+    <p:extLst>
+      <p:ext uri="{BB962C8B-B14F-4D97-AF65-F5344CB8AC3E}">
+        <p14:creationId xmlns:p14="http://schemas.microsoft.com/office/powerpoint/2010/main" val="1298008701"/>
       </p:ext>
     </p:extLst>
   </p:cSld>
@@ -1315,7 +1812,7 @@
                 <a:tabLst/>
                 <a:defRPr/>
               </a:pPr>
-              <a:t>1/10/2023</a:t>
+              <a:t>1/19/2023</a:t>
             </a:fld>
             <a:endParaRPr kumimoji="0" lang="en-US" sz="1200" b="0" i="0" u="none" strike="noStrike" kern="1200" cap="none" spc="0" normalizeH="0" baseline="0" noProof="0" dirty="0">
               <a:ln>
@@ -1646,7 +2143,7 @@
                 <a:tabLst/>
                 <a:defRPr/>
               </a:pPr>
-              <a:t>1/10/2023</a:t>
+              <a:t>1/19/2023</a:t>
             </a:fld>
             <a:endParaRPr kumimoji="0" lang="en-US" sz="1200" b="0" i="0" u="none" strike="noStrike" kern="1200" cap="none" spc="0" normalizeH="0" baseline="0" noProof="0" dirty="0">
               <a:ln>
@@ -1977,7 +2474,7 @@
                 <a:tabLst/>
                 <a:defRPr/>
               </a:pPr>
-              <a:t>1/10/2023</a:t>
+              <a:t>1/19/2023</a:t>
             </a:fld>
             <a:endParaRPr kumimoji="0" lang="en-US" sz="1200" b="0" i="0" u="none" strike="noStrike" kern="1200" cap="none" spc="0" normalizeH="0" baseline="0" noProof="0" dirty="0">
               <a:ln>
@@ -2308,7 +2805,7 @@
                 <a:tabLst/>
                 <a:defRPr/>
               </a:pPr>
-              <a:t>1/10/2023</a:t>
+              <a:t>1/19/2023</a:t>
             </a:fld>
             <a:endParaRPr kumimoji="0" lang="en-US" sz="1200" b="0" i="0" u="none" strike="noStrike" kern="1200" cap="none" spc="0" normalizeH="0" baseline="0" noProof="0" dirty="0">
               <a:ln>
@@ -2642,7 +3139,7 @@
                 <a:tabLst/>
                 <a:defRPr/>
               </a:pPr>
-              <a:t>1/10/2023</a:t>
+              <a:t>1/19/2023</a:t>
             </a:fld>
             <a:endParaRPr kumimoji="0" lang="en-US" sz="1200" b="0" i="0" u="none" strike="noStrike" kern="1200" cap="none" spc="0" normalizeH="0" baseline="0" noProof="0" dirty="0">
               <a:ln>
@@ -2973,7 +3470,7 @@
                 <a:tabLst/>
                 <a:defRPr/>
               </a:pPr>
-              <a:t>1/10/2023</a:t>
+              <a:t>1/19/2023</a:t>
             </a:fld>
             <a:endParaRPr kumimoji="0" lang="en-US" sz="1200" b="0" i="0" u="none" strike="noStrike" kern="1200" cap="none" spc="0" normalizeH="0" baseline="0" noProof="0" dirty="0">
               <a:ln>
@@ -3304,7 +3801,7 @@
                 <a:tabLst/>
                 <a:defRPr/>
               </a:pPr>
-              <a:t>1/10/2023</a:t>
+              <a:t>1/19/2023</a:t>
             </a:fld>
             <a:endParaRPr kumimoji="0" lang="en-US" sz="1200" b="0" i="0" u="none" strike="noStrike" kern="1200" cap="none" spc="0" normalizeH="0" baseline="0" noProof="0" dirty="0">
               <a:ln>
@@ -4289,7 +4786,7 @@
           <a:p>
             <a:fld id="{B1DF5501-EE91-4443-9D3B-24E6F28D34E2}" type="datetime1">
               <a:rPr lang="en-US" smtClean="0"/>
-              <a:t>1/10/2023</a:t>
+              <a:t>1/19/2023</a:t>
             </a:fld>
             <a:endParaRPr lang="en-US" dirty="0"/>
           </a:p>
@@ -4555,7 +5052,7 @@
           <a:p>
             <a:fld id="{E954E1E9-8456-43AD-BA28-861520D256B9}" type="datetime1">
               <a:rPr lang="en-US" smtClean="0"/>
-              <a:t>1/10/2023</a:t>
+              <a:t>1/19/2023</a:t>
             </a:fld>
             <a:endParaRPr lang="en-US" dirty="0"/>
           </a:p>
@@ -4873,7 +5370,7 @@
           <a:p>
             <a:fld id="{FAF31E0C-AAFD-4E63-B3AE-16CD757951F4}" type="datetime1">
               <a:rPr lang="en-US" smtClean="0"/>
-              <a:t>1/10/2023</a:t>
+              <a:t>1/19/2023</a:t>
             </a:fld>
             <a:endParaRPr lang="en-US" dirty="0"/>
           </a:p>
@@ -5218,7 +5715,7 @@
           <a:p>
             <a:fld id="{000084FF-4715-4B6E-BD22-453621E5873F}" type="datetime1">
               <a:rPr lang="en-US" smtClean="0"/>
-              <a:t>1/10/2023</a:t>
+              <a:t>1/19/2023</a:t>
             </a:fld>
             <a:endParaRPr lang="en-US" dirty="0"/>
           </a:p>
@@ -5536,7 +6033,7 @@
           <a:p>
             <a:fld id="{6AC37F8D-4DF5-4AB6-A766-5A84B3D74A3B}" type="datetime1">
               <a:rPr lang="en-US" smtClean="0"/>
-              <a:t>1/10/2023</a:t>
+              <a:t>1/19/2023</a:t>
             </a:fld>
             <a:endParaRPr lang="en-US" dirty="0"/>
           </a:p>
@@ -5933,7 +6430,7 @@
           <a:p>
             <a:fld id="{1BF3CD1A-162D-40B2-9B22-9056F77C27F2}" type="datetime1">
               <a:rPr lang="en-US" smtClean="0"/>
-              <a:t>1/10/2023</a:t>
+              <a:t>1/19/2023</a:t>
             </a:fld>
             <a:endParaRPr lang="en-US" dirty="0"/>
           </a:p>
@@ -6107,7 +6604,7 @@
           <a:p>
             <a:fld id="{D42E4200-B1E5-4E39-8279-05DD69810A37}" type="datetime1">
               <a:rPr lang="en-US" smtClean="0"/>
-              <a:t>1/10/2023</a:t>
+              <a:t>1/19/2023</a:t>
             </a:fld>
             <a:endParaRPr lang="en-US" dirty="0"/>
           </a:p>
@@ -6290,7 +6787,7 @@
           <a:p>
             <a:fld id="{47CF7895-00AC-42E5-9790-7B0E3CE09DF2}" type="datetime1">
               <a:rPr lang="en-US" smtClean="0"/>
-              <a:t>1/10/2023</a:t>
+              <a:t>1/19/2023</a:t>
             </a:fld>
             <a:endParaRPr lang="en-US" dirty="0"/>
           </a:p>
@@ -6469,7 +6966,7 @@
           <a:p>
             <a:fld id="{A7119916-CD40-456D-ABE3-55F8822671F7}" type="datetime1">
               <a:rPr lang="en-US" smtClean="0"/>
-              <a:t>1/10/2023</a:t>
+              <a:t>1/19/2023</a:t>
             </a:fld>
             <a:endParaRPr lang="en-US" dirty="0"/>
           </a:p>
@@ -6719,7 +7216,7 @@
           <a:p>
             <a:fld id="{3F9A13D6-B8C2-463B-B3F7-C62E098B328E}" type="datetime1">
               <a:rPr lang="en-US" smtClean="0"/>
-              <a:t>1/10/2023</a:t>
+              <a:t>1/19/2023</a:t>
             </a:fld>
             <a:endParaRPr lang="en-US" dirty="0"/>
           </a:p>
@@ -6954,7 +7451,7 @@
           <a:p>
             <a:fld id="{D2B63420-31EE-4E4B-911C-2601B14D9FDD}" type="datetime1">
               <a:rPr lang="en-US" smtClean="0"/>
-              <a:t>1/10/2023</a:t>
+              <a:t>1/19/2023</a:t>
             </a:fld>
             <a:endParaRPr lang="en-US" dirty="0"/>
           </a:p>
@@ -7331,7 +7828,7 @@
           <a:p>
             <a:fld id="{2DD8986D-86F8-41E6-8CFF-8C91AEF92622}" type="datetime1">
               <a:rPr lang="en-US" smtClean="0"/>
-              <a:t>1/10/2023</a:t>
+              <a:t>1/19/2023</a:t>
             </a:fld>
             <a:endParaRPr lang="en-US" dirty="0"/>
           </a:p>
@@ -7457,7 +7954,7 @@
           <a:p>
             <a:fld id="{BA885161-032E-4C6A-8EDA-39D168DF18E4}" type="datetime1">
               <a:rPr lang="en-US" smtClean="0"/>
-              <a:t>1/10/2023</a:t>
+              <a:t>1/19/2023</a:t>
             </a:fld>
             <a:endParaRPr lang="en-US" dirty="0"/>
           </a:p>
@@ -7555,7 +8052,7 @@
           <a:p>
             <a:fld id="{958E6740-E523-48D9-9C4E-6F218E87BAF3}" type="datetime1">
               <a:rPr lang="en-US" smtClean="0"/>
-              <a:t>1/10/2023</a:t>
+              <a:t>1/19/2023</a:t>
             </a:fld>
             <a:endParaRPr lang="en-US" dirty="0"/>
           </a:p>
@@ -7813,7 +8310,7 @@
           <a:p>
             <a:fld id="{6121D4CA-FF09-4CB8-8D51-2613D19A0F2E}" type="datetime1">
               <a:rPr lang="en-US" smtClean="0"/>
-              <a:t>1/10/2023</a:t>
+              <a:t>1/19/2023</a:t>
             </a:fld>
             <a:endParaRPr lang="en-US" dirty="0"/>
           </a:p>
@@ -8078,7 +8575,7 @@
           <a:p>
             <a:fld id="{8C4779EA-AEA7-43B3-9B65-A77E9A890421}" type="datetime1">
               <a:rPr lang="en-US" smtClean="0"/>
-              <a:t>1/10/2023</a:t>
+              <a:t>1/19/2023</a:t>
             </a:fld>
             <a:endParaRPr lang="en-US" dirty="0"/>
           </a:p>
@@ -8824,7 +9321,7 @@
           <a:p>
             <a:fld id="{059A67F1-3EA0-4026-BE6A-31EE4E1B1DB5}" type="datetime1">
               <a:rPr lang="en-US" smtClean="0"/>
-              <a:t>1/10/2023</a:t>
+              <a:t>1/19/2023</a:t>
             </a:fld>
             <a:endParaRPr lang="en-US" dirty="0"/>
           </a:p>
@@ -9578,7 +10075,7 @@
                 <a:tabLst/>
                 <a:defRPr/>
               </a:pPr>
-              <a:t>1/10/2023</a:t>
+              <a:t>1/19/2023</a:t>
             </a:fld>
             <a:endParaRPr kumimoji="0" lang="en-US" sz="900" b="0" i="0" u="none" strike="noStrike" kern="1200" cap="none" spc="0" normalizeH="0" baseline="0" noProof="0" dirty="0">
               <a:ln>
@@ -9801,7 +10298,7 @@
           <a:p>
             <a:r>
               <a:rPr lang="en-US" dirty="0"/>
-              <a:t>Standard graphical output</a:t>
+              <a:t>Standard turtle graphical output</a:t>
             </a:r>
           </a:p>
         </p:txBody>
@@ -9829,7 +10326,7 @@
           <a:p>
             <a:fld id="{A7119916-CD40-456D-ABE3-55F8822671F7}" type="datetime1">
               <a:rPr lang="en-US" smtClean="0"/>
-              <a:t>1/10/2023</a:t>
+              <a:t>1/19/2023</a:t>
             </a:fld>
             <a:endParaRPr lang="en-US" dirty="0"/>
           </a:p>
@@ -9967,14 +10464,19 @@
             <p:ph type="title"/>
           </p:nvPr>
         </p:nvSpPr>
-        <p:spPr/>
+        <p:spPr>
+          <a:xfrm>
+            <a:off x="677334" y="609600"/>
+            <a:ext cx="8596668" cy="1113945"/>
+          </a:xfrm>
+        </p:spPr>
         <p:txBody>
           <a:bodyPr/>
           <a:lstStyle/>
           <a:p>
             <a:r>
               <a:rPr lang="en-US" dirty="0"/>
-              <a:t>Text output – send  to Braille machine</a:t>
+              <a:t>Text output – send  to Braille embosser</a:t>
             </a:r>
           </a:p>
         </p:txBody>
@@ -10124,7 +10626,7 @@
           <a:p>
             <a:fld id="{A7119916-CD40-456D-ABE3-55F8822671F7}" type="datetime1">
               <a:rPr lang="en-US" smtClean="0"/>
-              <a:t>1/10/2023</a:t>
+              <a:t>1/19/2023</a:t>
             </a:fld>
             <a:endParaRPr lang="en-US" dirty="0"/>
           </a:p>
@@ -10350,7 +10852,7 @@
           <a:p>
             <a:fld id="{A7119916-CD40-456D-ABE3-55F8822671F7}" type="datetime1">
               <a:rPr lang="en-US" smtClean="0"/>
-              <a:t>1/10/2023</a:t>
+              <a:t>1/19/2023</a:t>
             </a:fld>
             <a:endParaRPr lang="en-US" dirty="0"/>
           </a:p>
@@ -10420,6 +10922,53 @@
             <a:extLst>
               <a:ext uri="{FF2B5EF4-FFF2-40B4-BE49-F238E27FC236}">
                 <a16:creationId xmlns:a16="http://schemas.microsoft.com/office/drawing/2014/main" id="{7260E3A1-A157-2903-3FAA-D0B0DAD94D79}"/>
+              </a:ext>
+            </a:extLst>
+          </p:cNvPr>
+          <p:cNvPicPr>
+            <a:picLocks noChangeAspect="1" noChangeArrowheads="1"/>
+          </p:cNvPicPr>
+          <p:nvPr/>
+        </p:nvPicPr>
+        <p:blipFill>
+          <a:blip r:embed="rId2">
+            <a:extLst>
+              <a:ext uri="{28A0092B-C50C-407E-A947-70E740481C1C}">
+                <a14:useLocalDpi xmlns:a14="http://schemas.microsoft.com/office/drawing/2010/main" val="0"/>
+              </a:ext>
+            </a:extLst>
+          </a:blip>
+          <a:srcRect/>
+          <a:stretch>
+            <a:fillRect/>
+          </a:stretch>
+        </p:blipFill>
+        <p:spPr bwMode="auto">
+          <a:xfrm>
+            <a:off x="3826140" y="3244015"/>
+            <a:ext cx="829587" cy="747422"/>
+          </a:xfrm>
+          <a:prstGeom prst="rect">
+            <a:avLst/>
+          </a:prstGeom>
+          <a:noFill/>
+          <a:extLst>
+            <a:ext uri="{909E8E84-426E-40DD-AFC4-6F175D3DCCD1}">
+              <a14:hiddenFill xmlns:a14="http://schemas.microsoft.com/office/drawing/2010/main">
+                <a:solidFill>
+                  <a:srgbClr val="FFFFFF"/>
+                </a:solidFill>
+              </a14:hiddenFill>
+            </a:ext>
+          </a:extLst>
+        </p:spPr>
+      </p:pic>
+      <p:pic>
+        <p:nvPicPr>
+          <p:cNvPr id="1025" name="Picture 1" descr="2">
+            <a:extLst>
+              <a:ext uri="{FF2B5EF4-FFF2-40B4-BE49-F238E27FC236}">
+                <a16:creationId xmlns:a16="http://schemas.microsoft.com/office/drawing/2014/main" id="{E655AFAE-90EF-81F0-845D-A0C543B6A4BD}"/>
               </a:ext>
             </a:extLst>
           </p:cNvPr>
@@ -10443,8 +10992,8 @@
         </p:blipFill>
         <p:spPr bwMode="auto">
           <a:xfrm>
-            <a:off x="3826140" y="3244015"/>
-            <a:ext cx="829587" cy="747422"/>
+            <a:off x="0" y="0"/>
+            <a:ext cx="133350" cy="219075"/>
           </a:xfrm>
           <a:prstGeom prst="rect">
             <a:avLst/>
@@ -10623,7 +11172,7 @@
           <a:p>
             <a:fld id="{A7119916-CD40-456D-ABE3-55F8822671F7}" type="datetime1">
               <a:rPr lang="en-US" smtClean="0"/>
-              <a:t>1/10/2023</a:t>
+              <a:t>1/19/2023</a:t>
             </a:fld>
             <a:endParaRPr lang="en-US" dirty="0"/>
           </a:p>
@@ -10801,12 +11350,20 @@
           </a:p>
           <a:p>
             <a:r>
+              <a:rPr lang="en-US" sz="4000">
+                <a:solidFill>
+                  <a:srgbClr val="00B0F0"/>
+                </a:solidFill>
+              </a:rPr>
+              <a:t>square</a:t>
+            </a:r>
+            <a:r>
               <a:rPr lang="en-US" sz="4000" dirty="0">
                 <a:solidFill>
                   <a:srgbClr val="00B0F0"/>
                 </a:solidFill>
               </a:rPr>
-              <a:t>Square_loop_colors.py – </a:t>
+              <a:t>_loop_colors.py – </a:t>
             </a:r>
             <a:r>
               <a:rPr lang="en-US" sz="4000" dirty="0">
@@ -10842,7 +11399,7 @@
           <a:p>
             <a:fld id="{A7119916-CD40-456D-ABE3-55F8822671F7}" type="datetime1">
               <a:rPr lang="en-US" smtClean="0"/>
-              <a:t>1/10/2023</a:t>
+              <a:t>1/19/2023</a:t>
             </a:fld>
             <a:endParaRPr lang="en-US" dirty="0"/>
           </a:p>
@@ -10994,7 +11551,7 @@
           <a:p>
             <a:fld id="{A7119916-CD40-456D-ABE3-55F8822671F7}" type="datetime1">
               <a:rPr lang="en-US" smtClean="0"/>
-              <a:t>1/10/2023</a:t>
+              <a:t>1/19/2023</a:t>
             </a:fld>
             <a:endParaRPr lang="en-US" dirty="0"/>
           </a:p>
@@ -11226,7 +11783,7 @@
           <a:p>
             <a:fld id="{A7119916-CD40-456D-ABE3-55F8822671F7}" type="datetime1">
               <a:rPr lang="en-US" smtClean="0"/>
-              <a:t>1/10/2023</a:t>
+              <a:t>1/19/2023</a:t>
             </a:fld>
             <a:endParaRPr lang="en-US" dirty="0"/>
           </a:p>
@@ -11564,7 +12121,7 @@
           <a:p>
             <a:fld id="{A7119916-CD40-456D-ABE3-55F8822671F7}" type="datetime1">
               <a:rPr lang="en-US" smtClean="0"/>
-              <a:t>1/10/2023</a:t>
+              <a:t>1/19/2023</a:t>
             </a:fld>
             <a:endParaRPr lang="en-US" dirty="0"/>
           </a:p>
@@ -11708,7 +12265,7 @@
           <a:p>
             <a:fld id="{A7119916-CD40-456D-ABE3-55F8822671F7}" type="datetime1">
               <a:rPr lang="en-US" smtClean="0"/>
-              <a:t>1/10/2023</a:t>
+              <a:t>1/19/2023</a:t>
             </a:fld>
             <a:endParaRPr lang="en-US" dirty="0"/>
           </a:p>
@@ -11881,7 +12438,7 @@
           <a:p>
             <a:fld id="{A7119916-CD40-456D-ABE3-55F8822671F7}" type="datetime1">
               <a:rPr lang="en-US" smtClean="0"/>
-              <a:t>1/10/2023</a:t>
+              <a:t>1/19/2023</a:t>
             </a:fld>
             <a:endParaRPr lang="en-US" dirty="0"/>
           </a:p>
@@ -12579,7 +13136,7 @@
                 <a:tabLst/>
                 <a:defRPr/>
               </a:pPr>
-              <a:t>1/10/2023</a:t>
+              <a:t>1/19/2023</a:t>
             </a:fld>
             <a:endParaRPr kumimoji="0" lang="en-US" sz="900" b="0" i="0" u="none" strike="noStrike" kern="1200" cap="none" spc="0" normalizeH="0" baseline="0" noProof="0" dirty="0">
               <a:ln>
@@ -12765,6 +13322,40 @@
 <file path=ppt/slides/slide20.xml><?xml version="1.0" encoding="utf-8"?>
 <p:sld xmlns:a="http://schemas.openxmlformats.org/drawingml/2006/main" xmlns:r="http://schemas.openxmlformats.org/officeDocument/2006/relationships" xmlns:p="http://schemas.openxmlformats.org/presentationml/2006/main">
   <p:cSld>
+    <p:bg>
+      <p:bgPr>
+        <a:gradFill>
+          <a:gsLst>
+            <a:gs pos="0">
+              <a:schemeClr val="accent4">
+                <a:lumMod val="20000"/>
+                <a:lumOff val="80000"/>
+              </a:schemeClr>
+            </a:gs>
+            <a:gs pos="74000">
+              <a:schemeClr val="accent4">
+                <a:lumMod val="45000"/>
+                <a:lumOff val="55000"/>
+              </a:schemeClr>
+            </a:gs>
+            <a:gs pos="83000">
+              <a:schemeClr val="accent4">
+                <a:lumMod val="45000"/>
+                <a:lumOff val="55000"/>
+              </a:schemeClr>
+            </a:gs>
+            <a:gs pos="100000">
+              <a:schemeClr val="accent4">
+                <a:lumMod val="30000"/>
+                <a:lumOff val="70000"/>
+              </a:schemeClr>
+            </a:gs>
+          </a:gsLst>
+          <a:lin ang="5400000" scaled="1"/>
+        </a:gradFill>
+        <a:effectLst/>
+      </p:bgPr>
+    </p:bg>
     <p:spTree>
       <p:nvGrpSpPr>
         <p:cNvPr id="1" name=""/>
@@ -12784,6 +13375,530 @@
           <p:cNvPr id="2" name="Title 1">
             <a:extLst>
               <a:ext uri="{FF2B5EF4-FFF2-40B4-BE49-F238E27FC236}">
+                <a16:creationId xmlns:a16="http://schemas.microsoft.com/office/drawing/2014/main" id="{4C738398-DAA7-2BCE-76F4-AF36E34176F5}"/>
+              </a:ext>
+            </a:extLst>
+          </p:cNvPr>
+          <p:cNvSpPr>
+            <a:spLocks noGrp="1"/>
+          </p:cNvSpPr>
+          <p:nvPr>
+            <p:ph type="title"/>
+          </p:nvPr>
+        </p:nvSpPr>
+        <p:spPr/>
+        <p:txBody>
+          <a:bodyPr>
+            <a:normAutofit/>
+          </a:bodyPr>
+          <a:lstStyle/>
+          <a:p>
+            <a:pPr algn="ctr"/>
+            <a:r>
+              <a:rPr lang="en-US" sz="3600" dirty="0">
+                <a:solidFill>
+                  <a:schemeClr val="accent1"/>
+                </a:solidFill>
+              </a:rPr>
+              <a:t>Future Possibilities</a:t>
+            </a:r>
+            <a:endParaRPr lang="en-US" dirty="0"/>
+          </a:p>
+        </p:txBody>
+      </p:sp>
+      <p:sp>
+        <p:nvSpPr>
+          <p:cNvPr id="3" name="Content Placeholder 2">
+            <a:extLst>
+              <a:ext uri="{FF2B5EF4-FFF2-40B4-BE49-F238E27FC236}">
+                <a16:creationId xmlns:a16="http://schemas.microsoft.com/office/drawing/2014/main" id="{0C360948-50A1-2DC8-8408-53BDDAF2B33C}"/>
+              </a:ext>
+            </a:extLst>
+          </p:cNvPr>
+          <p:cNvSpPr>
+            <a:spLocks noGrp="1"/>
+          </p:cNvSpPr>
+          <p:nvPr>
+            <p:ph idx="1"/>
+          </p:nvPr>
+        </p:nvSpPr>
+        <p:spPr>
+          <a:xfrm>
+            <a:off x="550113" y="2051051"/>
+            <a:ext cx="8596668" cy="3880773"/>
+          </a:xfrm>
+        </p:spPr>
+        <p:txBody>
+          <a:bodyPr>
+            <a:normAutofit lnSpcReduction="10000"/>
+          </a:bodyPr>
+          <a:lstStyle/>
+          <a:p>
+            <a:r>
+              <a:rPr lang="en-US" sz="2800" dirty="0">
+                <a:solidFill>
+                  <a:schemeClr val="tx1"/>
+                </a:solidFill>
+              </a:rPr>
+              <a:t>Navigational Improvements</a:t>
+            </a:r>
+          </a:p>
+          <a:p>
+            <a:pPr lvl="1"/>
+            <a:r>
+              <a:rPr lang="en-US" sz="2800" dirty="0">
+                <a:solidFill>
+                  <a:schemeClr val="tx1"/>
+                </a:solidFill>
+              </a:rPr>
+              <a:t>Speedups – async audio</a:t>
+            </a:r>
+          </a:p>
+          <a:p>
+            <a:pPr lvl="1"/>
+            <a:r>
+              <a:rPr lang="en-US" sz="2800" dirty="0">
+                <a:solidFill>
+                  <a:schemeClr val="tx1"/>
+                </a:solidFill>
+              </a:rPr>
+              <a:t>Stereo audio feedback, distance, direction, feedback</a:t>
+            </a:r>
+          </a:p>
+          <a:p>
+            <a:pPr lvl="1"/>
+            <a:r>
+              <a:rPr lang="en-US" sz="2800" dirty="0">
+                <a:solidFill>
+                  <a:schemeClr val="tx1"/>
+                </a:solidFill>
+              </a:rPr>
+              <a:t>More intelligent/automatic scanning</a:t>
+            </a:r>
+          </a:p>
+          <a:p>
+            <a:r>
+              <a:rPr lang="en-US" sz="2800" dirty="0">
+                <a:solidFill>
+                  <a:schemeClr val="tx1"/>
+                </a:solidFill>
+              </a:rPr>
+              <a:t>Presentation Improvements</a:t>
+            </a:r>
+          </a:p>
+          <a:p>
+            <a:pPr lvl="1"/>
+            <a:r>
+              <a:rPr lang="en-US" sz="2800" dirty="0">
+                <a:solidFill>
+                  <a:schemeClr val="tx1"/>
+                </a:solidFill>
+              </a:rPr>
+              <a:t>Real-time scaling region </a:t>
+            </a:r>
+            <a:r>
+              <a:rPr lang="en-US" sz="2800" dirty="0" err="1">
+                <a:solidFill>
+                  <a:schemeClr val="tx1"/>
+                </a:solidFill>
+              </a:rPr>
+              <a:t>maginification</a:t>
+            </a:r>
+            <a:r>
+              <a:rPr lang="en-US" sz="2800" dirty="0">
+                <a:solidFill>
+                  <a:schemeClr val="tx1"/>
+                </a:solidFill>
+              </a:rPr>
+              <a:t> / selection</a:t>
+            </a:r>
+          </a:p>
+          <a:p>
+            <a:pPr marL="0" indent="0">
+              <a:buNone/>
+            </a:pPr>
+            <a:endParaRPr lang="en-US" sz="2400" dirty="0">
+              <a:solidFill>
+                <a:schemeClr val="tx1"/>
+              </a:solidFill>
+            </a:endParaRPr>
+          </a:p>
+        </p:txBody>
+      </p:sp>
+      <p:sp>
+        <p:nvSpPr>
+          <p:cNvPr id="4" name="Date Placeholder 3">
+            <a:extLst>
+              <a:ext uri="{FF2B5EF4-FFF2-40B4-BE49-F238E27FC236}">
+                <a16:creationId xmlns:a16="http://schemas.microsoft.com/office/drawing/2014/main" id="{5EDCC79F-3336-222D-207D-DDBE9A586431}"/>
+              </a:ext>
+            </a:extLst>
+          </p:cNvPr>
+          <p:cNvSpPr>
+            <a:spLocks noGrp="1"/>
+          </p:cNvSpPr>
+          <p:nvPr>
+            <p:ph type="dt" sz="half" idx="10"/>
+          </p:nvPr>
+        </p:nvSpPr>
+        <p:spPr/>
+        <p:txBody>
+          <a:bodyPr/>
+          <a:lstStyle/>
+          <a:p>
+            <a:pPr marL="0" marR="0" lvl="0" indent="0" algn="r" defTabSz="914400" rtl="0" eaLnBrk="1" fontAlgn="auto" latinLnBrk="0" hangingPunct="1">
+              <a:lnSpc>
+                <a:spcPct val="100000"/>
+              </a:lnSpc>
+              <a:spcBef>
+                <a:spcPts val="0"/>
+              </a:spcBef>
+              <a:spcAft>
+                <a:spcPts val="0"/>
+              </a:spcAft>
+              <a:buClrTx/>
+              <a:buSzTx/>
+              <a:buFontTx/>
+              <a:buNone/>
+              <a:tabLst/>
+              <a:defRPr/>
+            </a:pPr>
+            <a:fld id="{A7119916-CD40-456D-ABE3-55F8822671F7}" type="datetime1">
+              <a:rPr kumimoji="0" lang="en-US" sz="900" b="0" i="0" u="none" strike="noStrike" kern="1200" cap="none" spc="0" normalizeH="0" baseline="0" noProof="0" smtClean="0">
+                <a:ln>
+                  <a:noFill/>
+                </a:ln>
+                <a:solidFill>
+                  <a:prstClr val="black">
+                    <a:tint val="75000"/>
+                  </a:prstClr>
+                </a:solidFill>
+                <a:effectLst/>
+                <a:uLnTx/>
+                <a:uFillTx/>
+                <a:latin typeface="Trebuchet MS" panose="020B0603020202020204"/>
+                <a:ea typeface="+mn-ea"/>
+                <a:cs typeface="+mn-cs"/>
+              </a:rPr>
+              <a:pPr marL="0" marR="0" lvl="0" indent="0" algn="r" defTabSz="914400" rtl="0" eaLnBrk="1" fontAlgn="auto" latinLnBrk="0" hangingPunct="1">
+                <a:lnSpc>
+                  <a:spcPct val="100000"/>
+                </a:lnSpc>
+                <a:spcBef>
+                  <a:spcPts val="0"/>
+                </a:spcBef>
+                <a:spcAft>
+                  <a:spcPts val="0"/>
+                </a:spcAft>
+                <a:buClrTx/>
+                <a:buSzTx/>
+                <a:buFontTx/>
+                <a:buNone/>
+                <a:tabLst/>
+                <a:defRPr/>
+              </a:pPr>
+              <a:t>1/19/2023</a:t>
+            </a:fld>
+            <a:endParaRPr kumimoji="0" lang="en-US" sz="900" b="0" i="0" u="none" strike="noStrike" kern="1200" cap="none" spc="0" normalizeH="0" baseline="0" noProof="0" dirty="0">
+              <a:ln>
+                <a:noFill/>
+              </a:ln>
+              <a:solidFill>
+                <a:prstClr val="black">
+                  <a:tint val="75000"/>
+                </a:prstClr>
+              </a:solidFill>
+              <a:effectLst/>
+              <a:uLnTx/>
+              <a:uFillTx/>
+              <a:latin typeface="Trebuchet MS" panose="020B0603020202020204"/>
+              <a:ea typeface="+mn-ea"/>
+              <a:cs typeface="+mn-cs"/>
+            </a:endParaRPr>
+          </a:p>
+        </p:txBody>
+      </p:sp>
+      <p:sp>
+        <p:nvSpPr>
+          <p:cNvPr id="5" name="Footer Placeholder 4">
+            <a:extLst>
+              <a:ext uri="{FF2B5EF4-FFF2-40B4-BE49-F238E27FC236}">
+                <a16:creationId xmlns:a16="http://schemas.microsoft.com/office/drawing/2014/main" id="{009CCD2F-A4CE-60DA-E7BA-37B3D06C1ADD}"/>
+              </a:ext>
+            </a:extLst>
+          </p:cNvPr>
+          <p:cNvSpPr>
+            <a:spLocks noGrp="1"/>
+          </p:cNvSpPr>
+          <p:nvPr>
+            <p:ph type="ftr" sz="quarter" idx="11"/>
+          </p:nvPr>
+        </p:nvSpPr>
+        <p:spPr/>
+        <p:txBody>
+          <a:bodyPr/>
+          <a:lstStyle/>
+          <a:p>
+            <a:pPr marL="0" marR="0" lvl="0" indent="0" algn="l" defTabSz="914400" rtl="0" eaLnBrk="1" fontAlgn="auto" latinLnBrk="0" hangingPunct="1">
+              <a:lnSpc>
+                <a:spcPct val="100000"/>
+              </a:lnSpc>
+              <a:spcBef>
+                <a:spcPts val="0"/>
+              </a:spcBef>
+              <a:spcAft>
+                <a:spcPts val="0"/>
+              </a:spcAft>
+              <a:buClrTx/>
+              <a:buSzTx/>
+              <a:buFontTx/>
+              <a:buNone/>
+              <a:tabLst/>
+              <a:defRPr/>
+            </a:pPr>
+            <a:r>
+              <a:rPr kumimoji="0" lang="en-US" sz="900" b="0" i="0" u="none" strike="noStrike" kern="1200" cap="none" spc="0" normalizeH="0" baseline="0" noProof="0">
+                <a:ln>
+                  <a:noFill/>
+                </a:ln>
+                <a:solidFill>
+                  <a:prstClr val="black">
+                    <a:tint val="75000"/>
+                  </a:prstClr>
+                </a:solidFill>
+                <a:effectLst/>
+                <a:uLnTx/>
+                <a:uFillTx/>
+                <a:latin typeface="Trebuchet MS" panose="020B0603020202020204"/>
+                <a:ea typeface="+mn-ea"/>
+                <a:cs typeface="+mn-cs"/>
+              </a:rPr>
+              <a:t>raysmith@alum.mit.edu</a:t>
+            </a:r>
+            <a:endParaRPr kumimoji="0" lang="en-US" sz="900" b="0" i="0" u="none" strike="noStrike" kern="1200" cap="none" spc="0" normalizeH="0" baseline="0" noProof="0" dirty="0">
+              <a:ln>
+                <a:noFill/>
+              </a:ln>
+              <a:solidFill>
+                <a:prstClr val="black">
+                  <a:tint val="75000"/>
+                </a:prstClr>
+              </a:solidFill>
+              <a:effectLst/>
+              <a:uLnTx/>
+              <a:uFillTx/>
+              <a:latin typeface="Trebuchet MS" panose="020B0603020202020204"/>
+              <a:ea typeface="+mn-ea"/>
+              <a:cs typeface="+mn-cs"/>
+            </a:endParaRPr>
+          </a:p>
+        </p:txBody>
+      </p:sp>
+      <p:sp>
+        <p:nvSpPr>
+          <p:cNvPr id="6" name="Slide Number Placeholder 5">
+            <a:extLst>
+              <a:ext uri="{FF2B5EF4-FFF2-40B4-BE49-F238E27FC236}">
+                <a16:creationId xmlns:a16="http://schemas.microsoft.com/office/drawing/2014/main" id="{54E7395C-C96B-C82A-58E2-49E4B31B73C9}"/>
+              </a:ext>
+            </a:extLst>
+          </p:cNvPr>
+          <p:cNvSpPr>
+            <a:spLocks noGrp="1"/>
+          </p:cNvSpPr>
+          <p:nvPr>
+            <p:ph type="sldNum" sz="quarter" idx="12"/>
+          </p:nvPr>
+        </p:nvSpPr>
+        <p:spPr/>
+        <p:txBody>
+          <a:bodyPr/>
+          <a:lstStyle/>
+          <a:p>
+            <a:pPr marL="0" marR="0" lvl="0" indent="0" algn="r" defTabSz="914400" rtl="0" eaLnBrk="1" fontAlgn="auto" latinLnBrk="0" hangingPunct="1">
+              <a:lnSpc>
+                <a:spcPct val="100000"/>
+              </a:lnSpc>
+              <a:spcBef>
+                <a:spcPts val="0"/>
+              </a:spcBef>
+              <a:spcAft>
+                <a:spcPts val="0"/>
+              </a:spcAft>
+              <a:buClrTx/>
+              <a:buSzTx/>
+              <a:buFontTx/>
+              <a:buNone/>
+              <a:tabLst/>
+              <a:defRPr/>
+            </a:pPr>
+            <a:fld id="{6D22F896-40B5-4ADD-8801-0D06FADFA095}" type="slidenum">
+              <a:rPr kumimoji="0" lang="en-US" sz="900" b="0" i="0" u="none" strike="noStrike" kern="1200" cap="none" spc="0" normalizeH="0" baseline="0" noProof="0" smtClean="0">
+                <a:ln>
+                  <a:noFill/>
+                </a:ln>
+                <a:solidFill>
+                  <a:srgbClr val="90C226"/>
+                </a:solidFill>
+                <a:effectLst/>
+                <a:uLnTx/>
+                <a:uFillTx/>
+                <a:latin typeface="Trebuchet MS" panose="020B0603020202020204"/>
+                <a:ea typeface="+mn-ea"/>
+                <a:cs typeface="+mn-cs"/>
+              </a:rPr>
+              <a:pPr marL="0" marR="0" lvl="0" indent="0" algn="r" defTabSz="914400" rtl="0" eaLnBrk="1" fontAlgn="auto" latinLnBrk="0" hangingPunct="1">
+                <a:lnSpc>
+                  <a:spcPct val="100000"/>
+                </a:lnSpc>
+                <a:spcBef>
+                  <a:spcPts val="0"/>
+                </a:spcBef>
+                <a:spcAft>
+                  <a:spcPts val="0"/>
+                </a:spcAft>
+                <a:buClrTx/>
+                <a:buSzTx/>
+                <a:buFontTx/>
+                <a:buNone/>
+                <a:tabLst/>
+                <a:defRPr/>
+              </a:pPr>
+              <a:t>20</a:t>
+            </a:fld>
+            <a:endParaRPr kumimoji="0" lang="en-US" sz="900" b="0" i="0" u="none" strike="noStrike" kern="1200" cap="none" spc="0" normalizeH="0" baseline="0" noProof="0" dirty="0">
+              <a:ln>
+                <a:noFill/>
+              </a:ln>
+              <a:solidFill>
+                <a:srgbClr val="90C226"/>
+              </a:solidFill>
+              <a:effectLst/>
+              <a:uLnTx/>
+              <a:uFillTx/>
+              <a:latin typeface="Trebuchet MS" panose="020B0603020202020204"/>
+              <a:ea typeface="+mn-ea"/>
+              <a:cs typeface="+mn-cs"/>
+            </a:endParaRPr>
+          </a:p>
+        </p:txBody>
+      </p:sp>
+      <p:pic>
+        <p:nvPicPr>
+          <p:cNvPr id="1025" name="Picture 1" descr="2">
+            <a:extLst>
+              <a:ext uri="{FF2B5EF4-FFF2-40B4-BE49-F238E27FC236}">
+                <a16:creationId xmlns:a16="http://schemas.microsoft.com/office/drawing/2014/main" id="{E655AFAE-90EF-81F0-845D-A0C543B6A4BD}"/>
+              </a:ext>
+            </a:extLst>
+          </p:cNvPr>
+          <p:cNvPicPr>
+            <a:picLocks noChangeAspect="1" noChangeArrowheads="1"/>
+          </p:cNvPicPr>
+          <p:nvPr/>
+        </p:nvPicPr>
+        <p:blipFill>
+          <a:blip r:embed="rId2">
+            <a:extLst>
+              <a:ext uri="{28A0092B-C50C-407E-A947-70E740481C1C}">
+                <a14:useLocalDpi xmlns:a14="http://schemas.microsoft.com/office/drawing/2010/main" val="0"/>
+              </a:ext>
+            </a:extLst>
+          </a:blip>
+          <a:srcRect/>
+          <a:stretch>
+            <a:fillRect/>
+          </a:stretch>
+        </p:blipFill>
+        <p:spPr bwMode="auto">
+          <a:xfrm>
+            <a:off x="0" y="0"/>
+            <a:ext cx="133350" cy="219075"/>
+          </a:xfrm>
+          <a:prstGeom prst="rect">
+            <a:avLst/>
+          </a:prstGeom>
+          <a:noFill/>
+          <a:extLst>
+            <a:ext uri="{909E8E84-426E-40DD-AFC4-6F175D3DCCD1}">
+              <a14:hiddenFill xmlns:a14="http://schemas.microsoft.com/office/drawing/2010/main">
+                <a:solidFill>
+                  <a:srgbClr val="FFFFFF"/>
+                </a:solidFill>
+              </a14:hiddenFill>
+            </a:ext>
+          </a:extLst>
+        </p:spPr>
+      </p:pic>
+    </p:spTree>
+    <p:extLst>
+      <p:ext uri="{BB962C8B-B14F-4D97-AF65-F5344CB8AC3E}">
+        <p14:creationId xmlns:p14="http://schemas.microsoft.com/office/powerpoint/2010/main" val="587817200"/>
+      </p:ext>
+    </p:extLst>
+  </p:cSld>
+  <p:clrMapOvr>
+    <a:masterClrMapping/>
+  </p:clrMapOvr>
+</p:sld>
+</file>
+
+<file path=ppt/slides/slide21.xml><?xml version="1.0" encoding="utf-8"?>
+<p:sld xmlns:a="http://schemas.openxmlformats.org/drawingml/2006/main" xmlns:r="http://schemas.openxmlformats.org/officeDocument/2006/relationships" xmlns:p="http://schemas.openxmlformats.org/presentationml/2006/main">
+  <p:cSld>
+    <p:bg>
+      <p:bgPr>
+        <a:gradFill>
+          <a:gsLst>
+            <a:gs pos="0">
+              <a:schemeClr val="accent4">
+                <a:lumMod val="20000"/>
+                <a:lumOff val="80000"/>
+              </a:schemeClr>
+            </a:gs>
+            <a:gs pos="74000">
+              <a:schemeClr val="accent4">
+                <a:lumMod val="45000"/>
+                <a:lumOff val="55000"/>
+              </a:schemeClr>
+            </a:gs>
+            <a:gs pos="83000">
+              <a:schemeClr val="accent4">
+                <a:lumMod val="45000"/>
+                <a:lumOff val="55000"/>
+              </a:schemeClr>
+            </a:gs>
+            <a:gs pos="100000">
+              <a:schemeClr val="accent4">
+                <a:lumMod val="30000"/>
+                <a:lumOff val="70000"/>
+              </a:schemeClr>
+            </a:gs>
+          </a:gsLst>
+          <a:lin ang="5400000" scaled="1"/>
+        </a:gradFill>
+        <a:effectLst/>
+      </p:bgPr>
+    </p:bg>
+    <p:spTree>
+      <p:nvGrpSpPr>
+        <p:cNvPr id="1" name=""/>
+        <p:cNvGrpSpPr/>
+        <p:nvPr/>
+      </p:nvGrpSpPr>
+      <p:grpSpPr>
+        <a:xfrm>
+          <a:off x="0" y="0"/>
+          <a:ext cx="0" cy="0"/>
+          <a:chOff x="0" y="0"/>
+          <a:chExt cx="0" cy="0"/>
+        </a:xfrm>
+      </p:grpSpPr>
+      <p:sp>
+        <p:nvSpPr>
+          <p:cNvPr id="2" name="Title 1">
+            <a:extLst>
+              <a:ext uri="{FF2B5EF4-FFF2-40B4-BE49-F238E27FC236}">
                 <a16:creationId xmlns:a16="http://schemas.microsoft.com/office/drawing/2014/main" id="{F7E90694-AA7F-451B-A875-1D23D1FDBA32}"/>
               </a:ext>
             </a:extLst>
@@ -12797,8 +13912,8 @@
         </p:nvSpPr>
         <p:spPr>
           <a:xfrm>
-            <a:off x="955892" y="2723015"/>
-            <a:ext cx="8596668" cy="1320800"/>
+            <a:off x="955892" y="2723014"/>
+            <a:ext cx="8596668" cy="2289739"/>
           </a:xfrm>
         </p:spPr>
         <p:txBody>
@@ -12807,8 +13922,20 @@
           </a:bodyPr>
           <a:lstStyle/>
           <a:p>
+            <a:pPr algn="ctr"/>
             <a:r>
               <a:rPr lang="en-US" sz="6600" dirty="0"/>
+              <a:t>Tool </a:t>
+            </a:r>
+            <a:br>
+              <a:rPr lang="en-US" sz="6600" dirty="0"/>
+            </a:br>
+            <a:r>
+              <a:rPr lang="en-US" sz="6600" dirty="0">
+                <a:solidFill>
+                  <a:schemeClr val="tx1"/>
+                </a:solidFill>
+              </a:rPr>
               <a:t>Question and Answer</a:t>
             </a:r>
           </a:p>
@@ -12837,7 +13964,7 @@
           <a:p>
             <a:fld id="{A7119916-CD40-456D-ABE3-55F8822671F7}" type="datetime1">
               <a:rPr lang="en-US" smtClean="0"/>
-              <a:t>1/10/2023</a:t>
+              <a:t>1/19/2023</a:t>
             </a:fld>
             <a:endParaRPr lang="en-US" dirty="0"/>
           </a:p>
@@ -12894,7 +14021,7 @@
           <a:p>
             <a:fld id="{6D22F896-40B5-4ADD-8801-0D06FADFA095}" type="slidenum">
               <a:rPr lang="en-US" smtClean="0"/>
-              <a:t>20</a:t>
+              <a:t>21</a:t>
             </a:fld>
             <a:endParaRPr lang="en-US" dirty="0"/>
           </a:p>
@@ -12904,6 +14031,2464 @@
     <p:extLst>
       <p:ext uri="{BB962C8B-B14F-4D97-AF65-F5344CB8AC3E}">
         <p14:creationId xmlns:p14="http://schemas.microsoft.com/office/powerpoint/2010/main" val="3992011312"/>
+      </p:ext>
+    </p:extLst>
+  </p:cSld>
+  <p:clrMapOvr>
+    <a:masterClrMapping/>
+  </p:clrMapOvr>
+</p:sld>
+</file>
+
+<file path=ppt/slides/slide22.xml><?xml version="1.0" encoding="utf-8"?>
+<p:sld xmlns:a="http://schemas.openxmlformats.org/drawingml/2006/main" xmlns:r="http://schemas.openxmlformats.org/officeDocument/2006/relationships" xmlns:p="http://schemas.openxmlformats.org/presentationml/2006/main">
+  <p:cSld>
+    <p:bg>
+      <p:bgPr>
+        <a:gradFill>
+          <a:gsLst>
+            <a:gs pos="0">
+              <a:schemeClr val="accent4">
+                <a:lumMod val="20000"/>
+                <a:lumOff val="80000"/>
+              </a:schemeClr>
+            </a:gs>
+            <a:gs pos="74000">
+              <a:schemeClr val="accent4">
+                <a:lumMod val="45000"/>
+                <a:lumOff val="55000"/>
+              </a:schemeClr>
+            </a:gs>
+            <a:gs pos="83000">
+              <a:schemeClr val="accent4">
+                <a:lumMod val="45000"/>
+                <a:lumOff val="55000"/>
+              </a:schemeClr>
+            </a:gs>
+            <a:gs pos="100000">
+              <a:schemeClr val="accent4">
+                <a:lumMod val="30000"/>
+                <a:lumOff val="70000"/>
+              </a:schemeClr>
+            </a:gs>
+          </a:gsLst>
+          <a:lin ang="5400000" scaled="1"/>
+        </a:gradFill>
+        <a:effectLst/>
+      </p:bgPr>
+    </p:bg>
+    <p:spTree>
+      <p:nvGrpSpPr>
+        <p:cNvPr id="1" name=""/>
+        <p:cNvGrpSpPr/>
+        <p:nvPr/>
+      </p:nvGrpSpPr>
+      <p:grpSpPr>
+        <a:xfrm>
+          <a:off x="0" y="0"/>
+          <a:ext cx="0" cy="0"/>
+          <a:chOff x="0" y="0"/>
+          <a:chExt cx="0" cy="0"/>
+        </a:xfrm>
+      </p:grpSpPr>
+      <p:sp>
+        <p:nvSpPr>
+          <p:cNvPr id="2" name="Title 1">
+            <a:extLst>
+              <a:ext uri="{FF2B5EF4-FFF2-40B4-BE49-F238E27FC236}">
+                <a16:creationId xmlns:a16="http://schemas.microsoft.com/office/drawing/2014/main" id="{F7E90694-AA7F-451B-A875-1D23D1FDBA32}"/>
+              </a:ext>
+            </a:extLst>
+          </p:cNvPr>
+          <p:cNvSpPr>
+            <a:spLocks noGrp="1"/>
+          </p:cNvSpPr>
+          <p:nvPr>
+            <p:ph type="title"/>
+          </p:nvPr>
+        </p:nvSpPr>
+        <p:spPr>
+          <a:xfrm>
+            <a:off x="955892" y="2723015"/>
+            <a:ext cx="8596668" cy="1320800"/>
+          </a:xfrm>
+        </p:spPr>
+        <p:txBody>
+          <a:bodyPr>
+            <a:normAutofit/>
+          </a:bodyPr>
+          <a:lstStyle/>
+          <a:p>
+            <a:r>
+              <a:rPr lang="en-US" sz="6600" dirty="0">
+                <a:solidFill>
+                  <a:schemeClr val="tx1"/>
+                </a:solidFill>
+              </a:rPr>
+              <a:t>How it was done</a:t>
+            </a:r>
+          </a:p>
+        </p:txBody>
+      </p:sp>
+      <p:sp>
+        <p:nvSpPr>
+          <p:cNvPr id="4" name="Date Placeholder 3">
+            <a:extLst>
+              <a:ext uri="{FF2B5EF4-FFF2-40B4-BE49-F238E27FC236}">
+                <a16:creationId xmlns:a16="http://schemas.microsoft.com/office/drawing/2014/main" id="{B623EE2F-E3E9-437B-AFAE-1E0C5C94A5F8}"/>
+              </a:ext>
+            </a:extLst>
+          </p:cNvPr>
+          <p:cNvSpPr>
+            <a:spLocks noGrp="1"/>
+          </p:cNvSpPr>
+          <p:nvPr>
+            <p:ph type="dt" sz="half" idx="10"/>
+          </p:nvPr>
+        </p:nvSpPr>
+        <p:spPr/>
+        <p:txBody>
+          <a:bodyPr/>
+          <a:lstStyle/>
+          <a:p>
+            <a:fld id="{A7119916-CD40-456D-ABE3-55F8822671F7}" type="datetime1">
+              <a:rPr lang="en-US" smtClean="0"/>
+              <a:t>1/19/2023</a:t>
+            </a:fld>
+            <a:endParaRPr lang="en-US" dirty="0"/>
+          </a:p>
+        </p:txBody>
+      </p:sp>
+      <p:sp>
+        <p:nvSpPr>
+          <p:cNvPr id="5" name="Footer Placeholder 4">
+            <a:extLst>
+              <a:ext uri="{FF2B5EF4-FFF2-40B4-BE49-F238E27FC236}">
+                <a16:creationId xmlns:a16="http://schemas.microsoft.com/office/drawing/2014/main" id="{4E4D04EE-5AD0-4A57-A42E-AE62E411ACEA}"/>
+              </a:ext>
+            </a:extLst>
+          </p:cNvPr>
+          <p:cNvSpPr>
+            <a:spLocks noGrp="1"/>
+          </p:cNvSpPr>
+          <p:nvPr>
+            <p:ph type="ftr" sz="quarter" idx="11"/>
+          </p:nvPr>
+        </p:nvSpPr>
+        <p:spPr/>
+        <p:txBody>
+          <a:bodyPr/>
+          <a:lstStyle/>
+          <a:p>
+            <a:r>
+              <a:rPr lang="en-US" dirty="0"/>
+              <a:t>raysmith@alum.mit.edu</a:t>
+            </a:r>
+          </a:p>
+        </p:txBody>
+      </p:sp>
+      <p:sp>
+        <p:nvSpPr>
+          <p:cNvPr id="6" name="Slide Number Placeholder 5">
+            <a:extLst>
+              <a:ext uri="{FF2B5EF4-FFF2-40B4-BE49-F238E27FC236}">
+                <a16:creationId xmlns:a16="http://schemas.microsoft.com/office/drawing/2014/main" id="{9711C448-36A8-43E6-A891-6E42F22D1185}"/>
+              </a:ext>
+            </a:extLst>
+          </p:cNvPr>
+          <p:cNvSpPr>
+            <a:spLocks noGrp="1"/>
+          </p:cNvSpPr>
+          <p:nvPr>
+            <p:ph type="sldNum" sz="quarter" idx="12"/>
+          </p:nvPr>
+        </p:nvSpPr>
+        <p:spPr/>
+        <p:txBody>
+          <a:bodyPr/>
+          <a:lstStyle/>
+          <a:p>
+            <a:fld id="{6D22F896-40B5-4ADD-8801-0D06FADFA095}" type="slidenum">
+              <a:rPr lang="en-US" smtClean="0"/>
+              <a:t>22</a:t>
+            </a:fld>
+            <a:endParaRPr lang="en-US" dirty="0"/>
+          </a:p>
+        </p:txBody>
+      </p:sp>
+    </p:spTree>
+    <p:extLst>
+      <p:ext uri="{BB962C8B-B14F-4D97-AF65-F5344CB8AC3E}">
+        <p14:creationId xmlns:p14="http://schemas.microsoft.com/office/powerpoint/2010/main" val="701223819"/>
+      </p:ext>
+    </p:extLst>
+  </p:cSld>
+  <p:clrMapOvr>
+    <a:masterClrMapping/>
+  </p:clrMapOvr>
+</p:sld>
+</file>
+
+<file path=ppt/slides/slide23.xml><?xml version="1.0" encoding="utf-8"?>
+<p:sld xmlns:a="http://schemas.openxmlformats.org/drawingml/2006/main" xmlns:r="http://schemas.openxmlformats.org/officeDocument/2006/relationships" xmlns:p="http://schemas.openxmlformats.org/presentationml/2006/main">
+  <p:cSld>
+    <p:bg>
+      <p:bgPr>
+        <a:gradFill>
+          <a:gsLst>
+            <a:gs pos="0">
+              <a:schemeClr val="accent4">
+                <a:lumMod val="20000"/>
+                <a:lumOff val="80000"/>
+              </a:schemeClr>
+            </a:gs>
+            <a:gs pos="74000">
+              <a:schemeClr val="accent4">
+                <a:lumMod val="45000"/>
+                <a:lumOff val="55000"/>
+              </a:schemeClr>
+            </a:gs>
+            <a:gs pos="83000">
+              <a:schemeClr val="accent4">
+                <a:lumMod val="45000"/>
+                <a:lumOff val="55000"/>
+              </a:schemeClr>
+            </a:gs>
+            <a:gs pos="100000">
+              <a:schemeClr val="accent4">
+                <a:lumMod val="30000"/>
+                <a:lumOff val="70000"/>
+              </a:schemeClr>
+            </a:gs>
+          </a:gsLst>
+        </a:gradFill>
+        <a:effectLst/>
+      </p:bgPr>
+    </p:bg>
+    <p:spTree>
+      <p:nvGrpSpPr>
+        <p:cNvPr id="1" name=""/>
+        <p:cNvGrpSpPr/>
+        <p:nvPr/>
+      </p:nvGrpSpPr>
+      <p:grpSpPr>
+        <a:xfrm>
+          <a:off x="0" y="0"/>
+          <a:ext cx="0" cy="0"/>
+          <a:chOff x="0" y="0"/>
+          <a:chExt cx="0" cy="0"/>
+        </a:xfrm>
+      </p:grpSpPr>
+      <p:sp>
+        <p:nvSpPr>
+          <p:cNvPr id="2" name="Title 1">
+            <a:extLst>
+              <a:ext uri="{FF2B5EF4-FFF2-40B4-BE49-F238E27FC236}">
+                <a16:creationId xmlns:a16="http://schemas.microsoft.com/office/drawing/2014/main" id="{4C738398-DAA7-2BCE-76F4-AF36E34176F5}"/>
+              </a:ext>
+            </a:extLst>
+          </p:cNvPr>
+          <p:cNvSpPr>
+            <a:spLocks noGrp="1"/>
+          </p:cNvSpPr>
+          <p:nvPr>
+            <p:ph type="title"/>
+          </p:nvPr>
+        </p:nvSpPr>
+        <p:spPr/>
+        <p:txBody>
+          <a:bodyPr/>
+          <a:lstStyle/>
+          <a:p>
+            <a:r>
+              <a:rPr lang="en-US" dirty="0"/>
+              <a:t>A Look Inside</a:t>
+            </a:r>
+          </a:p>
+        </p:txBody>
+      </p:sp>
+      <p:sp>
+        <p:nvSpPr>
+          <p:cNvPr id="3" name="Content Placeholder 2">
+            <a:extLst>
+              <a:ext uri="{FF2B5EF4-FFF2-40B4-BE49-F238E27FC236}">
+                <a16:creationId xmlns:a16="http://schemas.microsoft.com/office/drawing/2014/main" id="{0C360948-50A1-2DC8-8408-53BDDAF2B33C}"/>
+              </a:ext>
+            </a:extLst>
+          </p:cNvPr>
+          <p:cNvSpPr>
+            <a:spLocks noGrp="1"/>
+          </p:cNvSpPr>
+          <p:nvPr>
+            <p:ph idx="1"/>
+          </p:nvPr>
+        </p:nvSpPr>
+        <p:spPr>
+          <a:xfrm>
+            <a:off x="550113" y="2051051"/>
+            <a:ext cx="8596668" cy="3880773"/>
+          </a:xfrm>
+        </p:spPr>
+        <p:txBody>
+          <a:bodyPr>
+            <a:normAutofit/>
+          </a:bodyPr>
+          <a:lstStyle/>
+          <a:p>
+            <a:r>
+              <a:rPr lang="en-US" sz="3200" dirty="0">
+                <a:solidFill>
+                  <a:schemeClr val="tx1"/>
+                </a:solidFill>
+              </a:rPr>
+              <a:t>The Plan</a:t>
+            </a:r>
+          </a:p>
+          <a:p>
+            <a:pPr lvl="1"/>
+            <a:r>
+              <a:rPr lang="en-US" sz="3000" dirty="0">
+                <a:solidFill>
+                  <a:schemeClr val="tx1"/>
+                </a:solidFill>
+              </a:rPr>
+              <a:t>Braille rendition of </a:t>
+            </a:r>
+            <a:r>
+              <a:rPr lang="en-US" sz="3000" i="1" dirty="0">
+                <a:solidFill>
+                  <a:schemeClr val="tx1"/>
+                </a:solidFill>
+              </a:rPr>
+              <a:t>simple</a:t>
+            </a:r>
+            <a:r>
+              <a:rPr lang="en-US" sz="3000" dirty="0">
+                <a:solidFill>
+                  <a:schemeClr val="tx1"/>
+                </a:solidFill>
+              </a:rPr>
+              <a:t> Turtle graphics</a:t>
+            </a:r>
+          </a:p>
+          <a:p>
+            <a:pPr lvl="1"/>
+            <a:r>
+              <a:rPr lang="en-US" sz="3000" dirty="0">
+                <a:solidFill>
+                  <a:schemeClr val="tx1"/>
+                </a:solidFill>
+              </a:rPr>
+              <a:t>A text picture to send to the embosser</a:t>
+            </a:r>
+          </a:p>
+          <a:p>
+            <a:pPr lvl="1"/>
+            <a:r>
+              <a:rPr lang="en-US" sz="3000" dirty="0">
+                <a:solidFill>
+                  <a:schemeClr val="tx1"/>
+                </a:solidFill>
+              </a:rPr>
+              <a:t>Coarse – 40 characters by 25 lines</a:t>
+            </a:r>
+          </a:p>
+          <a:p>
+            <a:pPr lvl="1"/>
+            <a:r>
+              <a:rPr lang="en-US" sz="3000" dirty="0">
+                <a:solidFill>
+                  <a:schemeClr val="tx1"/>
+                </a:solidFill>
+              </a:rPr>
+              <a:t>One color letter per square</a:t>
+            </a:r>
+          </a:p>
+        </p:txBody>
+      </p:sp>
+      <p:sp>
+        <p:nvSpPr>
+          <p:cNvPr id="4" name="Date Placeholder 3">
+            <a:extLst>
+              <a:ext uri="{FF2B5EF4-FFF2-40B4-BE49-F238E27FC236}">
+                <a16:creationId xmlns:a16="http://schemas.microsoft.com/office/drawing/2014/main" id="{5EDCC79F-3336-222D-207D-DDBE9A586431}"/>
+              </a:ext>
+            </a:extLst>
+          </p:cNvPr>
+          <p:cNvSpPr>
+            <a:spLocks noGrp="1"/>
+          </p:cNvSpPr>
+          <p:nvPr>
+            <p:ph type="dt" sz="half" idx="10"/>
+          </p:nvPr>
+        </p:nvSpPr>
+        <p:spPr/>
+        <p:txBody>
+          <a:bodyPr/>
+          <a:lstStyle/>
+          <a:p>
+            <a:fld id="{A7119916-CD40-456D-ABE3-55F8822671F7}" type="datetime1">
+              <a:rPr lang="en-US" smtClean="0"/>
+              <a:t>1/19/2023</a:t>
+            </a:fld>
+            <a:endParaRPr lang="en-US" dirty="0"/>
+          </a:p>
+        </p:txBody>
+      </p:sp>
+      <p:sp>
+        <p:nvSpPr>
+          <p:cNvPr id="5" name="Footer Placeholder 4">
+            <a:extLst>
+              <a:ext uri="{FF2B5EF4-FFF2-40B4-BE49-F238E27FC236}">
+                <a16:creationId xmlns:a16="http://schemas.microsoft.com/office/drawing/2014/main" id="{009CCD2F-A4CE-60DA-E7BA-37B3D06C1ADD}"/>
+              </a:ext>
+            </a:extLst>
+          </p:cNvPr>
+          <p:cNvSpPr>
+            <a:spLocks noGrp="1"/>
+          </p:cNvSpPr>
+          <p:nvPr>
+            <p:ph type="ftr" sz="quarter" idx="11"/>
+          </p:nvPr>
+        </p:nvSpPr>
+        <p:spPr/>
+        <p:txBody>
+          <a:bodyPr/>
+          <a:lstStyle/>
+          <a:p>
+            <a:r>
+              <a:rPr lang="en-US"/>
+              <a:t>raysmith@alum.mit.edu</a:t>
+            </a:r>
+            <a:endParaRPr lang="en-US" dirty="0"/>
+          </a:p>
+        </p:txBody>
+      </p:sp>
+      <p:sp>
+        <p:nvSpPr>
+          <p:cNvPr id="6" name="Slide Number Placeholder 5">
+            <a:extLst>
+              <a:ext uri="{FF2B5EF4-FFF2-40B4-BE49-F238E27FC236}">
+                <a16:creationId xmlns:a16="http://schemas.microsoft.com/office/drawing/2014/main" id="{54E7395C-C96B-C82A-58E2-49E4B31B73C9}"/>
+              </a:ext>
+            </a:extLst>
+          </p:cNvPr>
+          <p:cNvSpPr>
+            <a:spLocks noGrp="1"/>
+          </p:cNvSpPr>
+          <p:nvPr>
+            <p:ph type="sldNum" sz="quarter" idx="12"/>
+          </p:nvPr>
+        </p:nvSpPr>
+        <p:spPr/>
+        <p:txBody>
+          <a:bodyPr/>
+          <a:lstStyle/>
+          <a:p>
+            <a:fld id="{6D22F896-40B5-4ADD-8801-0D06FADFA095}" type="slidenum">
+              <a:rPr lang="en-US" smtClean="0"/>
+              <a:t>23</a:t>
+            </a:fld>
+            <a:endParaRPr lang="en-US" dirty="0"/>
+          </a:p>
+        </p:txBody>
+      </p:sp>
+      <p:pic>
+        <p:nvPicPr>
+          <p:cNvPr id="1025" name="Picture 1" descr="2">
+            <a:extLst>
+              <a:ext uri="{FF2B5EF4-FFF2-40B4-BE49-F238E27FC236}">
+                <a16:creationId xmlns:a16="http://schemas.microsoft.com/office/drawing/2014/main" id="{E655AFAE-90EF-81F0-845D-A0C543B6A4BD}"/>
+              </a:ext>
+            </a:extLst>
+          </p:cNvPr>
+          <p:cNvPicPr>
+            <a:picLocks noChangeAspect="1" noChangeArrowheads="1"/>
+          </p:cNvPicPr>
+          <p:nvPr/>
+        </p:nvPicPr>
+        <p:blipFill>
+          <a:blip r:embed="rId2">
+            <a:extLst>
+              <a:ext uri="{28A0092B-C50C-407E-A947-70E740481C1C}">
+                <a14:useLocalDpi xmlns:a14="http://schemas.microsoft.com/office/drawing/2010/main" val="0"/>
+              </a:ext>
+            </a:extLst>
+          </a:blip>
+          <a:srcRect/>
+          <a:stretch>
+            <a:fillRect/>
+          </a:stretch>
+        </p:blipFill>
+        <p:spPr bwMode="auto">
+          <a:xfrm>
+            <a:off x="0" y="0"/>
+            <a:ext cx="133350" cy="219075"/>
+          </a:xfrm>
+          <a:prstGeom prst="rect">
+            <a:avLst/>
+          </a:prstGeom>
+          <a:noFill/>
+          <a:extLst>
+            <a:ext uri="{909E8E84-426E-40DD-AFC4-6F175D3DCCD1}">
+              <a14:hiddenFill xmlns:a14="http://schemas.microsoft.com/office/drawing/2010/main">
+                <a:solidFill>
+                  <a:srgbClr val="FFFFFF"/>
+                </a:solidFill>
+              </a14:hiddenFill>
+            </a:ext>
+          </a:extLst>
+        </p:spPr>
+      </p:pic>
+    </p:spTree>
+    <p:extLst>
+      <p:ext uri="{BB962C8B-B14F-4D97-AF65-F5344CB8AC3E}">
+        <p14:creationId xmlns:p14="http://schemas.microsoft.com/office/powerpoint/2010/main" val="187479647"/>
+      </p:ext>
+    </p:extLst>
+  </p:cSld>
+  <p:clrMapOvr>
+    <a:masterClrMapping/>
+  </p:clrMapOvr>
+</p:sld>
+</file>
+
+<file path=ppt/slides/slide24.xml><?xml version="1.0" encoding="utf-8"?>
+<p:sld xmlns:a="http://schemas.openxmlformats.org/drawingml/2006/main" xmlns:r="http://schemas.openxmlformats.org/officeDocument/2006/relationships" xmlns:p="http://schemas.openxmlformats.org/presentationml/2006/main">
+  <p:cSld>
+    <p:bg>
+      <p:bgPr>
+        <a:gradFill>
+          <a:gsLst>
+            <a:gs pos="0">
+              <a:schemeClr val="accent4">
+                <a:lumMod val="20000"/>
+                <a:lumOff val="80000"/>
+              </a:schemeClr>
+            </a:gs>
+            <a:gs pos="74000">
+              <a:schemeClr val="accent4">
+                <a:lumMod val="45000"/>
+                <a:lumOff val="55000"/>
+              </a:schemeClr>
+            </a:gs>
+            <a:gs pos="83000">
+              <a:schemeClr val="accent4">
+                <a:lumMod val="45000"/>
+                <a:lumOff val="55000"/>
+              </a:schemeClr>
+            </a:gs>
+            <a:gs pos="100000">
+              <a:schemeClr val="accent4">
+                <a:lumMod val="30000"/>
+                <a:lumOff val="70000"/>
+              </a:schemeClr>
+            </a:gs>
+          </a:gsLst>
+          <a:lin ang="5400000" scaled="1"/>
+        </a:gradFill>
+        <a:effectLst/>
+      </p:bgPr>
+    </p:bg>
+    <p:spTree>
+      <p:nvGrpSpPr>
+        <p:cNvPr id="1" name=""/>
+        <p:cNvGrpSpPr/>
+        <p:nvPr/>
+      </p:nvGrpSpPr>
+      <p:grpSpPr>
+        <a:xfrm>
+          <a:off x="0" y="0"/>
+          <a:ext cx="0" cy="0"/>
+          <a:chOff x="0" y="0"/>
+          <a:chExt cx="0" cy="0"/>
+        </a:xfrm>
+      </p:grpSpPr>
+      <p:sp>
+        <p:nvSpPr>
+          <p:cNvPr id="2" name="Title 1">
+            <a:extLst>
+              <a:ext uri="{FF2B5EF4-FFF2-40B4-BE49-F238E27FC236}">
+                <a16:creationId xmlns:a16="http://schemas.microsoft.com/office/drawing/2014/main" id="{4C738398-DAA7-2BCE-76F4-AF36E34176F5}"/>
+              </a:ext>
+            </a:extLst>
+          </p:cNvPr>
+          <p:cNvSpPr>
+            <a:spLocks noGrp="1"/>
+          </p:cNvSpPr>
+          <p:nvPr>
+            <p:ph type="title"/>
+          </p:nvPr>
+        </p:nvSpPr>
+        <p:spPr>
+          <a:xfrm>
+            <a:off x="677334" y="609600"/>
+            <a:ext cx="8596668" cy="942906"/>
+          </a:xfrm>
+        </p:spPr>
+        <p:txBody>
+          <a:bodyPr/>
+          <a:lstStyle/>
+          <a:p>
+            <a:r>
+              <a:rPr lang="en-US" sz="3600" dirty="0">
+                <a:solidFill>
+                  <a:schemeClr val="accent1"/>
+                </a:solidFill>
+              </a:rPr>
+              <a:t>The Plan continued…</a:t>
+            </a:r>
+            <a:endParaRPr lang="en-US" dirty="0"/>
+          </a:p>
+        </p:txBody>
+      </p:sp>
+      <p:sp>
+        <p:nvSpPr>
+          <p:cNvPr id="3" name="Content Placeholder 2">
+            <a:extLst>
+              <a:ext uri="{FF2B5EF4-FFF2-40B4-BE49-F238E27FC236}">
+                <a16:creationId xmlns:a16="http://schemas.microsoft.com/office/drawing/2014/main" id="{0C360948-50A1-2DC8-8408-53BDDAF2B33C}"/>
+              </a:ext>
+            </a:extLst>
+          </p:cNvPr>
+          <p:cNvSpPr>
+            <a:spLocks noGrp="1"/>
+          </p:cNvSpPr>
+          <p:nvPr>
+            <p:ph idx="1"/>
+          </p:nvPr>
+        </p:nvSpPr>
+        <p:spPr>
+          <a:xfrm>
+            <a:off x="550113" y="2051051"/>
+            <a:ext cx="8596668" cy="3880773"/>
+          </a:xfrm>
+        </p:spPr>
+        <p:txBody>
+          <a:bodyPr>
+            <a:normAutofit/>
+          </a:bodyPr>
+          <a:lstStyle/>
+          <a:p>
+            <a:pPr lvl="1"/>
+            <a:r>
+              <a:rPr lang="en-US" sz="3600" dirty="0">
+                <a:solidFill>
+                  <a:schemeClr val="tx1"/>
+                </a:solidFill>
+              </a:rPr>
+              <a:t>Shadow functions for each Turtle function</a:t>
+            </a:r>
+          </a:p>
+          <a:p>
+            <a:pPr lvl="1"/>
+            <a:r>
+              <a:rPr lang="en-US" sz="3600" dirty="0">
+                <a:solidFill>
+                  <a:schemeClr val="tx1"/>
+                </a:solidFill>
+              </a:rPr>
+              <a:t>Sample points for each visible graphic – e.g. line</a:t>
+            </a:r>
+          </a:p>
+          <a:p>
+            <a:pPr lvl="1"/>
+            <a:r>
+              <a:rPr lang="en-US" sz="3600" dirty="0">
+                <a:solidFill>
+                  <a:schemeClr val="tx1"/>
+                </a:solidFill>
+              </a:rPr>
+              <a:t>Create cells to display from points</a:t>
+            </a:r>
+          </a:p>
+          <a:p>
+            <a:pPr lvl="1"/>
+            <a:endParaRPr lang="en-US" sz="3000" dirty="0">
+              <a:solidFill>
+                <a:schemeClr val="accent1"/>
+              </a:solidFill>
+            </a:endParaRPr>
+          </a:p>
+        </p:txBody>
+      </p:sp>
+      <p:sp>
+        <p:nvSpPr>
+          <p:cNvPr id="4" name="Date Placeholder 3">
+            <a:extLst>
+              <a:ext uri="{FF2B5EF4-FFF2-40B4-BE49-F238E27FC236}">
+                <a16:creationId xmlns:a16="http://schemas.microsoft.com/office/drawing/2014/main" id="{5EDCC79F-3336-222D-207D-DDBE9A586431}"/>
+              </a:ext>
+            </a:extLst>
+          </p:cNvPr>
+          <p:cNvSpPr>
+            <a:spLocks noGrp="1"/>
+          </p:cNvSpPr>
+          <p:nvPr>
+            <p:ph type="dt" sz="half" idx="10"/>
+          </p:nvPr>
+        </p:nvSpPr>
+        <p:spPr/>
+        <p:txBody>
+          <a:bodyPr/>
+          <a:lstStyle/>
+          <a:p>
+            <a:fld id="{A7119916-CD40-456D-ABE3-55F8822671F7}" type="datetime1">
+              <a:rPr lang="en-US" smtClean="0"/>
+              <a:t>1/19/2023</a:t>
+            </a:fld>
+            <a:endParaRPr lang="en-US" dirty="0"/>
+          </a:p>
+        </p:txBody>
+      </p:sp>
+      <p:sp>
+        <p:nvSpPr>
+          <p:cNvPr id="5" name="Footer Placeholder 4">
+            <a:extLst>
+              <a:ext uri="{FF2B5EF4-FFF2-40B4-BE49-F238E27FC236}">
+                <a16:creationId xmlns:a16="http://schemas.microsoft.com/office/drawing/2014/main" id="{009CCD2F-A4CE-60DA-E7BA-37B3D06C1ADD}"/>
+              </a:ext>
+            </a:extLst>
+          </p:cNvPr>
+          <p:cNvSpPr>
+            <a:spLocks noGrp="1"/>
+          </p:cNvSpPr>
+          <p:nvPr>
+            <p:ph type="ftr" sz="quarter" idx="11"/>
+          </p:nvPr>
+        </p:nvSpPr>
+        <p:spPr/>
+        <p:txBody>
+          <a:bodyPr/>
+          <a:lstStyle/>
+          <a:p>
+            <a:r>
+              <a:rPr lang="en-US"/>
+              <a:t>raysmith@alum.mit.edu</a:t>
+            </a:r>
+            <a:endParaRPr lang="en-US" dirty="0"/>
+          </a:p>
+        </p:txBody>
+      </p:sp>
+      <p:sp>
+        <p:nvSpPr>
+          <p:cNvPr id="6" name="Slide Number Placeholder 5">
+            <a:extLst>
+              <a:ext uri="{FF2B5EF4-FFF2-40B4-BE49-F238E27FC236}">
+                <a16:creationId xmlns:a16="http://schemas.microsoft.com/office/drawing/2014/main" id="{54E7395C-C96B-C82A-58E2-49E4B31B73C9}"/>
+              </a:ext>
+            </a:extLst>
+          </p:cNvPr>
+          <p:cNvSpPr>
+            <a:spLocks noGrp="1"/>
+          </p:cNvSpPr>
+          <p:nvPr>
+            <p:ph type="sldNum" sz="quarter" idx="12"/>
+          </p:nvPr>
+        </p:nvSpPr>
+        <p:spPr/>
+        <p:txBody>
+          <a:bodyPr/>
+          <a:lstStyle/>
+          <a:p>
+            <a:fld id="{6D22F896-40B5-4ADD-8801-0D06FADFA095}" type="slidenum">
+              <a:rPr lang="en-US" smtClean="0"/>
+              <a:t>24</a:t>
+            </a:fld>
+            <a:endParaRPr lang="en-US" dirty="0"/>
+          </a:p>
+        </p:txBody>
+      </p:sp>
+      <p:pic>
+        <p:nvPicPr>
+          <p:cNvPr id="1025" name="Picture 1" descr="2">
+            <a:extLst>
+              <a:ext uri="{FF2B5EF4-FFF2-40B4-BE49-F238E27FC236}">
+                <a16:creationId xmlns:a16="http://schemas.microsoft.com/office/drawing/2014/main" id="{E655AFAE-90EF-81F0-845D-A0C543B6A4BD}"/>
+              </a:ext>
+            </a:extLst>
+          </p:cNvPr>
+          <p:cNvPicPr>
+            <a:picLocks noChangeAspect="1" noChangeArrowheads="1"/>
+          </p:cNvPicPr>
+          <p:nvPr/>
+        </p:nvPicPr>
+        <p:blipFill>
+          <a:blip r:embed="rId2">
+            <a:extLst>
+              <a:ext uri="{28A0092B-C50C-407E-A947-70E740481C1C}">
+                <a14:useLocalDpi xmlns:a14="http://schemas.microsoft.com/office/drawing/2010/main" val="0"/>
+              </a:ext>
+            </a:extLst>
+          </a:blip>
+          <a:srcRect/>
+          <a:stretch>
+            <a:fillRect/>
+          </a:stretch>
+        </p:blipFill>
+        <p:spPr bwMode="auto">
+          <a:xfrm>
+            <a:off x="0" y="0"/>
+            <a:ext cx="133350" cy="219075"/>
+          </a:xfrm>
+          <a:prstGeom prst="rect">
+            <a:avLst/>
+          </a:prstGeom>
+          <a:noFill/>
+          <a:extLst>
+            <a:ext uri="{909E8E84-426E-40DD-AFC4-6F175D3DCCD1}">
+              <a14:hiddenFill xmlns:a14="http://schemas.microsoft.com/office/drawing/2010/main">
+                <a:solidFill>
+                  <a:srgbClr val="FFFFFF"/>
+                </a:solidFill>
+              </a14:hiddenFill>
+            </a:ext>
+          </a:extLst>
+        </p:spPr>
+      </p:pic>
+    </p:spTree>
+    <p:extLst>
+      <p:ext uri="{BB962C8B-B14F-4D97-AF65-F5344CB8AC3E}">
+        <p14:creationId xmlns:p14="http://schemas.microsoft.com/office/powerpoint/2010/main" val="1744733904"/>
+      </p:ext>
+    </p:extLst>
+  </p:cSld>
+  <p:clrMapOvr>
+    <a:masterClrMapping/>
+  </p:clrMapOvr>
+</p:sld>
+</file>
+
+<file path=ppt/slides/slide25.xml><?xml version="1.0" encoding="utf-8"?>
+<p:sld xmlns:a="http://schemas.openxmlformats.org/drawingml/2006/main" xmlns:r="http://schemas.openxmlformats.org/officeDocument/2006/relationships" xmlns:p="http://schemas.openxmlformats.org/presentationml/2006/main">
+  <p:cSld>
+    <p:bg>
+      <p:bgPr>
+        <a:gradFill>
+          <a:gsLst>
+            <a:gs pos="0">
+              <a:schemeClr val="accent4">
+                <a:lumMod val="20000"/>
+                <a:lumOff val="80000"/>
+              </a:schemeClr>
+            </a:gs>
+            <a:gs pos="74000">
+              <a:schemeClr val="accent4">
+                <a:lumMod val="45000"/>
+                <a:lumOff val="55000"/>
+              </a:schemeClr>
+            </a:gs>
+            <a:gs pos="83000">
+              <a:schemeClr val="accent4">
+                <a:lumMod val="45000"/>
+                <a:lumOff val="55000"/>
+              </a:schemeClr>
+            </a:gs>
+            <a:gs pos="100000">
+              <a:schemeClr val="accent4">
+                <a:lumMod val="30000"/>
+                <a:lumOff val="70000"/>
+              </a:schemeClr>
+            </a:gs>
+          </a:gsLst>
+          <a:lin ang="5400000" scaled="1"/>
+        </a:gradFill>
+        <a:effectLst/>
+      </p:bgPr>
+    </p:bg>
+    <p:spTree>
+      <p:nvGrpSpPr>
+        <p:cNvPr id="1" name=""/>
+        <p:cNvGrpSpPr/>
+        <p:nvPr/>
+      </p:nvGrpSpPr>
+      <p:grpSpPr>
+        <a:xfrm>
+          <a:off x="0" y="0"/>
+          <a:ext cx="0" cy="0"/>
+          <a:chOff x="0" y="0"/>
+          <a:chExt cx="0" cy="0"/>
+        </a:xfrm>
+      </p:grpSpPr>
+      <p:sp>
+        <p:nvSpPr>
+          <p:cNvPr id="2" name="Title 1">
+            <a:extLst>
+              <a:ext uri="{FF2B5EF4-FFF2-40B4-BE49-F238E27FC236}">
+                <a16:creationId xmlns:a16="http://schemas.microsoft.com/office/drawing/2014/main" id="{4C738398-DAA7-2BCE-76F4-AF36E34176F5}"/>
+              </a:ext>
+            </a:extLst>
+          </p:cNvPr>
+          <p:cNvSpPr>
+            <a:spLocks noGrp="1"/>
+          </p:cNvSpPr>
+          <p:nvPr>
+            <p:ph type="title"/>
+          </p:nvPr>
+        </p:nvSpPr>
+        <p:spPr/>
+        <p:txBody>
+          <a:bodyPr/>
+          <a:lstStyle/>
+          <a:p>
+            <a:r>
+              <a:rPr lang="en-US" sz="3600" dirty="0">
+                <a:solidFill>
+                  <a:schemeClr val="accent1"/>
+                </a:solidFill>
+              </a:rPr>
+              <a:t>The Plan continued…</a:t>
+            </a:r>
+            <a:endParaRPr lang="en-US" dirty="0"/>
+          </a:p>
+        </p:txBody>
+      </p:sp>
+      <p:sp>
+        <p:nvSpPr>
+          <p:cNvPr id="3" name="Content Placeholder 2">
+            <a:extLst>
+              <a:ext uri="{FF2B5EF4-FFF2-40B4-BE49-F238E27FC236}">
+                <a16:creationId xmlns:a16="http://schemas.microsoft.com/office/drawing/2014/main" id="{0C360948-50A1-2DC8-8408-53BDDAF2B33C}"/>
+              </a:ext>
+            </a:extLst>
+          </p:cNvPr>
+          <p:cNvSpPr>
+            <a:spLocks noGrp="1"/>
+          </p:cNvSpPr>
+          <p:nvPr>
+            <p:ph idx="1"/>
+          </p:nvPr>
+        </p:nvSpPr>
+        <p:spPr>
+          <a:xfrm>
+            <a:off x="550113" y="2051051"/>
+            <a:ext cx="8596668" cy="3880773"/>
+          </a:xfrm>
+        </p:spPr>
+        <p:txBody>
+          <a:bodyPr>
+            <a:normAutofit/>
+          </a:bodyPr>
+          <a:lstStyle/>
+          <a:p>
+            <a:r>
+              <a:rPr lang="en-US" sz="3600" dirty="0">
+                <a:solidFill>
+                  <a:schemeClr val="tx1"/>
+                </a:solidFill>
+              </a:rPr>
+              <a:t>for each user Turtle function call</a:t>
+            </a:r>
+          </a:p>
+          <a:p>
+            <a:pPr lvl="1"/>
+            <a:r>
+              <a:rPr lang="en-US" sz="3600" dirty="0">
+                <a:solidFill>
+                  <a:schemeClr val="tx1"/>
+                </a:solidFill>
+              </a:rPr>
+              <a:t>Call Turtle's function </a:t>
+            </a:r>
+            <a:r>
+              <a:rPr lang="en-US" sz="3600" dirty="0">
+                <a:solidFill>
+                  <a:schemeClr val="tx1"/>
+                </a:solidFill>
+                <a:sym typeface="Wingdings" panose="05000000000000000000" pitchFamily="2" charset="2"/>
+              </a:rPr>
+              <a:t></a:t>
+            </a:r>
+            <a:r>
+              <a:rPr lang="en-US" sz="3600" dirty="0">
+                <a:solidFill>
+                  <a:schemeClr val="tx1"/>
+                </a:solidFill>
+              </a:rPr>
+              <a:t>Turtle graphic</a:t>
+            </a:r>
+          </a:p>
+          <a:p>
+            <a:pPr lvl="1"/>
+            <a:r>
+              <a:rPr lang="en-US" sz="3600" dirty="0">
+                <a:solidFill>
+                  <a:schemeClr val="tx1"/>
+                </a:solidFill>
+              </a:rPr>
+              <a:t>Call shadow function(s)</a:t>
+            </a:r>
+          </a:p>
+          <a:p>
+            <a:pPr lvl="1"/>
+            <a:endParaRPr lang="en-US" sz="3000" dirty="0">
+              <a:solidFill>
+                <a:schemeClr val="tx1"/>
+              </a:solidFill>
+            </a:endParaRPr>
+          </a:p>
+        </p:txBody>
+      </p:sp>
+      <p:sp>
+        <p:nvSpPr>
+          <p:cNvPr id="4" name="Date Placeholder 3">
+            <a:extLst>
+              <a:ext uri="{FF2B5EF4-FFF2-40B4-BE49-F238E27FC236}">
+                <a16:creationId xmlns:a16="http://schemas.microsoft.com/office/drawing/2014/main" id="{5EDCC79F-3336-222D-207D-DDBE9A586431}"/>
+              </a:ext>
+            </a:extLst>
+          </p:cNvPr>
+          <p:cNvSpPr>
+            <a:spLocks noGrp="1"/>
+          </p:cNvSpPr>
+          <p:nvPr>
+            <p:ph type="dt" sz="half" idx="10"/>
+          </p:nvPr>
+        </p:nvSpPr>
+        <p:spPr/>
+        <p:txBody>
+          <a:bodyPr/>
+          <a:lstStyle/>
+          <a:p>
+            <a:fld id="{A7119916-CD40-456D-ABE3-55F8822671F7}" type="datetime1">
+              <a:rPr lang="en-US" smtClean="0"/>
+              <a:t>1/19/2023</a:t>
+            </a:fld>
+            <a:endParaRPr lang="en-US" dirty="0"/>
+          </a:p>
+        </p:txBody>
+      </p:sp>
+      <p:sp>
+        <p:nvSpPr>
+          <p:cNvPr id="5" name="Footer Placeholder 4">
+            <a:extLst>
+              <a:ext uri="{FF2B5EF4-FFF2-40B4-BE49-F238E27FC236}">
+                <a16:creationId xmlns:a16="http://schemas.microsoft.com/office/drawing/2014/main" id="{009CCD2F-A4CE-60DA-E7BA-37B3D06C1ADD}"/>
+              </a:ext>
+            </a:extLst>
+          </p:cNvPr>
+          <p:cNvSpPr>
+            <a:spLocks noGrp="1"/>
+          </p:cNvSpPr>
+          <p:nvPr>
+            <p:ph type="ftr" sz="quarter" idx="11"/>
+          </p:nvPr>
+        </p:nvSpPr>
+        <p:spPr/>
+        <p:txBody>
+          <a:bodyPr/>
+          <a:lstStyle/>
+          <a:p>
+            <a:r>
+              <a:rPr lang="en-US"/>
+              <a:t>raysmith@alum.mit.edu</a:t>
+            </a:r>
+            <a:endParaRPr lang="en-US" dirty="0"/>
+          </a:p>
+        </p:txBody>
+      </p:sp>
+      <p:sp>
+        <p:nvSpPr>
+          <p:cNvPr id="6" name="Slide Number Placeholder 5">
+            <a:extLst>
+              <a:ext uri="{FF2B5EF4-FFF2-40B4-BE49-F238E27FC236}">
+                <a16:creationId xmlns:a16="http://schemas.microsoft.com/office/drawing/2014/main" id="{54E7395C-C96B-C82A-58E2-49E4B31B73C9}"/>
+              </a:ext>
+            </a:extLst>
+          </p:cNvPr>
+          <p:cNvSpPr>
+            <a:spLocks noGrp="1"/>
+          </p:cNvSpPr>
+          <p:nvPr>
+            <p:ph type="sldNum" sz="quarter" idx="12"/>
+          </p:nvPr>
+        </p:nvSpPr>
+        <p:spPr/>
+        <p:txBody>
+          <a:bodyPr/>
+          <a:lstStyle/>
+          <a:p>
+            <a:fld id="{6D22F896-40B5-4ADD-8801-0D06FADFA095}" type="slidenum">
+              <a:rPr lang="en-US" smtClean="0"/>
+              <a:t>25</a:t>
+            </a:fld>
+            <a:endParaRPr lang="en-US" dirty="0"/>
+          </a:p>
+        </p:txBody>
+      </p:sp>
+      <p:pic>
+        <p:nvPicPr>
+          <p:cNvPr id="1025" name="Picture 1" descr="2">
+            <a:extLst>
+              <a:ext uri="{FF2B5EF4-FFF2-40B4-BE49-F238E27FC236}">
+                <a16:creationId xmlns:a16="http://schemas.microsoft.com/office/drawing/2014/main" id="{E655AFAE-90EF-81F0-845D-A0C543B6A4BD}"/>
+              </a:ext>
+            </a:extLst>
+          </p:cNvPr>
+          <p:cNvPicPr>
+            <a:picLocks noChangeAspect="1" noChangeArrowheads="1"/>
+          </p:cNvPicPr>
+          <p:nvPr/>
+        </p:nvPicPr>
+        <p:blipFill>
+          <a:blip r:embed="rId2">
+            <a:extLst>
+              <a:ext uri="{28A0092B-C50C-407E-A947-70E740481C1C}">
+                <a14:useLocalDpi xmlns:a14="http://schemas.microsoft.com/office/drawing/2010/main" val="0"/>
+              </a:ext>
+            </a:extLst>
+          </a:blip>
+          <a:srcRect/>
+          <a:stretch>
+            <a:fillRect/>
+          </a:stretch>
+        </p:blipFill>
+        <p:spPr bwMode="auto">
+          <a:xfrm>
+            <a:off x="0" y="0"/>
+            <a:ext cx="133350" cy="219075"/>
+          </a:xfrm>
+          <a:prstGeom prst="rect">
+            <a:avLst/>
+          </a:prstGeom>
+          <a:noFill/>
+          <a:extLst>
+            <a:ext uri="{909E8E84-426E-40DD-AFC4-6F175D3DCCD1}">
+              <a14:hiddenFill xmlns:a14="http://schemas.microsoft.com/office/drawing/2010/main">
+                <a:solidFill>
+                  <a:srgbClr val="FFFFFF"/>
+                </a:solidFill>
+              </a14:hiddenFill>
+            </a:ext>
+          </a:extLst>
+        </p:spPr>
+      </p:pic>
+    </p:spTree>
+    <p:extLst>
+      <p:ext uri="{BB962C8B-B14F-4D97-AF65-F5344CB8AC3E}">
+        <p14:creationId xmlns:p14="http://schemas.microsoft.com/office/powerpoint/2010/main" val="414912413"/>
+      </p:ext>
+    </p:extLst>
+  </p:cSld>
+  <p:clrMapOvr>
+    <a:masterClrMapping/>
+  </p:clrMapOvr>
+</p:sld>
+</file>
+
+<file path=ppt/slides/slide26.xml><?xml version="1.0" encoding="utf-8"?>
+<p:sld xmlns:a="http://schemas.openxmlformats.org/drawingml/2006/main" xmlns:r="http://schemas.openxmlformats.org/officeDocument/2006/relationships" xmlns:p="http://schemas.openxmlformats.org/presentationml/2006/main">
+  <p:cSld>
+    <p:bg>
+      <p:bgPr>
+        <a:gradFill>
+          <a:gsLst>
+            <a:gs pos="0">
+              <a:schemeClr val="accent4">
+                <a:lumMod val="20000"/>
+                <a:lumOff val="80000"/>
+              </a:schemeClr>
+            </a:gs>
+            <a:gs pos="74000">
+              <a:schemeClr val="accent4">
+                <a:lumMod val="45000"/>
+                <a:lumOff val="55000"/>
+              </a:schemeClr>
+            </a:gs>
+            <a:gs pos="83000">
+              <a:schemeClr val="accent4">
+                <a:lumMod val="45000"/>
+                <a:lumOff val="55000"/>
+              </a:schemeClr>
+            </a:gs>
+            <a:gs pos="100000">
+              <a:schemeClr val="accent4">
+                <a:lumMod val="30000"/>
+                <a:lumOff val="70000"/>
+              </a:schemeClr>
+            </a:gs>
+          </a:gsLst>
+          <a:lin ang="5400000" scaled="1"/>
+        </a:gradFill>
+        <a:effectLst/>
+      </p:bgPr>
+    </p:bg>
+    <p:spTree>
+      <p:nvGrpSpPr>
+        <p:cNvPr id="1" name=""/>
+        <p:cNvGrpSpPr/>
+        <p:nvPr/>
+      </p:nvGrpSpPr>
+      <p:grpSpPr>
+        <a:xfrm>
+          <a:off x="0" y="0"/>
+          <a:ext cx="0" cy="0"/>
+          <a:chOff x="0" y="0"/>
+          <a:chExt cx="0" cy="0"/>
+        </a:xfrm>
+      </p:grpSpPr>
+      <p:sp>
+        <p:nvSpPr>
+          <p:cNvPr id="2" name="Title 1">
+            <a:extLst>
+              <a:ext uri="{FF2B5EF4-FFF2-40B4-BE49-F238E27FC236}">
+                <a16:creationId xmlns:a16="http://schemas.microsoft.com/office/drawing/2014/main" id="{4C738398-DAA7-2BCE-76F4-AF36E34176F5}"/>
+              </a:ext>
+            </a:extLst>
+          </p:cNvPr>
+          <p:cNvSpPr>
+            <a:spLocks noGrp="1"/>
+          </p:cNvSpPr>
+          <p:nvPr>
+            <p:ph type="title"/>
+          </p:nvPr>
+        </p:nvSpPr>
+        <p:spPr/>
+        <p:txBody>
+          <a:bodyPr/>
+          <a:lstStyle/>
+          <a:p>
+            <a:r>
+              <a:rPr lang="en-US" sz="3600" dirty="0">
+                <a:solidFill>
+                  <a:schemeClr val="accent1"/>
+                </a:solidFill>
+              </a:rPr>
+              <a:t>The Plan continued…</a:t>
+            </a:r>
+            <a:endParaRPr lang="en-US" dirty="0"/>
+          </a:p>
+        </p:txBody>
+      </p:sp>
+      <p:sp>
+        <p:nvSpPr>
+          <p:cNvPr id="3" name="Content Placeholder 2">
+            <a:extLst>
+              <a:ext uri="{FF2B5EF4-FFF2-40B4-BE49-F238E27FC236}">
+                <a16:creationId xmlns:a16="http://schemas.microsoft.com/office/drawing/2014/main" id="{0C360948-50A1-2DC8-8408-53BDDAF2B33C}"/>
+              </a:ext>
+            </a:extLst>
+          </p:cNvPr>
+          <p:cNvSpPr>
+            <a:spLocks noGrp="1"/>
+          </p:cNvSpPr>
+          <p:nvPr>
+            <p:ph idx="1"/>
+          </p:nvPr>
+        </p:nvSpPr>
+        <p:spPr>
+          <a:xfrm>
+            <a:off x="550113" y="2051051"/>
+            <a:ext cx="8596668" cy="3880773"/>
+          </a:xfrm>
+        </p:spPr>
+        <p:txBody>
+          <a:bodyPr>
+            <a:normAutofit/>
+          </a:bodyPr>
+          <a:lstStyle/>
+          <a:p>
+            <a:pPr marL="457200" lvl="1" indent="0">
+              <a:buNone/>
+            </a:pPr>
+            <a:r>
+              <a:rPr lang="en-US" sz="3600" dirty="0">
+                <a:solidFill>
+                  <a:schemeClr val="tx1"/>
+                </a:solidFill>
+              </a:rPr>
+              <a:t>Shadow function – e.g. add_line()</a:t>
+            </a:r>
+          </a:p>
+          <a:p>
+            <a:pPr lvl="2"/>
+            <a:r>
+              <a:rPr lang="en-US" sz="3600" dirty="0">
+                <a:solidFill>
+                  <a:schemeClr val="tx1"/>
+                </a:solidFill>
+              </a:rPr>
+              <a:t>Update shadow state - e.g. color</a:t>
+            </a:r>
+          </a:p>
+          <a:p>
+            <a:pPr lvl="2"/>
+            <a:r>
+              <a:rPr lang="en-US" sz="3600" dirty="0">
+                <a:solidFill>
+                  <a:schemeClr val="tx1"/>
+                </a:solidFill>
+              </a:rPr>
+              <a:t>Create sample points at a higher resolution than display grid</a:t>
+            </a:r>
+          </a:p>
+          <a:p>
+            <a:pPr lvl="2"/>
+            <a:r>
+              <a:rPr lang="en-US" sz="3600" dirty="0">
+                <a:solidFill>
+                  <a:schemeClr val="tx1"/>
+                </a:solidFill>
+              </a:rPr>
+              <a:t>Add new display cell for each new point</a:t>
+            </a:r>
+          </a:p>
+          <a:p>
+            <a:pPr lvl="1"/>
+            <a:endParaRPr lang="en-US" sz="3000" dirty="0">
+              <a:solidFill>
+                <a:schemeClr val="accent1"/>
+              </a:solidFill>
+            </a:endParaRPr>
+          </a:p>
+        </p:txBody>
+      </p:sp>
+      <p:sp>
+        <p:nvSpPr>
+          <p:cNvPr id="4" name="Date Placeholder 3">
+            <a:extLst>
+              <a:ext uri="{FF2B5EF4-FFF2-40B4-BE49-F238E27FC236}">
+                <a16:creationId xmlns:a16="http://schemas.microsoft.com/office/drawing/2014/main" id="{5EDCC79F-3336-222D-207D-DDBE9A586431}"/>
+              </a:ext>
+            </a:extLst>
+          </p:cNvPr>
+          <p:cNvSpPr>
+            <a:spLocks noGrp="1"/>
+          </p:cNvSpPr>
+          <p:nvPr>
+            <p:ph type="dt" sz="half" idx="10"/>
+          </p:nvPr>
+        </p:nvSpPr>
+        <p:spPr/>
+        <p:txBody>
+          <a:bodyPr/>
+          <a:lstStyle/>
+          <a:p>
+            <a:fld id="{A7119916-CD40-456D-ABE3-55F8822671F7}" type="datetime1">
+              <a:rPr lang="en-US" smtClean="0"/>
+              <a:t>1/19/2023</a:t>
+            </a:fld>
+            <a:endParaRPr lang="en-US" dirty="0"/>
+          </a:p>
+        </p:txBody>
+      </p:sp>
+      <p:sp>
+        <p:nvSpPr>
+          <p:cNvPr id="5" name="Footer Placeholder 4">
+            <a:extLst>
+              <a:ext uri="{FF2B5EF4-FFF2-40B4-BE49-F238E27FC236}">
+                <a16:creationId xmlns:a16="http://schemas.microsoft.com/office/drawing/2014/main" id="{009CCD2F-A4CE-60DA-E7BA-37B3D06C1ADD}"/>
+              </a:ext>
+            </a:extLst>
+          </p:cNvPr>
+          <p:cNvSpPr>
+            <a:spLocks noGrp="1"/>
+          </p:cNvSpPr>
+          <p:nvPr>
+            <p:ph type="ftr" sz="quarter" idx="11"/>
+          </p:nvPr>
+        </p:nvSpPr>
+        <p:spPr/>
+        <p:txBody>
+          <a:bodyPr/>
+          <a:lstStyle/>
+          <a:p>
+            <a:r>
+              <a:rPr lang="en-US"/>
+              <a:t>raysmith@alum.mit.edu</a:t>
+            </a:r>
+            <a:endParaRPr lang="en-US" dirty="0"/>
+          </a:p>
+        </p:txBody>
+      </p:sp>
+      <p:sp>
+        <p:nvSpPr>
+          <p:cNvPr id="6" name="Slide Number Placeholder 5">
+            <a:extLst>
+              <a:ext uri="{FF2B5EF4-FFF2-40B4-BE49-F238E27FC236}">
+                <a16:creationId xmlns:a16="http://schemas.microsoft.com/office/drawing/2014/main" id="{54E7395C-C96B-C82A-58E2-49E4B31B73C9}"/>
+              </a:ext>
+            </a:extLst>
+          </p:cNvPr>
+          <p:cNvSpPr>
+            <a:spLocks noGrp="1"/>
+          </p:cNvSpPr>
+          <p:nvPr>
+            <p:ph type="sldNum" sz="quarter" idx="12"/>
+          </p:nvPr>
+        </p:nvSpPr>
+        <p:spPr/>
+        <p:txBody>
+          <a:bodyPr/>
+          <a:lstStyle/>
+          <a:p>
+            <a:fld id="{6D22F896-40B5-4ADD-8801-0D06FADFA095}" type="slidenum">
+              <a:rPr lang="en-US" smtClean="0"/>
+              <a:t>26</a:t>
+            </a:fld>
+            <a:endParaRPr lang="en-US" dirty="0"/>
+          </a:p>
+        </p:txBody>
+      </p:sp>
+      <p:pic>
+        <p:nvPicPr>
+          <p:cNvPr id="1025" name="Picture 1" descr="2">
+            <a:extLst>
+              <a:ext uri="{FF2B5EF4-FFF2-40B4-BE49-F238E27FC236}">
+                <a16:creationId xmlns:a16="http://schemas.microsoft.com/office/drawing/2014/main" id="{E655AFAE-90EF-81F0-845D-A0C543B6A4BD}"/>
+              </a:ext>
+            </a:extLst>
+          </p:cNvPr>
+          <p:cNvPicPr>
+            <a:picLocks noChangeAspect="1" noChangeArrowheads="1"/>
+          </p:cNvPicPr>
+          <p:nvPr/>
+        </p:nvPicPr>
+        <p:blipFill>
+          <a:blip r:embed="rId2">
+            <a:extLst>
+              <a:ext uri="{28A0092B-C50C-407E-A947-70E740481C1C}">
+                <a14:useLocalDpi xmlns:a14="http://schemas.microsoft.com/office/drawing/2010/main" val="0"/>
+              </a:ext>
+            </a:extLst>
+          </a:blip>
+          <a:srcRect/>
+          <a:stretch>
+            <a:fillRect/>
+          </a:stretch>
+        </p:blipFill>
+        <p:spPr bwMode="auto">
+          <a:xfrm>
+            <a:off x="0" y="0"/>
+            <a:ext cx="133350" cy="219075"/>
+          </a:xfrm>
+          <a:prstGeom prst="rect">
+            <a:avLst/>
+          </a:prstGeom>
+          <a:noFill/>
+          <a:extLst>
+            <a:ext uri="{909E8E84-426E-40DD-AFC4-6F175D3DCCD1}">
+              <a14:hiddenFill xmlns:a14="http://schemas.microsoft.com/office/drawing/2010/main">
+                <a:solidFill>
+                  <a:srgbClr val="FFFFFF"/>
+                </a:solidFill>
+              </a14:hiddenFill>
+            </a:ext>
+          </a:extLst>
+        </p:spPr>
+      </p:pic>
+    </p:spTree>
+    <p:extLst>
+      <p:ext uri="{BB962C8B-B14F-4D97-AF65-F5344CB8AC3E}">
+        <p14:creationId xmlns:p14="http://schemas.microsoft.com/office/powerpoint/2010/main" val="1028587879"/>
+      </p:ext>
+    </p:extLst>
+  </p:cSld>
+  <p:clrMapOvr>
+    <a:masterClrMapping/>
+  </p:clrMapOvr>
+</p:sld>
+</file>
+
+<file path=ppt/slides/slide27.xml><?xml version="1.0" encoding="utf-8"?>
+<p:sld xmlns:a="http://schemas.openxmlformats.org/drawingml/2006/main" xmlns:r="http://schemas.openxmlformats.org/officeDocument/2006/relationships" xmlns:p="http://schemas.openxmlformats.org/presentationml/2006/main">
+  <p:cSld>
+    <p:bg>
+      <p:bgPr>
+        <a:gradFill>
+          <a:gsLst>
+            <a:gs pos="0">
+              <a:schemeClr val="accent4">
+                <a:lumMod val="20000"/>
+                <a:lumOff val="80000"/>
+              </a:schemeClr>
+            </a:gs>
+            <a:gs pos="74000">
+              <a:schemeClr val="accent4">
+                <a:lumMod val="45000"/>
+                <a:lumOff val="55000"/>
+              </a:schemeClr>
+            </a:gs>
+            <a:gs pos="83000">
+              <a:schemeClr val="accent4">
+                <a:lumMod val="45000"/>
+                <a:lumOff val="55000"/>
+              </a:schemeClr>
+            </a:gs>
+            <a:gs pos="100000">
+              <a:schemeClr val="accent4">
+                <a:lumMod val="30000"/>
+                <a:lumOff val="70000"/>
+              </a:schemeClr>
+            </a:gs>
+          </a:gsLst>
+          <a:lin ang="5400000" scaled="1"/>
+        </a:gradFill>
+        <a:effectLst/>
+      </p:bgPr>
+    </p:bg>
+    <p:spTree>
+      <p:nvGrpSpPr>
+        <p:cNvPr id="1" name=""/>
+        <p:cNvGrpSpPr/>
+        <p:nvPr/>
+      </p:nvGrpSpPr>
+      <p:grpSpPr>
+        <a:xfrm>
+          <a:off x="0" y="0"/>
+          <a:ext cx="0" cy="0"/>
+          <a:chOff x="0" y="0"/>
+          <a:chExt cx="0" cy="0"/>
+        </a:xfrm>
+      </p:grpSpPr>
+      <p:sp>
+        <p:nvSpPr>
+          <p:cNvPr id="2" name="Title 1">
+            <a:extLst>
+              <a:ext uri="{FF2B5EF4-FFF2-40B4-BE49-F238E27FC236}">
+                <a16:creationId xmlns:a16="http://schemas.microsoft.com/office/drawing/2014/main" id="{4C738398-DAA7-2BCE-76F4-AF36E34176F5}"/>
+              </a:ext>
+            </a:extLst>
+          </p:cNvPr>
+          <p:cNvSpPr>
+            <a:spLocks noGrp="1"/>
+          </p:cNvSpPr>
+          <p:nvPr>
+            <p:ph type="title"/>
+          </p:nvPr>
+        </p:nvSpPr>
+        <p:spPr/>
+        <p:txBody>
+          <a:bodyPr/>
+          <a:lstStyle/>
+          <a:p>
+            <a:r>
+              <a:rPr lang="en-US" sz="3600" dirty="0">
+                <a:solidFill>
+                  <a:schemeClr val="accent1"/>
+                </a:solidFill>
+              </a:rPr>
+              <a:t>The Plan continued…</a:t>
+            </a:r>
+            <a:endParaRPr lang="en-US" dirty="0"/>
+          </a:p>
+        </p:txBody>
+      </p:sp>
+      <p:sp>
+        <p:nvSpPr>
+          <p:cNvPr id="3" name="Content Placeholder 2">
+            <a:extLst>
+              <a:ext uri="{FF2B5EF4-FFF2-40B4-BE49-F238E27FC236}">
+                <a16:creationId xmlns:a16="http://schemas.microsoft.com/office/drawing/2014/main" id="{0C360948-50A1-2DC8-8408-53BDDAF2B33C}"/>
+              </a:ext>
+            </a:extLst>
+          </p:cNvPr>
+          <p:cNvSpPr>
+            <a:spLocks noGrp="1"/>
+          </p:cNvSpPr>
+          <p:nvPr>
+            <p:ph idx="1"/>
+          </p:nvPr>
+        </p:nvSpPr>
+        <p:spPr>
+          <a:xfrm>
+            <a:off x="550113" y="2051051"/>
+            <a:ext cx="8596668" cy="3880773"/>
+          </a:xfrm>
+        </p:spPr>
+        <p:txBody>
+          <a:bodyPr>
+            <a:normAutofit/>
+          </a:bodyPr>
+          <a:lstStyle/>
+          <a:p>
+            <a:r>
+              <a:rPr lang="en-US" sz="3200" dirty="0">
+                <a:solidFill>
+                  <a:schemeClr val="tx1"/>
+                </a:solidFill>
+              </a:rPr>
+              <a:t>for Turtle function </a:t>
+            </a:r>
+            <a:r>
+              <a:rPr lang="en-US" sz="3200" b="1" dirty="0">
+                <a:solidFill>
+                  <a:schemeClr val="tx1"/>
+                </a:solidFill>
+              </a:rPr>
+              <a:t>done</a:t>
+            </a:r>
+            <a:r>
+              <a:rPr lang="en-US" sz="3200" dirty="0">
+                <a:solidFill>
+                  <a:schemeClr val="tx1"/>
+                </a:solidFill>
+              </a:rPr>
+              <a:t> or </a:t>
+            </a:r>
+            <a:r>
+              <a:rPr lang="en-US" sz="3200" b="1" dirty="0">
+                <a:solidFill>
+                  <a:schemeClr val="tx1"/>
+                </a:solidFill>
+              </a:rPr>
+              <a:t>mainloop</a:t>
+            </a:r>
+          </a:p>
+          <a:p>
+            <a:pPr lvl="1"/>
+            <a:r>
+              <a:rPr lang="en-US" sz="3000" dirty="0">
+                <a:solidFill>
+                  <a:schemeClr val="tx1"/>
+                </a:solidFill>
+              </a:rPr>
+              <a:t>If print braille:</a:t>
+            </a:r>
+          </a:p>
+          <a:p>
+            <a:pPr lvl="2"/>
+            <a:r>
+              <a:rPr lang="en-US" sz="2800" dirty="0">
+                <a:solidFill>
+                  <a:schemeClr val="tx1"/>
+                </a:solidFill>
+              </a:rPr>
+              <a:t>Generate text picture from display cells</a:t>
+            </a:r>
+          </a:p>
+          <a:p>
+            <a:pPr lvl="1"/>
+            <a:r>
+              <a:rPr lang="en-US" sz="3200" dirty="0">
+                <a:solidFill>
+                  <a:schemeClr val="tx1"/>
+                </a:solidFill>
+              </a:rPr>
+              <a:t>If braille window:</a:t>
+            </a:r>
+          </a:p>
+          <a:p>
+            <a:pPr lvl="2"/>
+            <a:r>
+              <a:rPr lang="en-US" sz="2800" dirty="0">
+                <a:solidFill>
+                  <a:schemeClr val="tx1"/>
+                </a:solidFill>
+              </a:rPr>
+              <a:t>Create Braille Window Display</a:t>
+            </a:r>
+          </a:p>
+          <a:p>
+            <a:pPr lvl="2"/>
+            <a:r>
+              <a:rPr lang="en-US" sz="2800" dirty="0">
+                <a:solidFill>
+                  <a:schemeClr val="tx1"/>
+                </a:solidFill>
+              </a:rPr>
+              <a:t>Populate with Braille Cells </a:t>
+            </a:r>
+          </a:p>
+        </p:txBody>
+      </p:sp>
+      <p:sp>
+        <p:nvSpPr>
+          <p:cNvPr id="4" name="Date Placeholder 3">
+            <a:extLst>
+              <a:ext uri="{FF2B5EF4-FFF2-40B4-BE49-F238E27FC236}">
+                <a16:creationId xmlns:a16="http://schemas.microsoft.com/office/drawing/2014/main" id="{5EDCC79F-3336-222D-207D-DDBE9A586431}"/>
+              </a:ext>
+            </a:extLst>
+          </p:cNvPr>
+          <p:cNvSpPr>
+            <a:spLocks noGrp="1"/>
+          </p:cNvSpPr>
+          <p:nvPr>
+            <p:ph type="dt" sz="half" idx="10"/>
+          </p:nvPr>
+        </p:nvSpPr>
+        <p:spPr/>
+        <p:txBody>
+          <a:bodyPr/>
+          <a:lstStyle/>
+          <a:p>
+            <a:fld id="{A7119916-CD40-456D-ABE3-55F8822671F7}" type="datetime1">
+              <a:rPr lang="en-US" smtClean="0"/>
+              <a:t>1/19/2023</a:t>
+            </a:fld>
+            <a:endParaRPr lang="en-US" dirty="0"/>
+          </a:p>
+        </p:txBody>
+      </p:sp>
+      <p:sp>
+        <p:nvSpPr>
+          <p:cNvPr id="5" name="Footer Placeholder 4">
+            <a:extLst>
+              <a:ext uri="{FF2B5EF4-FFF2-40B4-BE49-F238E27FC236}">
+                <a16:creationId xmlns:a16="http://schemas.microsoft.com/office/drawing/2014/main" id="{009CCD2F-A4CE-60DA-E7BA-37B3D06C1ADD}"/>
+              </a:ext>
+            </a:extLst>
+          </p:cNvPr>
+          <p:cNvSpPr>
+            <a:spLocks noGrp="1"/>
+          </p:cNvSpPr>
+          <p:nvPr>
+            <p:ph type="ftr" sz="quarter" idx="11"/>
+          </p:nvPr>
+        </p:nvSpPr>
+        <p:spPr/>
+        <p:txBody>
+          <a:bodyPr/>
+          <a:lstStyle/>
+          <a:p>
+            <a:r>
+              <a:rPr lang="en-US"/>
+              <a:t>raysmith@alum.mit.edu</a:t>
+            </a:r>
+            <a:endParaRPr lang="en-US" dirty="0"/>
+          </a:p>
+        </p:txBody>
+      </p:sp>
+      <p:sp>
+        <p:nvSpPr>
+          <p:cNvPr id="6" name="Slide Number Placeholder 5">
+            <a:extLst>
+              <a:ext uri="{FF2B5EF4-FFF2-40B4-BE49-F238E27FC236}">
+                <a16:creationId xmlns:a16="http://schemas.microsoft.com/office/drawing/2014/main" id="{54E7395C-C96B-C82A-58E2-49E4B31B73C9}"/>
+              </a:ext>
+            </a:extLst>
+          </p:cNvPr>
+          <p:cNvSpPr>
+            <a:spLocks noGrp="1"/>
+          </p:cNvSpPr>
+          <p:nvPr>
+            <p:ph type="sldNum" sz="quarter" idx="12"/>
+          </p:nvPr>
+        </p:nvSpPr>
+        <p:spPr/>
+        <p:txBody>
+          <a:bodyPr/>
+          <a:lstStyle/>
+          <a:p>
+            <a:fld id="{6D22F896-40B5-4ADD-8801-0D06FADFA095}" type="slidenum">
+              <a:rPr lang="en-US" smtClean="0"/>
+              <a:t>27</a:t>
+            </a:fld>
+            <a:endParaRPr lang="en-US" dirty="0"/>
+          </a:p>
+        </p:txBody>
+      </p:sp>
+      <p:pic>
+        <p:nvPicPr>
+          <p:cNvPr id="1025" name="Picture 1" descr="2">
+            <a:extLst>
+              <a:ext uri="{FF2B5EF4-FFF2-40B4-BE49-F238E27FC236}">
+                <a16:creationId xmlns:a16="http://schemas.microsoft.com/office/drawing/2014/main" id="{E655AFAE-90EF-81F0-845D-A0C543B6A4BD}"/>
+              </a:ext>
+            </a:extLst>
+          </p:cNvPr>
+          <p:cNvPicPr>
+            <a:picLocks noChangeAspect="1" noChangeArrowheads="1"/>
+          </p:cNvPicPr>
+          <p:nvPr/>
+        </p:nvPicPr>
+        <p:blipFill>
+          <a:blip r:embed="rId2">
+            <a:extLst>
+              <a:ext uri="{28A0092B-C50C-407E-A947-70E740481C1C}">
+                <a14:useLocalDpi xmlns:a14="http://schemas.microsoft.com/office/drawing/2010/main" val="0"/>
+              </a:ext>
+            </a:extLst>
+          </a:blip>
+          <a:srcRect/>
+          <a:stretch>
+            <a:fillRect/>
+          </a:stretch>
+        </p:blipFill>
+        <p:spPr bwMode="auto">
+          <a:xfrm>
+            <a:off x="0" y="0"/>
+            <a:ext cx="133350" cy="219075"/>
+          </a:xfrm>
+          <a:prstGeom prst="rect">
+            <a:avLst/>
+          </a:prstGeom>
+          <a:noFill/>
+          <a:extLst>
+            <a:ext uri="{909E8E84-426E-40DD-AFC4-6F175D3DCCD1}">
+              <a14:hiddenFill xmlns:a14="http://schemas.microsoft.com/office/drawing/2010/main">
+                <a:solidFill>
+                  <a:srgbClr val="FFFFFF"/>
+                </a:solidFill>
+              </a14:hiddenFill>
+            </a:ext>
+          </a:extLst>
+        </p:spPr>
+      </p:pic>
+    </p:spTree>
+    <p:extLst>
+      <p:ext uri="{BB962C8B-B14F-4D97-AF65-F5344CB8AC3E}">
+        <p14:creationId xmlns:p14="http://schemas.microsoft.com/office/powerpoint/2010/main" val="2402313255"/>
+      </p:ext>
+    </p:extLst>
+  </p:cSld>
+  <p:clrMapOvr>
+    <a:masterClrMapping/>
+  </p:clrMapOvr>
+</p:sld>
+</file>
+
+<file path=ppt/slides/slide28.xml><?xml version="1.0" encoding="utf-8"?>
+<p:sld xmlns:a="http://schemas.openxmlformats.org/drawingml/2006/main" xmlns:r="http://schemas.openxmlformats.org/officeDocument/2006/relationships" xmlns:p="http://schemas.openxmlformats.org/presentationml/2006/main">
+  <p:cSld>
+    <p:bg>
+      <p:bgPr>
+        <a:gradFill>
+          <a:gsLst>
+            <a:gs pos="0">
+              <a:schemeClr val="accent4">
+                <a:lumMod val="20000"/>
+                <a:lumOff val="80000"/>
+              </a:schemeClr>
+            </a:gs>
+            <a:gs pos="74000">
+              <a:schemeClr val="accent4">
+                <a:lumMod val="45000"/>
+                <a:lumOff val="55000"/>
+              </a:schemeClr>
+            </a:gs>
+            <a:gs pos="83000">
+              <a:schemeClr val="accent4">
+                <a:lumMod val="45000"/>
+                <a:lumOff val="55000"/>
+              </a:schemeClr>
+            </a:gs>
+            <a:gs pos="100000">
+              <a:schemeClr val="accent4">
+                <a:lumMod val="30000"/>
+                <a:lumOff val="70000"/>
+              </a:schemeClr>
+            </a:gs>
+          </a:gsLst>
+          <a:lin ang="5400000" scaled="1"/>
+        </a:gradFill>
+        <a:effectLst/>
+      </p:bgPr>
+    </p:bg>
+    <p:spTree>
+      <p:nvGrpSpPr>
+        <p:cNvPr id="1" name=""/>
+        <p:cNvGrpSpPr/>
+        <p:nvPr/>
+      </p:nvGrpSpPr>
+      <p:grpSpPr>
+        <a:xfrm>
+          <a:off x="0" y="0"/>
+          <a:ext cx="0" cy="0"/>
+          <a:chOff x="0" y="0"/>
+          <a:chExt cx="0" cy="0"/>
+        </a:xfrm>
+      </p:grpSpPr>
+      <p:sp>
+        <p:nvSpPr>
+          <p:cNvPr id="2" name="Title 1">
+            <a:extLst>
+              <a:ext uri="{FF2B5EF4-FFF2-40B4-BE49-F238E27FC236}">
+                <a16:creationId xmlns:a16="http://schemas.microsoft.com/office/drawing/2014/main" id="{4C738398-DAA7-2BCE-76F4-AF36E34176F5}"/>
+              </a:ext>
+            </a:extLst>
+          </p:cNvPr>
+          <p:cNvSpPr>
+            <a:spLocks noGrp="1"/>
+          </p:cNvSpPr>
+          <p:nvPr>
+            <p:ph type="title"/>
+          </p:nvPr>
+        </p:nvSpPr>
+        <p:spPr/>
+        <p:txBody>
+          <a:bodyPr/>
+          <a:lstStyle/>
+          <a:p>
+            <a:r>
+              <a:rPr lang="en-US" sz="3600" dirty="0">
+                <a:solidFill>
+                  <a:schemeClr val="accent1"/>
+                </a:solidFill>
+              </a:rPr>
+              <a:t>Turtle Graphic to Display Cells</a:t>
+            </a:r>
+            <a:endParaRPr lang="en-US" dirty="0"/>
+          </a:p>
+        </p:txBody>
+      </p:sp>
+      <p:sp>
+        <p:nvSpPr>
+          <p:cNvPr id="3" name="Content Placeholder 2">
+            <a:extLst>
+              <a:ext uri="{FF2B5EF4-FFF2-40B4-BE49-F238E27FC236}">
+                <a16:creationId xmlns:a16="http://schemas.microsoft.com/office/drawing/2014/main" id="{0C360948-50A1-2DC8-8408-53BDDAF2B33C}"/>
+              </a:ext>
+            </a:extLst>
+          </p:cNvPr>
+          <p:cNvSpPr>
+            <a:spLocks noGrp="1"/>
+          </p:cNvSpPr>
+          <p:nvPr>
+            <p:ph idx="1"/>
+          </p:nvPr>
+        </p:nvSpPr>
+        <p:spPr>
+          <a:xfrm>
+            <a:off x="550113" y="1532771"/>
+            <a:ext cx="8596668" cy="4399053"/>
+          </a:xfrm>
+        </p:spPr>
+        <p:txBody>
+          <a:bodyPr>
+            <a:normAutofit fontScale="92500"/>
+          </a:bodyPr>
+          <a:lstStyle/>
+          <a:p>
+            <a:r>
+              <a:rPr lang="en-US" sz="2800" dirty="0">
+                <a:solidFill>
+                  <a:schemeClr val="tx1"/>
+                </a:solidFill>
+              </a:rPr>
+              <a:t>Shadow call e.g. add_line</a:t>
+            </a:r>
+          </a:p>
+          <a:p>
+            <a:pPr lvl="1"/>
+            <a:r>
+              <a:rPr lang="en-US" sz="2800" dirty="0">
+                <a:solidFill>
+                  <a:schemeClr val="tx1"/>
+                </a:solidFill>
+              </a:rPr>
+              <a:t>Graphic region sample points</a:t>
+            </a:r>
+          </a:p>
+          <a:p>
+            <a:pPr marL="1428750" lvl="2" indent="-514350">
+              <a:buFont typeface="+mj-lt"/>
+              <a:buAutoNum type="arabicPeriod"/>
+            </a:pPr>
+            <a:r>
+              <a:rPr lang="en-US" sz="2800" dirty="0">
+                <a:solidFill>
+                  <a:schemeClr val="tx1"/>
+                </a:solidFill>
+              </a:rPr>
+              <a:t>Add points from spaced points on perimeter</a:t>
+            </a:r>
+          </a:p>
+          <a:p>
+            <a:pPr marL="1428750" lvl="2" indent="-514350">
+              <a:buFont typeface="+mj-lt"/>
+              <a:buAutoNum type="arabicPeriod"/>
+            </a:pPr>
+            <a:r>
+              <a:rPr lang="en-US" sz="2800" dirty="0">
+                <a:solidFill>
+                  <a:schemeClr val="tx1"/>
+                </a:solidFill>
+              </a:rPr>
+              <a:t>Divide region into triangles</a:t>
+            </a:r>
+          </a:p>
+          <a:p>
+            <a:pPr marL="1428750" lvl="2" indent="-514350">
+              <a:buFont typeface="+mj-lt"/>
+              <a:buAutoNum type="arabicPeriod"/>
+            </a:pPr>
+            <a:r>
+              <a:rPr lang="en-US" sz="2800" dirty="0">
+                <a:solidFill>
+                  <a:schemeClr val="tx1"/>
+                </a:solidFill>
+              </a:rPr>
+              <a:t>Add in points from each triangle</a:t>
+            </a:r>
+          </a:p>
+          <a:p>
+            <a:pPr lvl="1"/>
+            <a:r>
+              <a:rPr lang="en-US" sz="2800" dirty="0">
+                <a:solidFill>
+                  <a:schemeClr val="tx1"/>
+                </a:solidFill>
+              </a:rPr>
+              <a:t>For each sample point</a:t>
+            </a:r>
+          </a:p>
+          <a:p>
+            <a:pPr marL="914400" lvl="2" indent="0">
+              <a:buNone/>
+            </a:pPr>
+            <a:r>
+              <a:rPr lang="en-US" sz="2800" dirty="0">
+                <a:solidFill>
+                  <a:schemeClr val="tx1"/>
+                </a:solidFill>
+              </a:rPr>
+              <a:t>If point not inside any display cell:</a:t>
+            </a:r>
+          </a:p>
+          <a:p>
+            <a:pPr marL="1371600" lvl="3" indent="0">
+              <a:buNone/>
+            </a:pPr>
+            <a:r>
+              <a:rPr lang="en-US" sz="2800" dirty="0">
+                <a:solidFill>
+                  <a:schemeClr val="tx1"/>
+                </a:solidFill>
+              </a:rPr>
+              <a:t>Create new display cell</a:t>
+            </a:r>
+          </a:p>
+        </p:txBody>
+      </p:sp>
+      <p:sp>
+        <p:nvSpPr>
+          <p:cNvPr id="4" name="Date Placeholder 3">
+            <a:extLst>
+              <a:ext uri="{FF2B5EF4-FFF2-40B4-BE49-F238E27FC236}">
+                <a16:creationId xmlns:a16="http://schemas.microsoft.com/office/drawing/2014/main" id="{5EDCC79F-3336-222D-207D-DDBE9A586431}"/>
+              </a:ext>
+            </a:extLst>
+          </p:cNvPr>
+          <p:cNvSpPr>
+            <a:spLocks noGrp="1"/>
+          </p:cNvSpPr>
+          <p:nvPr>
+            <p:ph type="dt" sz="half" idx="10"/>
+          </p:nvPr>
+        </p:nvSpPr>
+        <p:spPr/>
+        <p:txBody>
+          <a:bodyPr/>
+          <a:lstStyle/>
+          <a:p>
+            <a:fld id="{A7119916-CD40-456D-ABE3-55F8822671F7}" type="datetime1">
+              <a:rPr lang="en-US" smtClean="0"/>
+              <a:t>1/19/2023</a:t>
+            </a:fld>
+            <a:endParaRPr lang="en-US" dirty="0"/>
+          </a:p>
+        </p:txBody>
+      </p:sp>
+      <p:sp>
+        <p:nvSpPr>
+          <p:cNvPr id="5" name="Footer Placeholder 4">
+            <a:extLst>
+              <a:ext uri="{FF2B5EF4-FFF2-40B4-BE49-F238E27FC236}">
+                <a16:creationId xmlns:a16="http://schemas.microsoft.com/office/drawing/2014/main" id="{009CCD2F-A4CE-60DA-E7BA-37B3D06C1ADD}"/>
+              </a:ext>
+            </a:extLst>
+          </p:cNvPr>
+          <p:cNvSpPr>
+            <a:spLocks noGrp="1"/>
+          </p:cNvSpPr>
+          <p:nvPr>
+            <p:ph type="ftr" sz="quarter" idx="11"/>
+          </p:nvPr>
+        </p:nvSpPr>
+        <p:spPr/>
+        <p:txBody>
+          <a:bodyPr/>
+          <a:lstStyle/>
+          <a:p>
+            <a:r>
+              <a:rPr lang="en-US"/>
+              <a:t>raysmith@alum.mit.edu</a:t>
+            </a:r>
+            <a:endParaRPr lang="en-US" dirty="0"/>
+          </a:p>
+        </p:txBody>
+      </p:sp>
+      <p:sp>
+        <p:nvSpPr>
+          <p:cNvPr id="6" name="Slide Number Placeholder 5">
+            <a:extLst>
+              <a:ext uri="{FF2B5EF4-FFF2-40B4-BE49-F238E27FC236}">
+                <a16:creationId xmlns:a16="http://schemas.microsoft.com/office/drawing/2014/main" id="{54E7395C-C96B-C82A-58E2-49E4B31B73C9}"/>
+              </a:ext>
+            </a:extLst>
+          </p:cNvPr>
+          <p:cNvSpPr>
+            <a:spLocks noGrp="1"/>
+          </p:cNvSpPr>
+          <p:nvPr>
+            <p:ph type="sldNum" sz="quarter" idx="12"/>
+          </p:nvPr>
+        </p:nvSpPr>
+        <p:spPr/>
+        <p:txBody>
+          <a:bodyPr/>
+          <a:lstStyle/>
+          <a:p>
+            <a:fld id="{6D22F896-40B5-4ADD-8801-0D06FADFA095}" type="slidenum">
+              <a:rPr lang="en-US" smtClean="0"/>
+              <a:t>28</a:t>
+            </a:fld>
+            <a:endParaRPr lang="en-US" dirty="0"/>
+          </a:p>
+        </p:txBody>
+      </p:sp>
+      <p:pic>
+        <p:nvPicPr>
+          <p:cNvPr id="1025" name="Picture 1" descr="2">
+            <a:extLst>
+              <a:ext uri="{FF2B5EF4-FFF2-40B4-BE49-F238E27FC236}">
+                <a16:creationId xmlns:a16="http://schemas.microsoft.com/office/drawing/2014/main" id="{E655AFAE-90EF-81F0-845D-A0C543B6A4BD}"/>
+              </a:ext>
+            </a:extLst>
+          </p:cNvPr>
+          <p:cNvPicPr>
+            <a:picLocks noChangeAspect="1" noChangeArrowheads="1"/>
+          </p:cNvPicPr>
+          <p:nvPr/>
+        </p:nvPicPr>
+        <p:blipFill>
+          <a:blip r:embed="rId2">
+            <a:extLst>
+              <a:ext uri="{28A0092B-C50C-407E-A947-70E740481C1C}">
+                <a14:useLocalDpi xmlns:a14="http://schemas.microsoft.com/office/drawing/2010/main" val="0"/>
+              </a:ext>
+            </a:extLst>
+          </a:blip>
+          <a:srcRect/>
+          <a:stretch>
+            <a:fillRect/>
+          </a:stretch>
+        </p:blipFill>
+        <p:spPr bwMode="auto">
+          <a:xfrm>
+            <a:off x="0" y="0"/>
+            <a:ext cx="133350" cy="219075"/>
+          </a:xfrm>
+          <a:prstGeom prst="rect">
+            <a:avLst/>
+          </a:prstGeom>
+          <a:noFill/>
+          <a:extLst>
+            <a:ext uri="{909E8E84-426E-40DD-AFC4-6F175D3DCCD1}">
+              <a14:hiddenFill xmlns:a14="http://schemas.microsoft.com/office/drawing/2010/main">
+                <a:solidFill>
+                  <a:srgbClr val="FFFFFF"/>
+                </a:solidFill>
+              </a14:hiddenFill>
+            </a:ext>
+          </a:extLst>
+        </p:spPr>
+      </p:pic>
+    </p:spTree>
+    <p:extLst>
+      <p:ext uri="{BB962C8B-B14F-4D97-AF65-F5344CB8AC3E}">
+        <p14:creationId xmlns:p14="http://schemas.microsoft.com/office/powerpoint/2010/main" val="96972320"/>
+      </p:ext>
+    </p:extLst>
+  </p:cSld>
+  <p:clrMapOvr>
+    <a:masterClrMapping/>
+  </p:clrMapOvr>
+</p:sld>
+</file>
+
+<file path=ppt/slides/slide29.xml><?xml version="1.0" encoding="utf-8"?>
+<p:sld xmlns:a="http://schemas.openxmlformats.org/drawingml/2006/main" xmlns:r="http://schemas.openxmlformats.org/officeDocument/2006/relationships" xmlns:p="http://schemas.openxmlformats.org/presentationml/2006/main">
+  <p:cSld>
+    <p:bg>
+      <p:bgPr>
+        <a:gradFill>
+          <a:gsLst>
+            <a:gs pos="0">
+              <a:schemeClr val="accent4">
+                <a:lumMod val="20000"/>
+                <a:lumOff val="80000"/>
+              </a:schemeClr>
+            </a:gs>
+            <a:gs pos="74000">
+              <a:schemeClr val="accent4">
+                <a:lumMod val="45000"/>
+                <a:lumOff val="55000"/>
+              </a:schemeClr>
+            </a:gs>
+            <a:gs pos="83000">
+              <a:schemeClr val="accent4">
+                <a:lumMod val="45000"/>
+                <a:lumOff val="55000"/>
+              </a:schemeClr>
+            </a:gs>
+            <a:gs pos="100000">
+              <a:schemeClr val="accent4">
+                <a:lumMod val="30000"/>
+                <a:lumOff val="70000"/>
+              </a:schemeClr>
+            </a:gs>
+          </a:gsLst>
+          <a:lin ang="5400000" scaled="1"/>
+        </a:gradFill>
+        <a:effectLst/>
+      </p:bgPr>
+    </p:bg>
+    <p:spTree>
+      <p:nvGrpSpPr>
+        <p:cNvPr id="1" name=""/>
+        <p:cNvGrpSpPr/>
+        <p:nvPr/>
+      </p:nvGrpSpPr>
+      <p:grpSpPr>
+        <a:xfrm>
+          <a:off x="0" y="0"/>
+          <a:ext cx="0" cy="0"/>
+          <a:chOff x="0" y="0"/>
+          <a:chExt cx="0" cy="0"/>
+        </a:xfrm>
+      </p:grpSpPr>
+      <p:sp>
+        <p:nvSpPr>
+          <p:cNvPr id="2" name="Title 1">
+            <a:extLst>
+              <a:ext uri="{FF2B5EF4-FFF2-40B4-BE49-F238E27FC236}">
+                <a16:creationId xmlns:a16="http://schemas.microsoft.com/office/drawing/2014/main" id="{4C738398-DAA7-2BCE-76F4-AF36E34176F5}"/>
+              </a:ext>
+            </a:extLst>
+          </p:cNvPr>
+          <p:cNvSpPr>
+            <a:spLocks noGrp="1"/>
+          </p:cNvSpPr>
+          <p:nvPr>
+            <p:ph type="title"/>
+          </p:nvPr>
+        </p:nvSpPr>
+        <p:spPr/>
+        <p:txBody>
+          <a:bodyPr/>
+          <a:lstStyle/>
+          <a:p>
+            <a:r>
+              <a:rPr lang="en-US" dirty="0"/>
+              <a:t>Triangle to sample points</a:t>
+            </a:r>
+            <a:endParaRPr lang="en-US" sz="2400" dirty="0"/>
+          </a:p>
+        </p:txBody>
+      </p:sp>
+      <p:sp>
+        <p:nvSpPr>
+          <p:cNvPr id="3" name="Content Placeholder 2">
+            <a:extLst>
+              <a:ext uri="{FF2B5EF4-FFF2-40B4-BE49-F238E27FC236}">
+                <a16:creationId xmlns:a16="http://schemas.microsoft.com/office/drawing/2014/main" id="{0C360948-50A1-2DC8-8408-53BDDAF2B33C}"/>
+              </a:ext>
+            </a:extLst>
+          </p:cNvPr>
+          <p:cNvSpPr>
+            <a:spLocks noGrp="1"/>
+          </p:cNvSpPr>
+          <p:nvPr>
+            <p:ph idx="1"/>
+          </p:nvPr>
+        </p:nvSpPr>
+        <p:spPr>
+          <a:xfrm>
+            <a:off x="550113" y="1532771"/>
+            <a:ext cx="8596668" cy="4399053"/>
+          </a:xfrm>
+        </p:spPr>
+        <p:txBody>
+          <a:bodyPr>
+            <a:normAutofit/>
+          </a:bodyPr>
+          <a:lstStyle/>
+          <a:p>
+            <a:r>
+              <a:rPr lang="en-US" sz="3600" dirty="0">
+                <a:solidFill>
+                  <a:schemeClr val="tx1"/>
+                </a:solidFill>
+              </a:rPr>
+              <a:t>Add in spaced points on perimeter</a:t>
+            </a:r>
+          </a:p>
+          <a:p>
+            <a:r>
+              <a:rPr lang="en-US" sz="3600" dirty="0">
+                <a:solidFill>
+                  <a:schemeClr val="tx1"/>
+                </a:solidFill>
+              </a:rPr>
+              <a:t>Divide triangle horizontally by spaced vertical lines</a:t>
+            </a:r>
+          </a:p>
+          <a:p>
+            <a:r>
+              <a:rPr lang="en-US" sz="3600" dirty="0">
+                <a:solidFill>
+                  <a:schemeClr val="tx1"/>
+                </a:solidFill>
+              </a:rPr>
+              <a:t>Add in spaced points on each vertical line</a:t>
+            </a:r>
+          </a:p>
+          <a:p>
+            <a:pPr marL="0" indent="0">
+              <a:buNone/>
+            </a:pPr>
+            <a:r>
+              <a:rPr lang="en-US" sz="3600" dirty="0">
+                <a:solidFill>
+                  <a:schemeClr val="tx1"/>
+                </a:solidFill>
+              </a:rPr>
+              <a:t>NOTE: Over sampling does not hurt … much</a:t>
+            </a:r>
+          </a:p>
+        </p:txBody>
+      </p:sp>
+      <p:sp>
+        <p:nvSpPr>
+          <p:cNvPr id="4" name="Date Placeholder 3">
+            <a:extLst>
+              <a:ext uri="{FF2B5EF4-FFF2-40B4-BE49-F238E27FC236}">
+                <a16:creationId xmlns:a16="http://schemas.microsoft.com/office/drawing/2014/main" id="{5EDCC79F-3336-222D-207D-DDBE9A586431}"/>
+              </a:ext>
+            </a:extLst>
+          </p:cNvPr>
+          <p:cNvSpPr>
+            <a:spLocks noGrp="1"/>
+          </p:cNvSpPr>
+          <p:nvPr>
+            <p:ph type="dt" sz="half" idx="10"/>
+          </p:nvPr>
+        </p:nvSpPr>
+        <p:spPr/>
+        <p:txBody>
+          <a:bodyPr/>
+          <a:lstStyle/>
+          <a:p>
+            <a:fld id="{A7119916-CD40-456D-ABE3-55F8822671F7}" type="datetime1">
+              <a:rPr lang="en-US" smtClean="0"/>
+              <a:t>1/19/2023</a:t>
+            </a:fld>
+            <a:endParaRPr lang="en-US" dirty="0"/>
+          </a:p>
+        </p:txBody>
+      </p:sp>
+      <p:sp>
+        <p:nvSpPr>
+          <p:cNvPr id="5" name="Footer Placeholder 4">
+            <a:extLst>
+              <a:ext uri="{FF2B5EF4-FFF2-40B4-BE49-F238E27FC236}">
+                <a16:creationId xmlns:a16="http://schemas.microsoft.com/office/drawing/2014/main" id="{009CCD2F-A4CE-60DA-E7BA-37B3D06C1ADD}"/>
+              </a:ext>
+            </a:extLst>
+          </p:cNvPr>
+          <p:cNvSpPr>
+            <a:spLocks noGrp="1"/>
+          </p:cNvSpPr>
+          <p:nvPr>
+            <p:ph type="ftr" sz="quarter" idx="11"/>
+          </p:nvPr>
+        </p:nvSpPr>
+        <p:spPr/>
+        <p:txBody>
+          <a:bodyPr/>
+          <a:lstStyle/>
+          <a:p>
+            <a:r>
+              <a:rPr lang="en-US"/>
+              <a:t>raysmith@alum.mit.edu</a:t>
+            </a:r>
+            <a:endParaRPr lang="en-US" dirty="0"/>
+          </a:p>
+        </p:txBody>
+      </p:sp>
+      <p:sp>
+        <p:nvSpPr>
+          <p:cNvPr id="6" name="Slide Number Placeholder 5">
+            <a:extLst>
+              <a:ext uri="{FF2B5EF4-FFF2-40B4-BE49-F238E27FC236}">
+                <a16:creationId xmlns:a16="http://schemas.microsoft.com/office/drawing/2014/main" id="{54E7395C-C96B-C82A-58E2-49E4B31B73C9}"/>
+              </a:ext>
+            </a:extLst>
+          </p:cNvPr>
+          <p:cNvSpPr>
+            <a:spLocks noGrp="1"/>
+          </p:cNvSpPr>
+          <p:nvPr>
+            <p:ph type="sldNum" sz="quarter" idx="12"/>
+          </p:nvPr>
+        </p:nvSpPr>
+        <p:spPr/>
+        <p:txBody>
+          <a:bodyPr/>
+          <a:lstStyle/>
+          <a:p>
+            <a:fld id="{6D22F896-40B5-4ADD-8801-0D06FADFA095}" type="slidenum">
+              <a:rPr lang="en-US" smtClean="0"/>
+              <a:t>29</a:t>
+            </a:fld>
+            <a:endParaRPr lang="en-US" dirty="0"/>
+          </a:p>
+        </p:txBody>
+      </p:sp>
+      <p:pic>
+        <p:nvPicPr>
+          <p:cNvPr id="1025" name="Picture 1" descr="2">
+            <a:extLst>
+              <a:ext uri="{FF2B5EF4-FFF2-40B4-BE49-F238E27FC236}">
+                <a16:creationId xmlns:a16="http://schemas.microsoft.com/office/drawing/2014/main" id="{E655AFAE-90EF-81F0-845D-A0C543B6A4BD}"/>
+              </a:ext>
+            </a:extLst>
+          </p:cNvPr>
+          <p:cNvPicPr>
+            <a:picLocks noChangeAspect="1" noChangeArrowheads="1"/>
+          </p:cNvPicPr>
+          <p:nvPr/>
+        </p:nvPicPr>
+        <p:blipFill>
+          <a:blip r:embed="rId2">
+            <a:extLst>
+              <a:ext uri="{28A0092B-C50C-407E-A947-70E740481C1C}">
+                <a14:useLocalDpi xmlns:a14="http://schemas.microsoft.com/office/drawing/2010/main" val="0"/>
+              </a:ext>
+            </a:extLst>
+          </a:blip>
+          <a:srcRect/>
+          <a:stretch>
+            <a:fillRect/>
+          </a:stretch>
+        </p:blipFill>
+        <p:spPr bwMode="auto">
+          <a:xfrm>
+            <a:off x="0" y="0"/>
+            <a:ext cx="133350" cy="219075"/>
+          </a:xfrm>
+          <a:prstGeom prst="rect">
+            <a:avLst/>
+          </a:prstGeom>
+          <a:noFill/>
+          <a:extLst>
+            <a:ext uri="{909E8E84-426E-40DD-AFC4-6F175D3DCCD1}">
+              <a14:hiddenFill xmlns:a14="http://schemas.microsoft.com/office/drawing/2010/main">
+                <a:solidFill>
+                  <a:srgbClr val="FFFFFF"/>
+                </a:solidFill>
+              </a14:hiddenFill>
+            </a:ext>
+          </a:extLst>
+        </p:spPr>
+      </p:pic>
+    </p:spTree>
+    <p:extLst>
+      <p:ext uri="{BB962C8B-B14F-4D97-AF65-F5344CB8AC3E}">
+        <p14:creationId xmlns:p14="http://schemas.microsoft.com/office/powerpoint/2010/main" val="1629017314"/>
       </p:ext>
     </p:extLst>
   </p:cSld>
@@ -13113,7 +16698,7 @@
                 <a:tabLst/>
                 <a:defRPr/>
               </a:pPr>
-              <a:t>1/10/2023</a:t>
+              <a:t>1/19/2023</a:t>
             </a:fld>
             <a:endParaRPr kumimoji="0" lang="en-US" sz="900" b="0" i="0" u="none" strike="noStrike" kern="1200" cap="none" spc="0" normalizeH="0" baseline="0" noProof="0" dirty="0">
               <a:ln>
@@ -13287,6 +16872,2018 @@
     <p:extLst>
       <p:ext uri="{BB962C8B-B14F-4D97-AF65-F5344CB8AC3E}">
         <p14:creationId xmlns:p14="http://schemas.microsoft.com/office/powerpoint/2010/main" val="268635951"/>
+      </p:ext>
+    </p:extLst>
+  </p:cSld>
+  <p:clrMapOvr>
+    <a:masterClrMapping/>
+  </p:clrMapOvr>
+</p:sld>
+</file>
+
+<file path=ppt/slides/slide30.xml><?xml version="1.0" encoding="utf-8"?>
+<p:sld xmlns:a="http://schemas.openxmlformats.org/drawingml/2006/main" xmlns:r="http://schemas.openxmlformats.org/officeDocument/2006/relationships" xmlns:p="http://schemas.openxmlformats.org/presentationml/2006/main">
+  <p:cSld>
+    <p:bg>
+      <p:bgPr>
+        <a:gradFill>
+          <a:gsLst>
+            <a:gs pos="0">
+              <a:schemeClr val="accent4">
+                <a:lumMod val="20000"/>
+                <a:lumOff val="80000"/>
+              </a:schemeClr>
+            </a:gs>
+            <a:gs pos="74000">
+              <a:schemeClr val="accent4">
+                <a:lumMod val="45000"/>
+                <a:lumOff val="55000"/>
+              </a:schemeClr>
+            </a:gs>
+            <a:gs pos="83000">
+              <a:schemeClr val="accent4">
+                <a:lumMod val="45000"/>
+                <a:lumOff val="55000"/>
+              </a:schemeClr>
+            </a:gs>
+            <a:gs pos="100000">
+              <a:schemeClr val="accent4">
+                <a:lumMod val="30000"/>
+                <a:lumOff val="70000"/>
+              </a:schemeClr>
+            </a:gs>
+          </a:gsLst>
+          <a:lin ang="5400000" scaled="1"/>
+        </a:gradFill>
+        <a:effectLst/>
+      </p:bgPr>
+    </p:bg>
+    <p:spTree>
+      <p:nvGrpSpPr>
+        <p:cNvPr id="1" name=""/>
+        <p:cNvGrpSpPr/>
+        <p:nvPr/>
+      </p:nvGrpSpPr>
+      <p:grpSpPr>
+        <a:xfrm>
+          <a:off x="0" y="0"/>
+          <a:ext cx="0" cy="0"/>
+          <a:chOff x="0" y="0"/>
+          <a:chExt cx="0" cy="0"/>
+        </a:xfrm>
+      </p:grpSpPr>
+      <p:sp>
+        <p:nvSpPr>
+          <p:cNvPr id="2" name="Title 1">
+            <a:extLst>
+              <a:ext uri="{FF2B5EF4-FFF2-40B4-BE49-F238E27FC236}">
+                <a16:creationId xmlns:a16="http://schemas.microsoft.com/office/drawing/2014/main" id="{4C738398-DAA7-2BCE-76F4-AF36E34176F5}"/>
+              </a:ext>
+            </a:extLst>
+          </p:cNvPr>
+          <p:cNvSpPr>
+            <a:spLocks noGrp="1"/>
+          </p:cNvSpPr>
+          <p:nvPr>
+            <p:ph type="title"/>
+          </p:nvPr>
+        </p:nvSpPr>
+        <p:spPr/>
+        <p:txBody>
+          <a:bodyPr/>
+          <a:lstStyle/>
+          <a:p>
+            <a:r>
+              <a:rPr lang="en-US" sz="3600" dirty="0">
+                <a:solidFill>
+                  <a:schemeClr val="accent1"/>
+                </a:solidFill>
+              </a:rPr>
+              <a:t>Braille Display, with Audio Feedback</a:t>
+            </a:r>
+            <a:endParaRPr lang="en-US" dirty="0"/>
+          </a:p>
+        </p:txBody>
+      </p:sp>
+      <p:sp>
+        <p:nvSpPr>
+          <p:cNvPr id="3" name="Content Placeholder 2">
+            <a:extLst>
+              <a:ext uri="{FF2B5EF4-FFF2-40B4-BE49-F238E27FC236}">
+                <a16:creationId xmlns:a16="http://schemas.microsoft.com/office/drawing/2014/main" id="{0C360948-50A1-2DC8-8408-53BDDAF2B33C}"/>
+              </a:ext>
+            </a:extLst>
+          </p:cNvPr>
+          <p:cNvSpPr>
+            <a:spLocks noGrp="1"/>
+          </p:cNvSpPr>
+          <p:nvPr>
+            <p:ph idx="1"/>
+          </p:nvPr>
+        </p:nvSpPr>
+        <p:spPr>
+          <a:xfrm>
+            <a:off x="550113" y="2051051"/>
+            <a:ext cx="8596668" cy="3880773"/>
+          </a:xfrm>
+        </p:spPr>
+        <p:txBody>
+          <a:bodyPr>
+            <a:normAutofit/>
+          </a:bodyPr>
+          <a:lstStyle/>
+          <a:p>
+            <a:r>
+              <a:rPr lang="en-US" sz="2800" dirty="0">
+                <a:solidFill>
+                  <a:schemeClr val="tx1"/>
+                </a:solidFill>
+              </a:rPr>
+              <a:t>Initially only a diagnostic aid</a:t>
+            </a:r>
+          </a:p>
+          <a:p>
+            <a:r>
+              <a:rPr lang="en-US" sz="2800" dirty="0">
+                <a:solidFill>
+                  <a:schemeClr val="tx1"/>
+                </a:solidFill>
+              </a:rPr>
+              <a:t>Python module tkinter - Canvas, Menu</a:t>
+            </a:r>
+          </a:p>
+          <a:p>
+            <a:r>
+              <a:rPr lang="en-US" sz="2800" dirty="0">
+                <a:solidFill>
+                  <a:schemeClr val="tx1"/>
+                </a:solidFill>
+              </a:rPr>
+              <a:t>Display cells created during drawing phase</a:t>
+            </a:r>
+          </a:p>
+          <a:p>
+            <a:pPr lvl="1"/>
+            <a:r>
+              <a:rPr lang="en-US" sz="2600" dirty="0">
+                <a:solidFill>
+                  <a:schemeClr val="tx1"/>
+                </a:solidFill>
+              </a:rPr>
+              <a:t>Dictionary by (cell-x-index, cell-y-index)</a:t>
+            </a:r>
+          </a:p>
+          <a:p>
+            <a:pPr lvl="1"/>
+            <a:r>
+              <a:rPr lang="en-US" sz="2600" dirty="0">
+                <a:solidFill>
+                  <a:schemeClr val="tx1"/>
+                </a:solidFill>
+              </a:rPr>
+              <a:t>Much energy changing  between coordinates:</a:t>
+            </a:r>
+          </a:p>
+          <a:p>
+            <a:pPr marL="914400" lvl="2" indent="0">
+              <a:buNone/>
+            </a:pPr>
+            <a:r>
+              <a:rPr lang="en-US" sz="2400" dirty="0">
+                <a:solidFill>
+                  <a:schemeClr val="tx1"/>
+                </a:solidFill>
+              </a:rPr>
+              <a:t> canvas – turtle – cell-indices</a:t>
+            </a:r>
+          </a:p>
+        </p:txBody>
+      </p:sp>
+      <p:sp>
+        <p:nvSpPr>
+          <p:cNvPr id="4" name="Date Placeholder 3">
+            <a:extLst>
+              <a:ext uri="{FF2B5EF4-FFF2-40B4-BE49-F238E27FC236}">
+                <a16:creationId xmlns:a16="http://schemas.microsoft.com/office/drawing/2014/main" id="{5EDCC79F-3336-222D-207D-DDBE9A586431}"/>
+              </a:ext>
+            </a:extLst>
+          </p:cNvPr>
+          <p:cNvSpPr>
+            <a:spLocks noGrp="1"/>
+          </p:cNvSpPr>
+          <p:nvPr>
+            <p:ph type="dt" sz="half" idx="10"/>
+          </p:nvPr>
+        </p:nvSpPr>
+        <p:spPr/>
+        <p:txBody>
+          <a:bodyPr/>
+          <a:lstStyle/>
+          <a:p>
+            <a:fld id="{A7119916-CD40-456D-ABE3-55F8822671F7}" type="datetime1">
+              <a:rPr lang="en-US" smtClean="0"/>
+              <a:t>1/19/2023</a:t>
+            </a:fld>
+            <a:endParaRPr lang="en-US" dirty="0"/>
+          </a:p>
+        </p:txBody>
+      </p:sp>
+      <p:sp>
+        <p:nvSpPr>
+          <p:cNvPr id="5" name="Footer Placeholder 4">
+            <a:extLst>
+              <a:ext uri="{FF2B5EF4-FFF2-40B4-BE49-F238E27FC236}">
+                <a16:creationId xmlns:a16="http://schemas.microsoft.com/office/drawing/2014/main" id="{009CCD2F-A4CE-60DA-E7BA-37B3D06C1ADD}"/>
+              </a:ext>
+            </a:extLst>
+          </p:cNvPr>
+          <p:cNvSpPr>
+            <a:spLocks noGrp="1"/>
+          </p:cNvSpPr>
+          <p:nvPr>
+            <p:ph type="ftr" sz="quarter" idx="11"/>
+          </p:nvPr>
+        </p:nvSpPr>
+        <p:spPr/>
+        <p:txBody>
+          <a:bodyPr/>
+          <a:lstStyle/>
+          <a:p>
+            <a:r>
+              <a:rPr lang="en-US"/>
+              <a:t>raysmith@alum.mit.edu</a:t>
+            </a:r>
+            <a:endParaRPr lang="en-US" dirty="0"/>
+          </a:p>
+        </p:txBody>
+      </p:sp>
+      <p:sp>
+        <p:nvSpPr>
+          <p:cNvPr id="6" name="Slide Number Placeholder 5">
+            <a:extLst>
+              <a:ext uri="{FF2B5EF4-FFF2-40B4-BE49-F238E27FC236}">
+                <a16:creationId xmlns:a16="http://schemas.microsoft.com/office/drawing/2014/main" id="{54E7395C-C96B-C82A-58E2-49E4B31B73C9}"/>
+              </a:ext>
+            </a:extLst>
+          </p:cNvPr>
+          <p:cNvSpPr>
+            <a:spLocks noGrp="1"/>
+          </p:cNvSpPr>
+          <p:nvPr>
+            <p:ph type="sldNum" sz="quarter" idx="12"/>
+          </p:nvPr>
+        </p:nvSpPr>
+        <p:spPr/>
+        <p:txBody>
+          <a:bodyPr/>
+          <a:lstStyle/>
+          <a:p>
+            <a:fld id="{6D22F896-40B5-4ADD-8801-0D06FADFA095}" type="slidenum">
+              <a:rPr lang="en-US" smtClean="0"/>
+              <a:t>30</a:t>
+            </a:fld>
+            <a:endParaRPr lang="en-US" dirty="0"/>
+          </a:p>
+        </p:txBody>
+      </p:sp>
+      <p:pic>
+        <p:nvPicPr>
+          <p:cNvPr id="1025" name="Picture 1" descr="2">
+            <a:extLst>
+              <a:ext uri="{FF2B5EF4-FFF2-40B4-BE49-F238E27FC236}">
+                <a16:creationId xmlns:a16="http://schemas.microsoft.com/office/drawing/2014/main" id="{E655AFAE-90EF-81F0-845D-A0C543B6A4BD}"/>
+              </a:ext>
+            </a:extLst>
+          </p:cNvPr>
+          <p:cNvPicPr>
+            <a:picLocks noChangeAspect="1" noChangeArrowheads="1"/>
+          </p:cNvPicPr>
+          <p:nvPr/>
+        </p:nvPicPr>
+        <p:blipFill>
+          <a:blip r:embed="rId2">
+            <a:extLst>
+              <a:ext uri="{28A0092B-C50C-407E-A947-70E740481C1C}">
+                <a14:useLocalDpi xmlns:a14="http://schemas.microsoft.com/office/drawing/2010/main" val="0"/>
+              </a:ext>
+            </a:extLst>
+          </a:blip>
+          <a:srcRect/>
+          <a:stretch>
+            <a:fillRect/>
+          </a:stretch>
+        </p:blipFill>
+        <p:spPr bwMode="auto">
+          <a:xfrm>
+            <a:off x="0" y="0"/>
+            <a:ext cx="133350" cy="219075"/>
+          </a:xfrm>
+          <a:prstGeom prst="rect">
+            <a:avLst/>
+          </a:prstGeom>
+          <a:noFill/>
+          <a:extLst>
+            <a:ext uri="{909E8E84-426E-40DD-AFC4-6F175D3DCCD1}">
+              <a14:hiddenFill xmlns:a14="http://schemas.microsoft.com/office/drawing/2010/main">
+                <a:solidFill>
+                  <a:srgbClr val="FFFFFF"/>
+                </a:solidFill>
+              </a14:hiddenFill>
+            </a:ext>
+          </a:extLst>
+        </p:spPr>
+      </p:pic>
+    </p:spTree>
+    <p:extLst>
+      <p:ext uri="{BB962C8B-B14F-4D97-AF65-F5344CB8AC3E}">
+        <p14:creationId xmlns:p14="http://schemas.microsoft.com/office/powerpoint/2010/main" val="4035209992"/>
+      </p:ext>
+    </p:extLst>
+  </p:cSld>
+  <p:clrMapOvr>
+    <a:masterClrMapping/>
+  </p:clrMapOvr>
+</p:sld>
+</file>
+
+<file path=ppt/slides/slide31.xml><?xml version="1.0" encoding="utf-8"?>
+<p:sld xmlns:a="http://schemas.openxmlformats.org/drawingml/2006/main" xmlns:r="http://schemas.openxmlformats.org/officeDocument/2006/relationships" xmlns:p="http://schemas.openxmlformats.org/presentationml/2006/main">
+  <p:cSld>
+    <p:bg>
+      <p:bgPr>
+        <a:gradFill>
+          <a:gsLst>
+            <a:gs pos="0">
+              <a:schemeClr val="accent4">
+                <a:lumMod val="20000"/>
+                <a:lumOff val="80000"/>
+              </a:schemeClr>
+            </a:gs>
+            <a:gs pos="74000">
+              <a:schemeClr val="accent4">
+                <a:lumMod val="45000"/>
+                <a:lumOff val="55000"/>
+              </a:schemeClr>
+            </a:gs>
+            <a:gs pos="83000">
+              <a:schemeClr val="accent4">
+                <a:lumMod val="45000"/>
+                <a:lumOff val="55000"/>
+              </a:schemeClr>
+            </a:gs>
+            <a:gs pos="100000">
+              <a:schemeClr val="accent4">
+                <a:lumMod val="30000"/>
+                <a:lumOff val="70000"/>
+              </a:schemeClr>
+            </a:gs>
+          </a:gsLst>
+          <a:lin ang="5400000" scaled="1"/>
+        </a:gradFill>
+        <a:effectLst/>
+      </p:bgPr>
+    </p:bg>
+    <p:spTree>
+      <p:nvGrpSpPr>
+        <p:cNvPr id="1" name=""/>
+        <p:cNvGrpSpPr/>
+        <p:nvPr/>
+      </p:nvGrpSpPr>
+      <p:grpSpPr>
+        <a:xfrm>
+          <a:off x="0" y="0"/>
+          <a:ext cx="0" cy="0"/>
+          <a:chOff x="0" y="0"/>
+          <a:chExt cx="0" cy="0"/>
+        </a:xfrm>
+      </p:grpSpPr>
+      <p:sp>
+        <p:nvSpPr>
+          <p:cNvPr id="2" name="Title 1">
+            <a:extLst>
+              <a:ext uri="{FF2B5EF4-FFF2-40B4-BE49-F238E27FC236}">
+                <a16:creationId xmlns:a16="http://schemas.microsoft.com/office/drawing/2014/main" id="{4C738398-DAA7-2BCE-76F4-AF36E34176F5}"/>
+              </a:ext>
+            </a:extLst>
+          </p:cNvPr>
+          <p:cNvSpPr>
+            <a:spLocks noGrp="1"/>
+          </p:cNvSpPr>
+          <p:nvPr>
+            <p:ph type="title"/>
+          </p:nvPr>
+        </p:nvSpPr>
+        <p:spPr/>
+        <p:txBody>
+          <a:bodyPr>
+            <a:normAutofit/>
+          </a:bodyPr>
+          <a:lstStyle/>
+          <a:p>
+            <a:pPr algn="ctr"/>
+            <a:r>
+              <a:rPr lang="en-US" sz="3600" dirty="0">
+                <a:solidFill>
+                  <a:schemeClr val="accent1"/>
+                </a:solidFill>
+              </a:rPr>
+              <a:t>Alternate Strategy for Display Cells</a:t>
+            </a:r>
+            <a:br>
+              <a:rPr lang="en-US" sz="3600" dirty="0">
+                <a:solidFill>
+                  <a:schemeClr val="accent1"/>
+                </a:solidFill>
+              </a:rPr>
+            </a:br>
+            <a:r>
+              <a:rPr lang="en-US" sz="3600" dirty="0">
+                <a:solidFill>
+                  <a:schemeClr val="accent1"/>
+                </a:solidFill>
+              </a:rPr>
+              <a:t>Road Not Taken</a:t>
+            </a:r>
+            <a:endParaRPr lang="en-US" dirty="0"/>
+          </a:p>
+        </p:txBody>
+      </p:sp>
+      <p:sp>
+        <p:nvSpPr>
+          <p:cNvPr id="3" name="Content Placeholder 2">
+            <a:extLst>
+              <a:ext uri="{FF2B5EF4-FFF2-40B4-BE49-F238E27FC236}">
+                <a16:creationId xmlns:a16="http://schemas.microsoft.com/office/drawing/2014/main" id="{0C360948-50A1-2DC8-8408-53BDDAF2B33C}"/>
+              </a:ext>
+            </a:extLst>
+          </p:cNvPr>
+          <p:cNvSpPr>
+            <a:spLocks noGrp="1"/>
+          </p:cNvSpPr>
+          <p:nvPr>
+            <p:ph idx="1"/>
+          </p:nvPr>
+        </p:nvSpPr>
+        <p:spPr>
+          <a:xfrm>
+            <a:off x="550113" y="2051051"/>
+            <a:ext cx="8596668" cy="3880773"/>
+          </a:xfrm>
+        </p:spPr>
+        <p:txBody>
+          <a:bodyPr>
+            <a:normAutofit lnSpcReduction="10000"/>
+          </a:bodyPr>
+          <a:lstStyle/>
+          <a:p>
+            <a:r>
+              <a:rPr lang="en-US" sz="3200" dirty="0">
+                <a:solidFill>
+                  <a:schemeClr val="tx1"/>
+                </a:solidFill>
+              </a:rPr>
+              <a:t>Let most Turtle calls go through unchanged</a:t>
+            </a:r>
+          </a:p>
+          <a:p>
+            <a:r>
+              <a:rPr lang="en-US" sz="3200" dirty="0">
+                <a:solidFill>
+                  <a:schemeClr val="tx1"/>
+                </a:solidFill>
+              </a:rPr>
+              <a:t>Scan created Tkinter Canvas</a:t>
+            </a:r>
+          </a:p>
+          <a:p>
+            <a:r>
+              <a:rPr lang="en-US" sz="3200" dirty="0">
+                <a:solidFill>
+                  <a:schemeClr val="tx1"/>
+                </a:solidFill>
+              </a:rPr>
+              <a:t>Divide up canvas into display regions (40x25)</a:t>
+            </a:r>
+          </a:p>
+          <a:p>
+            <a:r>
+              <a:rPr lang="en-US" sz="3200" dirty="0">
+                <a:solidFill>
+                  <a:schemeClr val="tx1"/>
+                </a:solidFill>
+              </a:rPr>
+              <a:t>For each region find overlapping Canvas items</a:t>
+            </a:r>
+          </a:p>
+          <a:p>
+            <a:r>
+              <a:rPr lang="en-US" sz="3200" dirty="0">
+                <a:solidFill>
+                  <a:schemeClr val="tx1"/>
+                </a:solidFill>
+              </a:rPr>
+              <a:t>Where found – create a display cell</a:t>
+            </a:r>
+          </a:p>
+          <a:p>
+            <a:endParaRPr lang="en-US" sz="2400" dirty="0">
+              <a:solidFill>
+                <a:schemeClr val="accent1"/>
+              </a:solidFill>
+            </a:endParaRPr>
+          </a:p>
+        </p:txBody>
+      </p:sp>
+      <p:sp>
+        <p:nvSpPr>
+          <p:cNvPr id="4" name="Date Placeholder 3">
+            <a:extLst>
+              <a:ext uri="{FF2B5EF4-FFF2-40B4-BE49-F238E27FC236}">
+                <a16:creationId xmlns:a16="http://schemas.microsoft.com/office/drawing/2014/main" id="{5EDCC79F-3336-222D-207D-DDBE9A586431}"/>
+              </a:ext>
+            </a:extLst>
+          </p:cNvPr>
+          <p:cNvSpPr>
+            <a:spLocks noGrp="1"/>
+          </p:cNvSpPr>
+          <p:nvPr>
+            <p:ph type="dt" sz="half" idx="10"/>
+          </p:nvPr>
+        </p:nvSpPr>
+        <p:spPr/>
+        <p:txBody>
+          <a:bodyPr/>
+          <a:lstStyle/>
+          <a:p>
+            <a:fld id="{A7119916-CD40-456D-ABE3-55F8822671F7}" type="datetime1">
+              <a:rPr lang="en-US" smtClean="0"/>
+              <a:t>1/19/2023</a:t>
+            </a:fld>
+            <a:endParaRPr lang="en-US" dirty="0"/>
+          </a:p>
+        </p:txBody>
+      </p:sp>
+      <p:sp>
+        <p:nvSpPr>
+          <p:cNvPr id="5" name="Footer Placeholder 4">
+            <a:extLst>
+              <a:ext uri="{FF2B5EF4-FFF2-40B4-BE49-F238E27FC236}">
+                <a16:creationId xmlns:a16="http://schemas.microsoft.com/office/drawing/2014/main" id="{009CCD2F-A4CE-60DA-E7BA-37B3D06C1ADD}"/>
+              </a:ext>
+            </a:extLst>
+          </p:cNvPr>
+          <p:cNvSpPr>
+            <a:spLocks noGrp="1"/>
+          </p:cNvSpPr>
+          <p:nvPr>
+            <p:ph type="ftr" sz="quarter" idx="11"/>
+          </p:nvPr>
+        </p:nvSpPr>
+        <p:spPr/>
+        <p:txBody>
+          <a:bodyPr/>
+          <a:lstStyle/>
+          <a:p>
+            <a:r>
+              <a:rPr lang="en-US"/>
+              <a:t>raysmith@alum.mit.edu</a:t>
+            </a:r>
+            <a:endParaRPr lang="en-US" dirty="0"/>
+          </a:p>
+        </p:txBody>
+      </p:sp>
+      <p:sp>
+        <p:nvSpPr>
+          <p:cNvPr id="6" name="Slide Number Placeholder 5">
+            <a:extLst>
+              <a:ext uri="{FF2B5EF4-FFF2-40B4-BE49-F238E27FC236}">
+                <a16:creationId xmlns:a16="http://schemas.microsoft.com/office/drawing/2014/main" id="{54E7395C-C96B-C82A-58E2-49E4B31B73C9}"/>
+              </a:ext>
+            </a:extLst>
+          </p:cNvPr>
+          <p:cNvSpPr>
+            <a:spLocks noGrp="1"/>
+          </p:cNvSpPr>
+          <p:nvPr>
+            <p:ph type="sldNum" sz="quarter" idx="12"/>
+          </p:nvPr>
+        </p:nvSpPr>
+        <p:spPr/>
+        <p:txBody>
+          <a:bodyPr/>
+          <a:lstStyle/>
+          <a:p>
+            <a:fld id="{6D22F896-40B5-4ADD-8801-0D06FADFA095}" type="slidenum">
+              <a:rPr lang="en-US" smtClean="0"/>
+              <a:t>31</a:t>
+            </a:fld>
+            <a:endParaRPr lang="en-US" dirty="0"/>
+          </a:p>
+        </p:txBody>
+      </p:sp>
+      <p:pic>
+        <p:nvPicPr>
+          <p:cNvPr id="1025" name="Picture 1" descr="2">
+            <a:extLst>
+              <a:ext uri="{FF2B5EF4-FFF2-40B4-BE49-F238E27FC236}">
+                <a16:creationId xmlns:a16="http://schemas.microsoft.com/office/drawing/2014/main" id="{E655AFAE-90EF-81F0-845D-A0C543B6A4BD}"/>
+              </a:ext>
+            </a:extLst>
+          </p:cNvPr>
+          <p:cNvPicPr>
+            <a:picLocks noChangeAspect="1" noChangeArrowheads="1"/>
+          </p:cNvPicPr>
+          <p:nvPr/>
+        </p:nvPicPr>
+        <p:blipFill>
+          <a:blip r:embed="rId2">
+            <a:extLst>
+              <a:ext uri="{28A0092B-C50C-407E-A947-70E740481C1C}">
+                <a14:useLocalDpi xmlns:a14="http://schemas.microsoft.com/office/drawing/2010/main" val="0"/>
+              </a:ext>
+            </a:extLst>
+          </a:blip>
+          <a:srcRect/>
+          <a:stretch>
+            <a:fillRect/>
+          </a:stretch>
+        </p:blipFill>
+        <p:spPr bwMode="auto">
+          <a:xfrm>
+            <a:off x="0" y="0"/>
+            <a:ext cx="133350" cy="219075"/>
+          </a:xfrm>
+          <a:prstGeom prst="rect">
+            <a:avLst/>
+          </a:prstGeom>
+          <a:noFill/>
+          <a:extLst>
+            <a:ext uri="{909E8E84-426E-40DD-AFC4-6F175D3DCCD1}">
+              <a14:hiddenFill xmlns:a14="http://schemas.microsoft.com/office/drawing/2010/main">
+                <a:solidFill>
+                  <a:srgbClr val="FFFFFF"/>
+                </a:solidFill>
+              </a14:hiddenFill>
+            </a:ext>
+          </a:extLst>
+        </p:spPr>
+      </p:pic>
+    </p:spTree>
+    <p:extLst>
+      <p:ext uri="{BB962C8B-B14F-4D97-AF65-F5344CB8AC3E}">
+        <p14:creationId xmlns:p14="http://schemas.microsoft.com/office/powerpoint/2010/main" val="496217816"/>
+      </p:ext>
+    </p:extLst>
+  </p:cSld>
+  <p:clrMapOvr>
+    <a:masterClrMapping/>
+  </p:clrMapOvr>
+</p:sld>
+</file>
+
+<file path=ppt/slides/slide32.xml><?xml version="1.0" encoding="utf-8"?>
+<p:sld xmlns:a="http://schemas.openxmlformats.org/drawingml/2006/main" xmlns:r="http://schemas.openxmlformats.org/officeDocument/2006/relationships" xmlns:p="http://schemas.openxmlformats.org/presentationml/2006/main">
+  <p:cSld>
+    <p:bg>
+      <p:bgPr>
+        <a:gradFill>
+          <a:gsLst>
+            <a:gs pos="0">
+              <a:schemeClr val="accent4">
+                <a:lumMod val="20000"/>
+                <a:lumOff val="80000"/>
+              </a:schemeClr>
+            </a:gs>
+            <a:gs pos="74000">
+              <a:schemeClr val="accent4">
+                <a:lumMod val="45000"/>
+                <a:lumOff val="55000"/>
+              </a:schemeClr>
+            </a:gs>
+            <a:gs pos="83000">
+              <a:schemeClr val="accent4">
+                <a:lumMod val="45000"/>
+                <a:lumOff val="55000"/>
+              </a:schemeClr>
+            </a:gs>
+            <a:gs pos="100000">
+              <a:schemeClr val="accent4">
+                <a:lumMod val="30000"/>
+                <a:lumOff val="70000"/>
+              </a:schemeClr>
+            </a:gs>
+          </a:gsLst>
+          <a:lin ang="5400000" scaled="1"/>
+        </a:gradFill>
+        <a:effectLst/>
+      </p:bgPr>
+    </p:bg>
+    <p:spTree>
+      <p:nvGrpSpPr>
+        <p:cNvPr id="1" name=""/>
+        <p:cNvGrpSpPr/>
+        <p:nvPr/>
+      </p:nvGrpSpPr>
+      <p:grpSpPr>
+        <a:xfrm>
+          <a:off x="0" y="0"/>
+          <a:ext cx="0" cy="0"/>
+          <a:chOff x="0" y="0"/>
+          <a:chExt cx="0" cy="0"/>
+        </a:xfrm>
+      </p:grpSpPr>
+      <p:sp>
+        <p:nvSpPr>
+          <p:cNvPr id="2" name="Title 1">
+            <a:extLst>
+              <a:ext uri="{FF2B5EF4-FFF2-40B4-BE49-F238E27FC236}">
+                <a16:creationId xmlns:a16="http://schemas.microsoft.com/office/drawing/2014/main" id="{4C738398-DAA7-2BCE-76F4-AF36E34176F5}"/>
+              </a:ext>
+            </a:extLst>
+          </p:cNvPr>
+          <p:cNvSpPr>
+            <a:spLocks noGrp="1"/>
+          </p:cNvSpPr>
+          <p:nvPr>
+            <p:ph type="title"/>
+          </p:nvPr>
+        </p:nvSpPr>
+        <p:spPr/>
+        <p:txBody>
+          <a:bodyPr/>
+          <a:lstStyle/>
+          <a:p>
+            <a:r>
+              <a:rPr lang="en-US" sz="3600" dirty="0">
+                <a:solidFill>
+                  <a:schemeClr val="accent1"/>
+                </a:solidFill>
+              </a:rPr>
+              <a:t>Alternate Strategy continued</a:t>
+            </a:r>
+            <a:endParaRPr lang="en-US" dirty="0"/>
+          </a:p>
+        </p:txBody>
+      </p:sp>
+      <p:sp>
+        <p:nvSpPr>
+          <p:cNvPr id="3" name="Content Placeholder 2">
+            <a:extLst>
+              <a:ext uri="{FF2B5EF4-FFF2-40B4-BE49-F238E27FC236}">
+                <a16:creationId xmlns:a16="http://schemas.microsoft.com/office/drawing/2014/main" id="{0C360948-50A1-2DC8-8408-53BDDAF2B33C}"/>
+              </a:ext>
+            </a:extLst>
+          </p:cNvPr>
+          <p:cNvSpPr>
+            <a:spLocks noGrp="1"/>
+          </p:cNvSpPr>
+          <p:nvPr>
+            <p:ph idx="1"/>
+          </p:nvPr>
+        </p:nvSpPr>
+        <p:spPr>
+          <a:xfrm>
+            <a:off x="550113" y="2051051"/>
+            <a:ext cx="8596668" cy="3880773"/>
+          </a:xfrm>
+        </p:spPr>
+        <p:txBody>
+          <a:bodyPr>
+            <a:noAutofit/>
+          </a:bodyPr>
+          <a:lstStyle/>
+          <a:p>
+            <a:r>
+              <a:rPr lang="en-US" sz="3600" dirty="0">
+                <a:solidFill>
+                  <a:schemeClr val="tx1"/>
+                </a:solidFill>
+              </a:rPr>
+              <a:t>Benefits:</a:t>
+            </a:r>
+          </a:p>
+          <a:p>
+            <a:pPr lvl="1"/>
+            <a:r>
+              <a:rPr lang="en-US" sz="3600" dirty="0">
+                <a:solidFill>
+                  <a:schemeClr val="tx1"/>
+                </a:solidFill>
+              </a:rPr>
+              <a:t>Simpler</a:t>
+            </a:r>
+          </a:p>
+          <a:p>
+            <a:pPr lvl="1"/>
+            <a:r>
+              <a:rPr lang="en-US" sz="3600" dirty="0">
+                <a:solidFill>
+                  <a:schemeClr val="tx1"/>
+                </a:solidFill>
+              </a:rPr>
+              <a:t>Applicable to non-turtle tkinter programs</a:t>
+            </a:r>
+          </a:p>
+          <a:p>
+            <a:pPr lvl="1"/>
+            <a:r>
+              <a:rPr lang="en-US" sz="3600" dirty="0">
+                <a:solidFill>
+                  <a:schemeClr val="tx1"/>
+                </a:solidFill>
+              </a:rPr>
+              <a:t>Facilitates scale changes</a:t>
+            </a:r>
+          </a:p>
+          <a:p>
+            <a:r>
+              <a:rPr lang="en-US" sz="3600" dirty="0">
+                <a:solidFill>
+                  <a:schemeClr val="tx1"/>
+                </a:solidFill>
+              </a:rPr>
+              <a:t>We tried, but ran in to problems</a:t>
+            </a:r>
+          </a:p>
+        </p:txBody>
+      </p:sp>
+      <p:sp>
+        <p:nvSpPr>
+          <p:cNvPr id="4" name="Date Placeholder 3">
+            <a:extLst>
+              <a:ext uri="{FF2B5EF4-FFF2-40B4-BE49-F238E27FC236}">
+                <a16:creationId xmlns:a16="http://schemas.microsoft.com/office/drawing/2014/main" id="{5EDCC79F-3336-222D-207D-DDBE9A586431}"/>
+              </a:ext>
+            </a:extLst>
+          </p:cNvPr>
+          <p:cNvSpPr>
+            <a:spLocks noGrp="1"/>
+          </p:cNvSpPr>
+          <p:nvPr>
+            <p:ph type="dt" sz="half" idx="10"/>
+          </p:nvPr>
+        </p:nvSpPr>
+        <p:spPr/>
+        <p:txBody>
+          <a:bodyPr/>
+          <a:lstStyle/>
+          <a:p>
+            <a:fld id="{A7119916-CD40-456D-ABE3-55F8822671F7}" type="datetime1">
+              <a:rPr lang="en-US" smtClean="0"/>
+              <a:t>1/19/2023</a:t>
+            </a:fld>
+            <a:endParaRPr lang="en-US" dirty="0"/>
+          </a:p>
+        </p:txBody>
+      </p:sp>
+      <p:sp>
+        <p:nvSpPr>
+          <p:cNvPr id="5" name="Footer Placeholder 4">
+            <a:extLst>
+              <a:ext uri="{FF2B5EF4-FFF2-40B4-BE49-F238E27FC236}">
+                <a16:creationId xmlns:a16="http://schemas.microsoft.com/office/drawing/2014/main" id="{009CCD2F-A4CE-60DA-E7BA-37B3D06C1ADD}"/>
+              </a:ext>
+            </a:extLst>
+          </p:cNvPr>
+          <p:cNvSpPr>
+            <a:spLocks noGrp="1"/>
+          </p:cNvSpPr>
+          <p:nvPr>
+            <p:ph type="ftr" sz="quarter" idx="11"/>
+          </p:nvPr>
+        </p:nvSpPr>
+        <p:spPr/>
+        <p:txBody>
+          <a:bodyPr/>
+          <a:lstStyle/>
+          <a:p>
+            <a:r>
+              <a:rPr lang="en-US"/>
+              <a:t>raysmith@alum.mit.edu</a:t>
+            </a:r>
+            <a:endParaRPr lang="en-US" dirty="0"/>
+          </a:p>
+        </p:txBody>
+      </p:sp>
+      <p:sp>
+        <p:nvSpPr>
+          <p:cNvPr id="6" name="Slide Number Placeholder 5">
+            <a:extLst>
+              <a:ext uri="{FF2B5EF4-FFF2-40B4-BE49-F238E27FC236}">
+                <a16:creationId xmlns:a16="http://schemas.microsoft.com/office/drawing/2014/main" id="{54E7395C-C96B-C82A-58E2-49E4B31B73C9}"/>
+              </a:ext>
+            </a:extLst>
+          </p:cNvPr>
+          <p:cNvSpPr>
+            <a:spLocks noGrp="1"/>
+          </p:cNvSpPr>
+          <p:nvPr>
+            <p:ph type="sldNum" sz="quarter" idx="12"/>
+          </p:nvPr>
+        </p:nvSpPr>
+        <p:spPr/>
+        <p:txBody>
+          <a:bodyPr/>
+          <a:lstStyle/>
+          <a:p>
+            <a:fld id="{6D22F896-40B5-4ADD-8801-0D06FADFA095}" type="slidenum">
+              <a:rPr lang="en-US" smtClean="0"/>
+              <a:t>32</a:t>
+            </a:fld>
+            <a:endParaRPr lang="en-US" dirty="0"/>
+          </a:p>
+        </p:txBody>
+      </p:sp>
+      <p:pic>
+        <p:nvPicPr>
+          <p:cNvPr id="1025" name="Picture 1" descr="2">
+            <a:extLst>
+              <a:ext uri="{FF2B5EF4-FFF2-40B4-BE49-F238E27FC236}">
+                <a16:creationId xmlns:a16="http://schemas.microsoft.com/office/drawing/2014/main" id="{E655AFAE-90EF-81F0-845D-A0C543B6A4BD}"/>
+              </a:ext>
+            </a:extLst>
+          </p:cNvPr>
+          <p:cNvPicPr>
+            <a:picLocks noChangeAspect="1" noChangeArrowheads="1"/>
+          </p:cNvPicPr>
+          <p:nvPr/>
+        </p:nvPicPr>
+        <p:blipFill>
+          <a:blip r:embed="rId2">
+            <a:extLst>
+              <a:ext uri="{28A0092B-C50C-407E-A947-70E740481C1C}">
+                <a14:useLocalDpi xmlns:a14="http://schemas.microsoft.com/office/drawing/2010/main" val="0"/>
+              </a:ext>
+            </a:extLst>
+          </a:blip>
+          <a:srcRect/>
+          <a:stretch>
+            <a:fillRect/>
+          </a:stretch>
+        </p:blipFill>
+        <p:spPr bwMode="auto">
+          <a:xfrm>
+            <a:off x="0" y="0"/>
+            <a:ext cx="133350" cy="219075"/>
+          </a:xfrm>
+          <a:prstGeom prst="rect">
+            <a:avLst/>
+          </a:prstGeom>
+          <a:noFill/>
+          <a:extLst>
+            <a:ext uri="{909E8E84-426E-40DD-AFC4-6F175D3DCCD1}">
+              <a14:hiddenFill xmlns:a14="http://schemas.microsoft.com/office/drawing/2010/main">
+                <a:solidFill>
+                  <a:srgbClr val="FFFFFF"/>
+                </a:solidFill>
+              </a14:hiddenFill>
+            </a:ext>
+          </a:extLst>
+        </p:spPr>
+      </p:pic>
+    </p:spTree>
+    <p:extLst>
+      <p:ext uri="{BB962C8B-B14F-4D97-AF65-F5344CB8AC3E}">
+        <p14:creationId xmlns:p14="http://schemas.microsoft.com/office/powerpoint/2010/main" val="4097782202"/>
+      </p:ext>
+    </p:extLst>
+  </p:cSld>
+  <p:clrMapOvr>
+    <a:masterClrMapping/>
+  </p:clrMapOvr>
+</p:sld>
+</file>
+
+<file path=ppt/slides/slide33.xml><?xml version="1.0" encoding="utf-8"?>
+<p:sld xmlns:a="http://schemas.openxmlformats.org/drawingml/2006/main" xmlns:r="http://schemas.openxmlformats.org/officeDocument/2006/relationships" xmlns:p="http://schemas.openxmlformats.org/presentationml/2006/main">
+  <p:cSld>
+    <p:bg>
+      <p:bgPr>
+        <a:gradFill>
+          <a:gsLst>
+            <a:gs pos="0">
+              <a:schemeClr val="accent4">
+                <a:lumMod val="20000"/>
+                <a:lumOff val="80000"/>
+              </a:schemeClr>
+            </a:gs>
+            <a:gs pos="74000">
+              <a:schemeClr val="accent4">
+                <a:lumMod val="45000"/>
+                <a:lumOff val="55000"/>
+              </a:schemeClr>
+            </a:gs>
+            <a:gs pos="83000">
+              <a:schemeClr val="accent4">
+                <a:lumMod val="45000"/>
+                <a:lumOff val="55000"/>
+              </a:schemeClr>
+            </a:gs>
+            <a:gs pos="100000">
+              <a:schemeClr val="accent4">
+                <a:lumMod val="30000"/>
+                <a:lumOff val="70000"/>
+              </a:schemeClr>
+            </a:gs>
+          </a:gsLst>
+          <a:lin ang="5400000" scaled="1"/>
+        </a:gradFill>
+        <a:effectLst/>
+      </p:bgPr>
+    </p:bg>
+    <p:spTree>
+      <p:nvGrpSpPr>
+        <p:cNvPr id="1" name=""/>
+        <p:cNvGrpSpPr/>
+        <p:nvPr/>
+      </p:nvGrpSpPr>
+      <p:grpSpPr>
+        <a:xfrm>
+          <a:off x="0" y="0"/>
+          <a:ext cx="0" cy="0"/>
+          <a:chOff x="0" y="0"/>
+          <a:chExt cx="0" cy="0"/>
+        </a:xfrm>
+      </p:grpSpPr>
+      <p:sp>
+        <p:nvSpPr>
+          <p:cNvPr id="2" name="Title 1">
+            <a:extLst>
+              <a:ext uri="{FF2B5EF4-FFF2-40B4-BE49-F238E27FC236}">
+                <a16:creationId xmlns:a16="http://schemas.microsoft.com/office/drawing/2014/main" id="{4C738398-DAA7-2BCE-76F4-AF36E34176F5}"/>
+              </a:ext>
+            </a:extLst>
+          </p:cNvPr>
+          <p:cNvSpPr>
+            <a:spLocks noGrp="1"/>
+          </p:cNvSpPr>
+          <p:nvPr>
+            <p:ph type="title"/>
+          </p:nvPr>
+        </p:nvSpPr>
+        <p:spPr/>
+        <p:txBody>
+          <a:bodyPr/>
+          <a:lstStyle/>
+          <a:p>
+            <a:r>
+              <a:rPr lang="en-US" sz="3600" dirty="0">
+                <a:solidFill>
+                  <a:schemeClr val="accent1"/>
+                </a:solidFill>
+              </a:rPr>
+              <a:t>Future Possibilities</a:t>
+            </a:r>
+            <a:endParaRPr lang="en-US" dirty="0"/>
+          </a:p>
+        </p:txBody>
+      </p:sp>
+      <p:sp>
+        <p:nvSpPr>
+          <p:cNvPr id="3" name="Content Placeholder 2">
+            <a:extLst>
+              <a:ext uri="{FF2B5EF4-FFF2-40B4-BE49-F238E27FC236}">
+                <a16:creationId xmlns:a16="http://schemas.microsoft.com/office/drawing/2014/main" id="{0C360948-50A1-2DC8-8408-53BDDAF2B33C}"/>
+              </a:ext>
+            </a:extLst>
+          </p:cNvPr>
+          <p:cNvSpPr>
+            <a:spLocks noGrp="1"/>
+          </p:cNvSpPr>
+          <p:nvPr>
+            <p:ph idx="1"/>
+          </p:nvPr>
+        </p:nvSpPr>
+        <p:spPr>
+          <a:xfrm>
+            <a:off x="550113" y="2051051"/>
+            <a:ext cx="8596668" cy="3880773"/>
+          </a:xfrm>
+        </p:spPr>
+        <p:txBody>
+          <a:bodyPr>
+            <a:noAutofit/>
+          </a:bodyPr>
+          <a:lstStyle/>
+          <a:p>
+            <a:r>
+              <a:rPr lang="en-US" sz="3600" dirty="0">
+                <a:solidFill>
+                  <a:schemeClr val="tx1"/>
+                </a:solidFill>
+              </a:rPr>
+              <a:t>Implement some of the Tool Possibilities</a:t>
+            </a:r>
+          </a:p>
+          <a:p>
+            <a:r>
+              <a:rPr lang="en-US" sz="3600" dirty="0">
+                <a:solidFill>
+                  <a:schemeClr val="tx1"/>
+                </a:solidFill>
+              </a:rPr>
+              <a:t>Retry the Canvas scanning approach</a:t>
+            </a:r>
+          </a:p>
+          <a:p>
+            <a:endParaRPr lang="en-US" sz="3600" dirty="0">
+              <a:solidFill>
+                <a:schemeClr val="tx1"/>
+              </a:solidFill>
+            </a:endParaRPr>
+          </a:p>
+        </p:txBody>
+      </p:sp>
+      <p:sp>
+        <p:nvSpPr>
+          <p:cNvPr id="4" name="Date Placeholder 3">
+            <a:extLst>
+              <a:ext uri="{FF2B5EF4-FFF2-40B4-BE49-F238E27FC236}">
+                <a16:creationId xmlns:a16="http://schemas.microsoft.com/office/drawing/2014/main" id="{5EDCC79F-3336-222D-207D-DDBE9A586431}"/>
+              </a:ext>
+            </a:extLst>
+          </p:cNvPr>
+          <p:cNvSpPr>
+            <a:spLocks noGrp="1"/>
+          </p:cNvSpPr>
+          <p:nvPr>
+            <p:ph type="dt" sz="half" idx="10"/>
+          </p:nvPr>
+        </p:nvSpPr>
+        <p:spPr/>
+        <p:txBody>
+          <a:bodyPr/>
+          <a:lstStyle/>
+          <a:p>
+            <a:fld id="{A7119916-CD40-456D-ABE3-55F8822671F7}" type="datetime1">
+              <a:rPr lang="en-US" smtClean="0"/>
+              <a:t>1/19/2023</a:t>
+            </a:fld>
+            <a:endParaRPr lang="en-US" dirty="0"/>
+          </a:p>
+        </p:txBody>
+      </p:sp>
+      <p:sp>
+        <p:nvSpPr>
+          <p:cNvPr id="5" name="Footer Placeholder 4">
+            <a:extLst>
+              <a:ext uri="{FF2B5EF4-FFF2-40B4-BE49-F238E27FC236}">
+                <a16:creationId xmlns:a16="http://schemas.microsoft.com/office/drawing/2014/main" id="{009CCD2F-A4CE-60DA-E7BA-37B3D06C1ADD}"/>
+              </a:ext>
+            </a:extLst>
+          </p:cNvPr>
+          <p:cNvSpPr>
+            <a:spLocks noGrp="1"/>
+          </p:cNvSpPr>
+          <p:nvPr>
+            <p:ph type="ftr" sz="quarter" idx="11"/>
+          </p:nvPr>
+        </p:nvSpPr>
+        <p:spPr/>
+        <p:txBody>
+          <a:bodyPr/>
+          <a:lstStyle/>
+          <a:p>
+            <a:r>
+              <a:rPr lang="en-US"/>
+              <a:t>raysmith@alum.mit.edu</a:t>
+            </a:r>
+            <a:endParaRPr lang="en-US" dirty="0"/>
+          </a:p>
+        </p:txBody>
+      </p:sp>
+      <p:sp>
+        <p:nvSpPr>
+          <p:cNvPr id="6" name="Slide Number Placeholder 5">
+            <a:extLst>
+              <a:ext uri="{FF2B5EF4-FFF2-40B4-BE49-F238E27FC236}">
+                <a16:creationId xmlns:a16="http://schemas.microsoft.com/office/drawing/2014/main" id="{54E7395C-C96B-C82A-58E2-49E4B31B73C9}"/>
+              </a:ext>
+            </a:extLst>
+          </p:cNvPr>
+          <p:cNvSpPr>
+            <a:spLocks noGrp="1"/>
+          </p:cNvSpPr>
+          <p:nvPr>
+            <p:ph type="sldNum" sz="quarter" idx="12"/>
+          </p:nvPr>
+        </p:nvSpPr>
+        <p:spPr/>
+        <p:txBody>
+          <a:bodyPr/>
+          <a:lstStyle/>
+          <a:p>
+            <a:fld id="{6D22F896-40B5-4ADD-8801-0D06FADFA095}" type="slidenum">
+              <a:rPr lang="en-US" smtClean="0"/>
+              <a:t>33</a:t>
+            </a:fld>
+            <a:endParaRPr lang="en-US" dirty="0"/>
+          </a:p>
+        </p:txBody>
+      </p:sp>
+      <p:pic>
+        <p:nvPicPr>
+          <p:cNvPr id="1025" name="Picture 1" descr="2">
+            <a:extLst>
+              <a:ext uri="{FF2B5EF4-FFF2-40B4-BE49-F238E27FC236}">
+                <a16:creationId xmlns:a16="http://schemas.microsoft.com/office/drawing/2014/main" id="{E655AFAE-90EF-81F0-845D-A0C543B6A4BD}"/>
+              </a:ext>
+            </a:extLst>
+          </p:cNvPr>
+          <p:cNvPicPr>
+            <a:picLocks noChangeAspect="1" noChangeArrowheads="1"/>
+          </p:cNvPicPr>
+          <p:nvPr/>
+        </p:nvPicPr>
+        <p:blipFill>
+          <a:blip r:embed="rId2">
+            <a:extLst>
+              <a:ext uri="{28A0092B-C50C-407E-A947-70E740481C1C}">
+                <a14:useLocalDpi xmlns:a14="http://schemas.microsoft.com/office/drawing/2010/main" val="0"/>
+              </a:ext>
+            </a:extLst>
+          </a:blip>
+          <a:srcRect/>
+          <a:stretch>
+            <a:fillRect/>
+          </a:stretch>
+        </p:blipFill>
+        <p:spPr bwMode="auto">
+          <a:xfrm>
+            <a:off x="0" y="0"/>
+            <a:ext cx="133350" cy="219075"/>
+          </a:xfrm>
+          <a:prstGeom prst="rect">
+            <a:avLst/>
+          </a:prstGeom>
+          <a:noFill/>
+          <a:extLst>
+            <a:ext uri="{909E8E84-426E-40DD-AFC4-6F175D3DCCD1}">
+              <a14:hiddenFill xmlns:a14="http://schemas.microsoft.com/office/drawing/2010/main">
+                <a:solidFill>
+                  <a:srgbClr val="FFFFFF"/>
+                </a:solidFill>
+              </a14:hiddenFill>
+            </a:ext>
+          </a:extLst>
+        </p:spPr>
+      </p:pic>
+    </p:spTree>
+    <p:extLst>
+      <p:ext uri="{BB962C8B-B14F-4D97-AF65-F5344CB8AC3E}">
+        <p14:creationId xmlns:p14="http://schemas.microsoft.com/office/powerpoint/2010/main" val="4191648529"/>
+      </p:ext>
+    </p:extLst>
+  </p:cSld>
+  <p:clrMapOvr>
+    <a:masterClrMapping/>
+  </p:clrMapOvr>
+</p:sld>
+</file>
+
+<file path=ppt/slides/slide34.xml><?xml version="1.0" encoding="utf-8"?>
+<p:sld xmlns:a="http://schemas.openxmlformats.org/drawingml/2006/main" xmlns:r="http://schemas.openxmlformats.org/officeDocument/2006/relationships" xmlns:p="http://schemas.openxmlformats.org/presentationml/2006/main">
+  <p:cSld>
+    <p:bg>
+      <p:bgPr>
+        <a:gradFill>
+          <a:gsLst>
+            <a:gs pos="0">
+              <a:schemeClr val="accent4">
+                <a:lumMod val="20000"/>
+                <a:lumOff val="80000"/>
+              </a:schemeClr>
+            </a:gs>
+            <a:gs pos="74000">
+              <a:schemeClr val="accent4">
+                <a:lumMod val="45000"/>
+                <a:lumOff val="55000"/>
+              </a:schemeClr>
+            </a:gs>
+            <a:gs pos="83000">
+              <a:schemeClr val="accent4">
+                <a:lumMod val="45000"/>
+                <a:lumOff val="55000"/>
+              </a:schemeClr>
+            </a:gs>
+            <a:gs pos="100000">
+              <a:schemeClr val="accent4">
+                <a:lumMod val="30000"/>
+                <a:lumOff val="70000"/>
+              </a:schemeClr>
+            </a:gs>
+          </a:gsLst>
+          <a:lin ang="5400000" scaled="1"/>
+        </a:gradFill>
+        <a:effectLst/>
+      </p:bgPr>
+    </p:bg>
+    <p:spTree>
+      <p:nvGrpSpPr>
+        <p:cNvPr id="1" name=""/>
+        <p:cNvGrpSpPr/>
+        <p:nvPr/>
+      </p:nvGrpSpPr>
+      <p:grpSpPr>
+        <a:xfrm>
+          <a:off x="0" y="0"/>
+          <a:ext cx="0" cy="0"/>
+          <a:chOff x="0" y="0"/>
+          <a:chExt cx="0" cy="0"/>
+        </a:xfrm>
+      </p:grpSpPr>
+      <p:sp>
+        <p:nvSpPr>
+          <p:cNvPr id="2" name="Title 1">
+            <a:extLst>
+              <a:ext uri="{FF2B5EF4-FFF2-40B4-BE49-F238E27FC236}">
+                <a16:creationId xmlns:a16="http://schemas.microsoft.com/office/drawing/2014/main" id="{4C738398-DAA7-2BCE-76F4-AF36E34176F5}"/>
+              </a:ext>
+            </a:extLst>
+          </p:cNvPr>
+          <p:cNvSpPr>
+            <a:spLocks noGrp="1"/>
+          </p:cNvSpPr>
+          <p:nvPr>
+            <p:ph type="title"/>
+          </p:nvPr>
+        </p:nvSpPr>
+        <p:spPr/>
+        <p:txBody>
+          <a:bodyPr/>
+          <a:lstStyle/>
+          <a:p>
+            <a:r>
+              <a:rPr lang="en-US" sz="3600" dirty="0">
+                <a:solidFill>
+                  <a:schemeClr val="accent1"/>
+                </a:solidFill>
+              </a:rPr>
+              <a:t>Source Code</a:t>
+            </a:r>
+            <a:endParaRPr lang="en-US" dirty="0"/>
+          </a:p>
+        </p:txBody>
+      </p:sp>
+      <p:sp>
+        <p:nvSpPr>
+          <p:cNvPr id="3" name="Content Placeholder 2">
+            <a:extLst>
+              <a:ext uri="{FF2B5EF4-FFF2-40B4-BE49-F238E27FC236}">
+                <a16:creationId xmlns:a16="http://schemas.microsoft.com/office/drawing/2014/main" id="{0C360948-50A1-2DC8-8408-53BDDAF2B33C}"/>
+              </a:ext>
+            </a:extLst>
+          </p:cNvPr>
+          <p:cNvSpPr>
+            <a:spLocks noGrp="1"/>
+          </p:cNvSpPr>
+          <p:nvPr>
+            <p:ph idx="1"/>
+          </p:nvPr>
+        </p:nvSpPr>
+        <p:spPr>
+          <a:xfrm>
+            <a:off x="550113" y="2051051"/>
+            <a:ext cx="8596668" cy="3880773"/>
+          </a:xfrm>
+        </p:spPr>
+        <p:txBody>
+          <a:bodyPr>
+            <a:noAutofit/>
+          </a:bodyPr>
+          <a:lstStyle/>
+          <a:p>
+            <a:r>
+              <a:rPr lang="en-US" sz="2800" dirty="0">
+                <a:solidFill>
+                  <a:schemeClr val="tx1"/>
+                </a:solidFill>
+              </a:rPr>
+              <a:t>GitHub Project </a:t>
+            </a:r>
+            <a:r>
+              <a:rPr lang="en-US" sz="2800" dirty="0">
+                <a:solidFill>
+                  <a:srgbClr val="00B0F0"/>
+                </a:solidFill>
+              </a:rPr>
+              <a:t>github.com/raysmith619/resource_lib</a:t>
+            </a:r>
+          </a:p>
+          <a:p>
+            <a:pPr marL="457200" lvl="1" indent="0">
+              <a:buNone/>
+            </a:pPr>
+            <a:r>
+              <a:rPr lang="en-US" sz="3400" dirty="0">
+                <a:solidFill>
+                  <a:srgbClr val="00B0F0"/>
+                </a:solidFill>
+              </a:rPr>
+              <a:t>src/ </a:t>
+            </a:r>
+            <a:r>
+              <a:rPr lang="en-US" sz="3400" dirty="0">
+                <a:solidFill>
+                  <a:schemeClr val="tx1"/>
+                </a:solidFill>
+              </a:rPr>
+              <a:t>– source files (Python)</a:t>
+            </a:r>
+          </a:p>
+          <a:p>
+            <a:pPr marL="457200" lvl="1" indent="0">
+              <a:buNone/>
+            </a:pPr>
+            <a:r>
+              <a:rPr lang="en-US" sz="3400" dirty="0">
+                <a:solidFill>
+                  <a:srgbClr val="00B0F0"/>
+                </a:solidFill>
+              </a:rPr>
+              <a:t>README.md </a:t>
+            </a:r>
+            <a:r>
+              <a:rPr lang="en-US" sz="3400" dirty="0">
+                <a:solidFill>
+                  <a:schemeClr val="tx1"/>
+                </a:solidFill>
+              </a:rPr>
+              <a:t>– Short description</a:t>
+            </a:r>
+          </a:p>
+          <a:p>
+            <a:r>
+              <a:rPr lang="en-US" sz="2400" dirty="0">
+                <a:solidFill>
+                  <a:schemeClr val="tx1"/>
+                </a:solidFill>
+              </a:rPr>
+              <a:t>Alternate direction, with discussion</a:t>
+            </a:r>
+          </a:p>
+          <a:p>
+            <a:pPr marL="0" indent="0">
+              <a:buNone/>
+            </a:pPr>
+            <a:r>
+              <a:rPr lang="en-US" sz="2400" b="0" i="0" u="sng" dirty="0">
+                <a:solidFill>
+                  <a:srgbClr val="00B0F0"/>
+                </a:solidFill>
+                <a:effectLst/>
+                <a:latin typeface="-apple-system"/>
+                <a:hlinkClick r:id="rId2">
+                  <a:extLst>
+                    <a:ext uri="{A12FA001-AC4F-418D-AE19-62706E023703}">
+                      <ahyp:hlinkClr xmlns:ahyp="http://schemas.microsoft.com/office/drawing/2018/hyperlinkcolor" val="tx"/>
+                    </a:ext>
+                  </a:extLst>
+                </a:hlinkClick>
+              </a:rPr>
+              <a:t>raysmith619</a:t>
+            </a:r>
+            <a:r>
+              <a:rPr lang="en-US" sz="2400" b="0" i="0" dirty="0">
+                <a:solidFill>
+                  <a:srgbClr val="00B0F0"/>
+                </a:solidFill>
+                <a:effectLst/>
+                <a:latin typeface="-apple-system"/>
+              </a:rPr>
+              <a:t>/</a:t>
+            </a:r>
+            <a:r>
+              <a:rPr lang="en-US" sz="2400" b="1" i="0" u="none" strike="noStrike" dirty="0">
+                <a:solidFill>
+                  <a:srgbClr val="00B0F0"/>
+                </a:solidFill>
+                <a:effectLst/>
+                <a:latin typeface="-apple-system"/>
+                <a:hlinkClick r:id="rId3">
+                  <a:extLst>
+                    <a:ext uri="{A12FA001-AC4F-418D-AE19-62706E023703}">
+                      <ahyp:hlinkClr xmlns:ahyp="http://schemas.microsoft.com/office/drawing/2018/hyperlinkcolor" val="tx"/>
+                    </a:ext>
+                  </a:extLst>
+                </a:hlinkClick>
+              </a:rPr>
+              <a:t>TurtleBraille</a:t>
+            </a:r>
+            <a:br>
+              <a:rPr lang="en-US" sz="3600" dirty="0"/>
+            </a:br>
+            <a:endParaRPr lang="en-US" sz="3600" dirty="0">
+              <a:solidFill>
+                <a:schemeClr val="tx1"/>
+              </a:solidFill>
+            </a:endParaRPr>
+          </a:p>
+        </p:txBody>
+      </p:sp>
+      <p:sp>
+        <p:nvSpPr>
+          <p:cNvPr id="4" name="Date Placeholder 3">
+            <a:extLst>
+              <a:ext uri="{FF2B5EF4-FFF2-40B4-BE49-F238E27FC236}">
+                <a16:creationId xmlns:a16="http://schemas.microsoft.com/office/drawing/2014/main" id="{5EDCC79F-3336-222D-207D-DDBE9A586431}"/>
+              </a:ext>
+            </a:extLst>
+          </p:cNvPr>
+          <p:cNvSpPr>
+            <a:spLocks noGrp="1"/>
+          </p:cNvSpPr>
+          <p:nvPr>
+            <p:ph type="dt" sz="half" idx="10"/>
+          </p:nvPr>
+        </p:nvSpPr>
+        <p:spPr/>
+        <p:txBody>
+          <a:bodyPr/>
+          <a:lstStyle/>
+          <a:p>
+            <a:fld id="{A7119916-CD40-456D-ABE3-55F8822671F7}" type="datetime1">
+              <a:rPr lang="en-US" smtClean="0"/>
+              <a:t>1/19/2023</a:t>
+            </a:fld>
+            <a:endParaRPr lang="en-US" dirty="0"/>
+          </a:p>
+        </p:txBody>
+      </p:sp>
+      <p:sp>
+        <p:nvSpPr>
+          <p:cNvPr id="5" name="Footer Placeholder 4">
+            <a:extLst>
+              <a:ext uri="{FF2B5EF4-FFF2-40B4-BE49-F238E27FC236}">
+                <a16:creationId xmlns:a16="http://schemas.microsoft.com/office/drawing/2014/main" id="{009CCD2F-A4CE-60DA-E7BA-37B3D06C1ADD}"/>
+              </a:ext>
+            </a:extLst>
+          </p:cNvPr>
+          <p:cNvSpPr>
+            <a:spLocks noGrp="1"/>
+          </p:cNvSpPr>
+          <p:nvPr>
+            <p:ph type="ftr" sz="quarter" idx="11"/>
+          </p:nvPr>
+        </p:nvSpPr>
+        <p:spPr/>
+        <p:txBody>
+          <a:bodyPr/>
+          <a:lstStyle/>
+          <a:p>
+            <a:r>
+              <a:rPr lang="en-US"/>
+              <a:t>raysmith@alum.mit.edu</a:t>
+            </a:r>
+            <a:endParaRPr lang="en-US" dirty="0"/>
+          </a:p>
+        </p:txBody>
+      </p:sp>
+      <p:sp>
+        <p:nvSpPr>
+          <p:cNvPr id="6" name="Slide Number Placeholder 5">
+            <a:extLst>
+              <a:ext uri="{FF2B5EF4-FFF2-40B4-BE49-F238E27FC236}">
+                <a16:creationId xmlns:a16="http://schemas.microsoft.com/office/drawing/2014/main" id="{54E7395C-C96B-C82A-58E2-49E4B31B73C9}"/>
+              </a:ext>
+            </a:extLst>
+          </p:cNvPr>
+          <p:cNvSpPr>
+            <a:spLocks noGrp="1"/>
+          </p:cNvSpPr>
+          <p:nvPr>
+            <p:ph type="sldNum" sz="quarter" idx="12"/>
+          </p:nvPr>
+        </p:nvSpPr>
+        <p:spPr/>
+        <p:txBody>
+          <a:bodyPr/>
+          <a:lstStyle/>
+          <a:p>
+            <a:fld id="{6D22F896-40B5-4ADD-8801-0D06FADFA095}" type="slidenum">
+              <a:rPr lang="en-US" smtClean="0"/>
+              <a:t>34</a:t>
+            </a:fld>
+            <a:endParaRPr lang="en-US" dirty="0"/>
+          </a:p>
+        </p:txBody>
+      </p:sp>
+      <p:pic>
+        <p:nvPicPr>
+          <p:cNvPr id="1025" name="Picture 1" descr="2">
+            <a:extLst>
+              <a:ext uri="{FF2B5EF4-FFF2-40B4-BE49-F238E27FC236}">
+                <a16:creationId xmlns:a16="http://schemas.microsoft.com/office/drawing/2014/main" id="{E655AFAE-90EF-81F0-845D-A0C543B6A4BD}"/>
+              </a:ext>
+            </a:extLst>
+          </p:cNvPr>
+          <p:cNvPicPr>
+            <a:picLocks noChangeAspect="1" noChangeArrowheads="1"/>
+          </p:cNvPicPr>
+          <p:nvPr/>
+        </p:nvPicPr>
+        <p:blipFill>
+          <a:blip r:embed="rId4">
+            <a:extLst>
+              <a:ext uri="{28A0092B-C50C-407E-A947-70E740481C1C}">
+                <a14:useLocalDpi xmlns:a14="http://schemas.microsoft.com/office/drawing/2010/main" val="0"/>
+              </a:ext>
+            </a:extLst>
+          </a:blip>
+          <a:srcRect/>
+          <a:stretch>
+            <a:fillRect/>
+          </a:stretch>
+        </p:blipFill>
+        <p:spPr bwMode="auto">
+          <a:xfrm>
+            <a:off x="0" y="0"/>
+            <a:ext cx="133350" cy="219075"/>
+          </a:xfrm>
+          <a:prstGeom prst="rect">
+            <a:avLst/>
+          </a:prstGeom>
+          <a:noFill/>
+          <a:extLst>
+            <a:ext uri="{909E8E84-426E-40DD-AFC4-6F175D3DCCD1}">
+              <a14:hiddenFill xmlns:a14="http://schemas.microsoft.com/office/drawing/2010/main">
+                <a:solidFill>
+                  <a:srgbClr val="FFFFFF"/>
+                </a:solidFill>
+              </a14:hiddenFill>
+            </a:ext>
+          </a:extLst>
+        </p:spPr>
+      </p:pic>
+    </p:spTree>
+    <p:extLst>
+      <p:ext uri="{BB962C8B-B14F-4D97-AF65-F5344CB8AC3E}">
+        <p14:creationId xmlns:p14="http://schemas.microsoft.com/office/powerpoint/2010/main" val="4289353309"/>
+      </p:ext>
+    </p:extLst>
+  </p:cSld>
+  <p:clrMapOvr>
+    <a:masterClrMapping/>
+  </p:clrMapOvr>
+</p:sld>
+</file>
+
+<file path=ppt/slides/slide35.xml><?xml version="1.0" encoding="utf-8"?>
+<p:sld xmlns:a="http://schemas.openxmlformats.org/drawingml/2006/main" xmlns:r="http://schemas.openxmlformats.org/officeDocument/2006/relationships" xmlns:p="http://schemas.openxmlformats.org/presentationml/2006/main">
+  <p:cSld>
+    <p:bg>
+      <p:bgPr>
+        <a:gradFill>
+          <a:gsLst>
+            <a:gs pos="0">
+              <a:schemeClr val="accent4">
+                <a:lumMod val="20000"/>
+                <a:lumOff val="80000"/>
+              </a:schemeClr>
+            </a:gs>
+            <a:gs pos="74000">
+              <a:schemeClr val="accent4">
+                <a:lumMod val="45000"/>
+                <a:lumOff val="55000"/>
+              </a:schemeClr>
+            </a:gs>
+            <a:gs pos="83000">
+              <a:schemeClr val="accent4">
+                <a:lumMod val="45000"/>
+                <a:lumOff val="55000"/>
+              </a:schemeClr>
+            </a:gs>
+            <a:gs pos="100000">
+              <a:schemeClr val="accent4">
+                <a:lumMod val="30000"/>
+                <a:lumOff val="70000"/>
+              </a:schemeClr>
+            </a:gs>
+          </a:gsLst>
+          <a:lin ang="5400000" scaled="1"/>
+        </a:gradFill>
+        <a:effectLst/>
+      </p:bgPr>
+    </p:bg>
+    <p:spTree>
+      <p:nvGrpSpPr>
+        <p:cNvPr id="1" name=""/>
+        <p:cNvGrpSpPr/>
+        <p:nvPr/>
+      </p:nvGrpSpPr>
+      <p:grpSpPr>
+        <a:xfrm>
+          <a:off x="0" y="0"/>
+          <a:ext cx="0" cy="0"/>
+          <a:chOff x="0" y="0"/>
+          <a:chExt cx="0" cy="0"/>
+        </a:xfrm>
+      </p:grpSpPr>
+      <p:sp>
+        <p:nvSpPr>
+          <p:cNvPr id="2" name="Title 1">
+            <a:extLst>
+              <a:ext uri="{FF2B5EF4-FFF2-40B4-BE49-F238E27FC236}">
+                <a16:creationId xmlns:a16="http://schemas.microsoft.com/office/drawing/2014/main" id="{F7E90694-AA7F-451B-A875-1D23D1FDBA32}"/>
+              </a:ext>
+            </a:extLst>
+          </p:cNvPr>
+          <p:cNvSpPr>
+            <a:spLocks noGrp="1"/>
+          </p:cNvSpPr>
+          <p:nvPr>
+            <p:ph type="title"/>
+          </p:nvPr>
+        </p:nvSpPr>
+        <p:spPr>
+          <a:xfrm>
+            <a:off x="955892" y="2723014"/>
+            <a:ext cx="8596668" cy="2289739"/>
+          </a:xfrm>
+        </p:spPr>
+        <p:txBody>
+          <a:bodyPr>
+            <a:normAutofit/>
+          </a:bodyPr>
+          <a:lstStyle/>
+          <a:p>
+            <a:pPr algn="ctr"/>
+            <a:r>
+              <a:rPr lang="en-US" sz="6600" dirty="0"/>
+              <a:t>Implementation</a:t>
+            </a:r>
+            <a:r>
+              <a:rPr lang="en-US" sz="6600" dirty="0">
+                <a:solidFill>
+                  <a:schemeClr val="tx1"/>
+                </a:solidFill>
+              </a:rPr>
+              <a:t> </a:t>
+            </a:r>
+            <a:br>
+              <a:rPr lang="en-US" sz="6600" dirty="0">
+                <a:solidFill>
+                  <a:schemeClr val="tx1"/>
+                </a:solidFill>
+              </a:rPr>
+            </a:br>
+            <a:r>
+              <a:rPr lang="en-US" sz="6600" dirty="0">
+                <a:solidFill>
+                  <a:schemeClr val="tx1"/>
+                </a:solidFill>
+              </a:rPr>
+              <a:t>Question and Answer</a:t>
+            </a:r>
+          </a:p>
+        </p:txBody>
+      </p:sp>
+      <p:sp>
+        <p:nvSpPr>
+          <p:cNvPr id="4" name="Date Placeholder 3">
+            <a:extLst>
+              <a:ext uri="{FF2B5EF4-FFF2-40B4-BE49-F238E27FC236}">
+                <a16:creationId xmlns:a16="http://schemas.microsoft.com/office/drawing/2014/main" id="{B623EE2F-E3E9-437B-AFAE-1E0C5C94A5F8}"/>
+              </a:ext>
+            </a:extLst>
+          </p:cNvPr>
+          <p:cNvSpPr>
+            <a:spLocks noGrp="1"/>
+          </p:cNvSpPr>
+          <p:nvPr>
+            <p:ph type="dt" sz="half" idx="10"/>
+          </p:nvPr>
+        </p:nvSpPr>
+        <p:spPr/>
+        <p:txBody>
+          <a:bodyPr/>
+          <a:lstStyle/>
+          <a:p>
+            <a:pPr marL="0" marR="0" lvl="0" indent="0" algn="r" defTabSz="914400" rtl="0" eaLnBrk="1" fontAlgn="auto" latinLnBrk="0" hangingPunct="1">
+              <a:lnSpc>
+                <a:spcPct val="100000"/>
+              </a:lnSpc>
+              <a:spcBef>
+                <a:spcPts val="0"/>
+              </a:spcBef>
+              <a:spcAft>
+                <a:spcPts val="0"/>
+              </a:spcAft>
+              <a:buClrTx/>
+              <a:buSzTx/>
+              <a:buFontTx/>
+              <a:buNone/>
+              <a:tabLst/>
+              <a:defRPr/>
+            </a:pPr>
+            <a:fld id="{A7119916-CD40-456D-ABE3-55F8822671F7}" type="datetime1">
+              <a:rPr kumimoji="0" lang="en-US" sz="900" b="0" i="0" u="none" strike="noStrike" kern="1200" cap="none" spc="0" normalizeH="0" baseline="0" noProof="0" smtClean="0">
+                <a:ln>
+                  <a:noFill/>
+                </a:ln>
+                <a:solidFill>
+                  <a:prstClr val="black">
+                    <a:tint val="75000"/>
+                  </a:prstClr>
+                </a:solidFill>
+                <a:effectLst/>
+                <a:uLnTx/>
+                <a:uFillTx/>
+                <a:latin typeface="Trebuchet MS" panose="020B0603020202020204"/>
+                <a:ea typeface="+mn-ea"/>
+                <a:cs typeface="+mn-cs"/>
+              </a:rPr>
+              <a:pPr marL="0" marR="0" lvl="0" indent="0" algn="r" defTabSz="914400" rtl="0" eaLnBrk="1" fontAlgn="auto" latinLnBrk="0" hangingPunct="1">
+                <a:lnSpc>
+                  <a:spcPct val="100000"/>
+                </a:lnSpc>
+                <a:spcBef>
+                  <a:spcPts val="0"/>
+                </a:spcBef>
+                <a:spcAft>
+                  <a:spcPts val="0"/>
+                </a:spcAft>
+                <a:buClrTx/>
+                <a:buSzTx/>
+                <a:buFontTx/>
+                <a:buNone/>
+                <a:tabLst/>
+                <a:defRPr/>
+              </a:pPr>
+              <a:t>1/19/2023</a:t>
+            </a:fld>
+            <a:endParaRPr kumimoji="0" lang="en-US" sz="900" b="0" i="0" u="none" strike="noStrike" kern="1200" cap="none" spc="0" normalizeH="0" baseline="0" noProof="0" dirty="0">
+              <a:ln>
+                <a:noFill/>
+              </a:ln>
+              <a:solidFill>
+                <a:prstClr val="black">
+                  <a:tint val="75000"/>
+                </a:prstClr>
+              </a:solidFill>
+              <a:effectLst/>
+              <a:uLnTx/>
+              <a:uFillTx/>
+              <a:latin typeface="Trebuchet MS" panose="020B0603020202020204"/>
+              <a:ea typeface="+mn-ea"/>
+              <a:cs typeface="+mn-cs"/>
+            </a:endParaRPr>
+          </a:p>
+        </p:txBody>
+      </p:sp>
+      <p:sp>
+        <p:nvSpPr>
+          <p:cNvPr id="5" name="Footer Placeholder 4">
+            <a:extLst>
+              <a:ext uri="{FF2B5EF4-FFF2-40B4-BE49-F238E27FC236}">
+                <a16:creationId xmlns:a16="http://schemas.microsoft.com/office/drawing/2014/main" id="{4E4D04EE-5AD0-4A57-A42E-AE62E411ACEA}"/>
+              </a:ext>
+            </a:extLst>
+          </p:cNvPr>
+          <p:cNvSpPr>
+            <a:spLocks noGrp="1"/>
+          </p:cNvSpPr>
+          <p:nvPr>
+            <p:ph type="ftr" sz="quarter" idx="11"/>
+          </p:nvPr>
+        </p:nvSpPr>
+        <p:spPr/>
+        <p:txBody>
+          <a:bodyPr/>
+          <a:lstStyle/>
+          <a:p>
+            <a:pPr marL="0" marR="0" lvl="0" indent="0" algn="l" defTabSz="914400" rtl="0" eaLnBrk="1" fontAlgn="auto" latinLnBrk="0" hangingPunct="1">
+              <a:lnSpc>
+                <a:spcPct val="100000"/>
+              </a:lnSpc>
+              <a:spcBef>
+                <a:spcPts val="0"/>
+              </a:spcBef>
+              <a:spcAft>
+                <a:spcPts val="0"/>
+              </a:spcAft>
+              <a:buClrTx/>
+              <a:buSzTx/>
+              <a:buFontTx/>
+              <a:buNone/>
+              <a:tabLst/>
+              <a:defRPr/>
+            </a:pPr>
+            <a:r>
+              <a:rPr kumimoji="0" lang="en-US" sz="900" b="0" i="0" u="none" strike="noStrike" kern="1200" cap="none" spc="0" normalizeH="0" baseline="0" noProof="0" dirty="0">
+                <a:ln>
+                  <a:noFill/>
+                </a:ln>
+                <a:solidFill>
+                  <a:prstClr val="black">
+                    <a:tint val="75000"/>
+                  </a:prstClr>
+                </a:solidFill>
+                <a:effectLst/>
+                <a:uLnTx/>
+                <a:uFillTx/>
+                <a:latin typeface="Trebuchet MS" panose="020B0603020202020204"/>
+                <a:ea typeface="+mn-ea"/>
+                <a:cs typeface="+mn-cs"/>
+              </a:rPr>
+              <a:t>raysmith@alum.mit.edu</a:t>
+            </a:r>
+          </a:p>
+        </p:txBody>
+      </p:sp>
+      <p:sp>
+        <p:nvSpPr>
+          <p:cNvPr id="6" name="Slide Number Placeholder 5">
+            <a:extLst>
+              <a:ext uri="{FF2B5EF4-FFF2-40B4-BE49-F238E27FC236}">
+                <a16:creationId xmlns:a16="http://schemas.microsoft.com/office/drawing/2014/main" id="{9711C448-36A8-43E6-A891-6E42F22D1185}"/>
+              </a:ext>
+            </a:extLst>
+          </p:cNvPr>
+          <p:cNvSpPr>
+            <a:spLocks noGrp="1"/>
+          </p:cNvSpPr>
+          <p:nvPr>
+            <p:ph type="sldNum" sz="quarter" idx="12"/>
+          </p:nvPr>
+        </p:nvSpPr>
+        <p:spPr/>
+        <p:txBody>
+          <a:bodyPr/>
+          <a:lstStyle/>
+          <a:p>
+            <a:pPr marL="0" marR="0" lvl="0" indent="0" algn="r" defTabSz="914400" rtl="0" eaLnBrk="1" fontAlgn="auto" latinLnBrk="0" hangingPunct="1">
+              <a:lnSpc>
+                <a:spcPct val="100000"/>
+              </a:lnSpc>
+              <a:spcBef>
+                <a:spcPts val="0"/>
+              </a:spcBef>
+              <a:spcAft>
+                <a:spcPts val="0"/>
+              </a:spcAft>
+              <a:buClrTx/>
+              <a:buSzTx/>
+              <a:buFontTx/>
+              <a:buNone/>
+              <a:tabLst/>
+              <a:defRPr/>
+            </a:pPr>
+            <a:fld id="{6D22F896-40B5-4ADD-8801-0D06FADFA095}" type="slidenum">
+              <a:rPr kumimoji="0" lang="en-US" sz="900" b="0" i="0" u="none" strike="noStrike" kern="1200" cap="none" spc="0" normalizeH="0" baseline="0" noProof="0" smtClean="0">
+                <a:ln>
+                  <a:noFill/>
+                </a:ln>
+                <a:solidFill>
+                  <a:srgbClr val="90C226"/>
+                </a:solidFill>
+                <a:effectLst/>
+                <a:uLnTx/>
+                <a:uFillTx/>
+                <a:latin typeface="Trebuchet MS" panose="020B0603020202020204"/>
+                <a:ea typeface="+mn-ea"/>
+                <a:cs typeface="+mn-cs"/>
+              </a:rPr>
+              <a:pPr marL="0" marR="0" lvl="0" indent="0" algn="r" defTabSz="914400" rtl="0" eaLnBrk="1" fontAlgn="auto" latinLnBrk="0" hangingPunct="1">
+                <a:lnSpc>
+                  <a:spcPct val="100000"/>
+                </a:lnSpc>
+                <a:spcBef>
+                  <a:spcPts val="0"/>
+                </a:spcBef>
+                <a:spcAft>
+                  <a:spcPts val="0"/>
+                </a:spcAft>
+                <a:buClrTx/>
+                <a:buSzTx/>
+                <a:buFontTx/>
+                <a:buNone/>
+                <a:tabLst/>
+                <a:defRPr/>
+              </a:pPr>
+              <a:t>35</a:t>
+            </a:fld>
+            <a:endParaRPr kumimoji="0" lang="en-US" sz="900" b="0" i="0" u="none" strike="noStrike" kern="1200" cap="none" spc="0" normalizeH="0" baseline="0" noProof="0" dirty="0">
+              <a:ln>
+                <a:noFill/>
+              </a:ln>
+              <a:solidFill>
+                <a:srgbClr val="90C226"/>
+              </a:solidFill>
+              <a:effectLst/>
+              <a:uLnTx/>
+              <a:uFillTx/>
+              <a:latin typeface="Trebuchet MS" panose="020B0603020202020204"/>
+              <a:ea typeface="+mn-ea"/>
+              <a:cs typeface="+mn-cs"/>
+            </a:endParaRPr>
+          </a:p>
+        </p:txBody>
+      </p:sp>
+    </p:spTree>
+    <p:extLst>
+      <p:ext uri="{BB962C8B-B14F-4D97-AF65-F5344CB8AC3E}">
+        <p14:creationId xmlns:p14="http://schemas.microsoft.com/office/powerpoint/2010/main" val="3276948935"/>
       </p:ext>
     </p:extLst>
   </p:cSld>
@@ -13409,16 +19006,16 @@
             </a:r>
           </a:p>
           <a:p>
-            <a:pPr lvl="1"/>
-            <a:r>
-              <a:rPr lang="en-US" sz="3600" i="1" dirty="0"/>
-              <a:t>Tools e.g. Braillers are expensive – not at everyone's desk</a:t>
-            </a:r>
-          </a:p>
-          <a:p>
-            <a:pPr lvl="1"/>
-            <a:r>
-              <a:rPr lang="en-US" sz="3600" i="1" dirty="0"/>
+            <a:pPr lvl="2"/>
+            <a:r>
+              <a:rPr lang="en-US" sz="3400" i="1" dirty="0"/>
+              <a:t>Tools e.g. Braille embossers are expensive – not at everyone's desk</a:t>
+            </a:r>
+          </a:p>
+          <a:p>
+            <a:pPr lvl="2"/>
+            <a:r>
+              <a:rPr lang="en-US" sz="3400" i="1" dirty="0"/>
               <a:t>Access - slow/cumbersome</a:t>
             </a:r>
           </a:p>
@@ -13496,7 +19093,7 @@
                 <a:tabLst/>
                 <a:defRPr/>
               </a:pPr>
-              <a:t>1/10/2023</a:t>
+              <a:t>1/19/2023</a:t>
             </a:fld>
             <a:endParaRPr kumimoji="0" lang="en-US" sz="900" b="0" i="0" u="none" strike="noStrike" kern="1200" cap="none" spc="0" normalizeH="0" baseline="0" noProof="0" dirty="0">
               <a:ln>
@@ -13872,7 +19469,7 @@
                 <a:tabLst/>
                 <a:defRPr/>
               </a:pPr>
-              <a:t>1/10/2023</a:t>
+              <a:t>1/19/2023</a:t>
             </a:fld>
             <a:endParaRPr kumimoji="0" lang="en-US" sz="900" b="0" i="0" u="none" strike="noStrike" kern="1200" cap="none" spc="0" normalizeH="0" baseline="0" noProof="0" dirty="0">
               <a:ln>
@@ -14133,7 +19730,7 @@
           <a:p>
             <a:r>
               <a:rPr lang="en-US" sz="4400" dirty="0"/>
-              <a:t>Benefits Provided</a:t>
+              <a:t>Tool Benefits Provided</a:t>
             </a:r>
           </a:p>
         </p:txBody>
@@ -14258,7 +19855,7 @@
                 <a:tabLst/>
                 <a:defRPr/>
               </a:pPr>
-              <a:t>1/10/2023</a:t>
+              <a:t>1/19/2023</a:t>
             </a:fld>
             <a:endParaRPr kumimoji="0" lang="en-US" sz="900" b="0" i="0" u="none" strike="noStrike" kern="1200" cap="none" spc="0" normalizeH="0" baseline="0" noProof="0" dirty="0">
               <a:ln>
@@ -14653,7 +20250,7 @@
                 <a:tabLst/>
                 <a:defRPr/>
               </a:pPr>
-              <a:t>1/10/2023</a:t>
+              <a:t>1/19/2023</a:t>
             </a:fld>
             <a:endParaRPr kumimoji="0" lang="en-US" sz="900" b="0" i="0" u="none" strike="noStrike" kern="1200" cap="none" spc="0" normalizeH="0" baseline="0" noProof="0" dirty="0">
               <a:ln>
@@ -15138,7 +20735,7 @@
                 <a:tabLst/>
                 <a:defRPr/>
               </a:pPr>
-              <a:t>1/10/2023</a:t>
+              <a:t>1/19/2023</a:t>
             </a:fld>
             <a:endParaRPr kumimoji="0" lang="en-US" sz="900" b="0" i="0" u="none" strike="noStrike" kern="1200" cap="none" spc="0" normalizeH="0" baseline="0" noProof="0" dirty="0">
               <a:ln>
@@ -15449,7 +21046,7 @@
                 <a:latin typeface="Courier New" panose="02070309020205020404" pitchFamily="49" charset="0"/>
                 <a:cs typeface="Courier New" panose="02070309020205020404" pitchFamily="49" charset="0"/>
               </a:rPr>
-              <a:t> python square_fill.py</a:t>
+              <a:t> python square_loop.py</a:t>
             </a:r>
           </a:p>
           <a:p>
@@ -15480,7 +21077,7 @@
           <a:p>
             <a:fld id="{A7119916-CD40-456D-ABE3-55F8822671F7}" type="datetime1">
               <a:rPr lang="en-US" smtClean="0"/>
-              <a:t>1/10/2023</a:t>
+              <a:t>1/19/2023</a:t>
             </a:fld>
             <a:endParaRPr lang="en-US" dirty="0"/>
           </a:p>
